--- a/Assets/images/reciepts_format.pptx
+++ b/Assets/images/reciepts_format.pptx
@@ -9,12 +9,15 @@
     <p:sldId id="258" r:id="rId3"/>
     <p:sldId id="259" r:id="rId4"/>
     <p:sldId id="260" r:id="rId5"/>
-    <p:sldId id="261" r:id="rId6"/>
-    <p:sldId id="263" r:id="rId7"/>
-    <p:sldId id="264" r:id="rId8"/>
-    <p:sldId id="265" r:id="rId9"/>
-    <p:sldId id="266" r:id="rId10"/>
-    <p:sldId id="267" r:id="rId11"/>
+    <p:sldId id="263" r:id="rId6"/>
+    <p:sldId id="270" r:id="rId7"/>
+    <p:sldId id="261" r:id="rId8"/>
+    <p:sldId id="264" r:id="rId9"/>
+    <p:sldId id="265" r:id="rId10"/>
+    <p:sldId id="266" r:id="rId11"/>
+    <p:sldId id="269" r:id="rId12"/>
+    <p:sldId id="267" r:id="rId13"/>
+    <p:sldId id="268" r:id="rId14"/>
   </p:sldIdLst>
   <p:sldSz cx="12192000" cy="6858000"/>
   <p:notesSz cx="6858000" cy="9144000"/>
@@ -113,6 +116,11 @@
       </a:defRPr>
     </a:lvl9pPr>
   </p:defaultTextStyle>
+  <p:extLst>
+    <p:ext uri="{EFAFB233-063F-42B5-8137-9DF3F51BA10A}">
+      <p15:sldGuideLst xmlns:p15="http://schemas.microsoft.com/office/powerpoint/2012/main"/>
+    </p:ext>
+  </p:extLst>
 </p:presentation>
 </file>
 
@@ -4159,6 +4167,1600 @@
       </p:grpSpPr>
       <p:grpSp>
         <p:nvGrpSpPr>
+          <p:cNvPr id="8" name="Group 7">
+            <a:extLst>
+              <a:ext uri="{FF2B5EF4-FFF2-40B4-BE49-F238E27FC236}">
+                <a16:creationId xmlns:a16="http://schemas.microsoft.com/office/drawing/2014/main" id="{865459E4-828E-498C-8217-DF87F4234815}"/>
+              </a:ext>
+            </a:extLst>
+          </p:cNvPr>
+          <p:cNvGrpSpPr/>
+          <p:nvPr/>
+        </p:nvGrpSpPr>
+        <p:grpSpPr>
+          <a:xfrm>
+            <a:off x="219821" y="302135"/>
+            <a:ext cx="4132525" cy="5929179"/>
+            <a:chOff x="219821" y="302135"/>
+            <a:chExt cx="4132525" cy="5929179"/>
+          </a:xfrm>
+        </p:grpSpPr>
+        <p:grpSp>
+          <p:nvGrpSpPr>
+            <p:cNvPr id="2" name="Group 1">
+              <a:extLst>
+                <a:ext uri="{FF2B5EF4-FFF2-40B4-BE49-F238E27FC236}">
+                  <a16:creationId xmlns:a16="http://schemas.microsoft.com/office/drawing/2014/main" id="{D29A4326-F822-49EC-8D7F-47B44A36FE49}"/>
+                </a:ext>
+              </a:extLst>
+            </p:cNvPr>
+            <p:cNvGrpSpPr/>
+            <p:nvPr/>
+          </p:nvGrpSpPr>
+          <p:grpSpPr>
+            <a:xfrm>
+              <a:off x="219821" y="302135"/>
+              <a:ext cx="4132525" cy="5929179"/>
+              <a:chOff x="219821" y="302135"/>
+              <a:chExt cx="4132525" cy="5929179"/>
+            </a:xfrm>
+          </p:grpSpPr>
+          <p:sp>
+            <p:nvSpPr>
+              <p:cNvPr id="10" name="Rectangle 9">
+                <a:extLst>
+                  <a:ext uri="{FF2B5EF4-FFF2-40B4-BE49-F238E27FC236}">
+                    <a16:creationId xmlns:a16="http://schemas.microsoft.com/office/drawing/2014/main" id="{E4AD598C-FFFC-498B-B5A0-671EB1704D14}"/>
+                  </a:ext>
+                </a:extLst>
+              </p:cNvPr>
+              <p:cNvSpPr/>
+              <p:nvPr/>
+            </p:nvSpPr>
+            <p:spPr>
+              <a:xfrm>
+                <a:off x="219821" y="302135"/>
+                <a:ext cx="4132525" cy="5929179"/>
+              </a:xfrm>
+              <a:prstGeom prst="rect">
+                <a:avLst/>
+              </a:prstGeom>
+              <a:solidFill>
+                <a:schemeClr val="bg1">
+                  <a:lumMod val="95000"/>
+                </a:schemeClr>
+              </a:solidFill>
+              <a:ln w="177800">
+                <a:solidFill>
+                  <a:schemeClr val="tx1"/>
+                </a:solidFill>
+              </a:ln>
+              <a:effectLst>
+                <a:softEdge rad="127000"/>
+              </a:effectLst>
+            </p:spPr>
+            <p:style>
+              <a:lnRef idx="2">
+                <a:schemeClr val="accent1">
+                  <a:shade val="50000"/>
+                </a:schemeClr>
+              </a:lnRef>
+              <a:fillRef idx="1">
+                <a:schemeClr val="accent1"/>
+              </a:fillRef>
+              <a:effectRef idx="0">
+                <a:schemeClr val="accent1"/>
+              </a:effectRef>
+              <a:fontRef idx="minor">
+                <a:schemeClr val="lt1"/>
+              </a:fontRef>
+            </p:style>
+            <p:txBody>
+              <a:bodyPr rtlCol="0" anchor="t"/>
+              <a:lstStyle/>
+              <a:p>
+                <a:pPr algn="ctr">
+                  <a:lnSpc>
+                    <a:spcPct val="200000"/>
+                  </a:lnSpc>
+                </a:pPr>
+                <a:r>
+                  <a:rPr lang="en-US" sz="4000" b="1" dirty="0">
+                    <a:solidFill>
+                      <a:schemeClr val="tx1"/>
+                    </a:solidFill>
+                    <a:latin typeface="Algerian" panose="04020705040A02060702" pitchFamily="82" charset="0"/>
+                  </a:rPr>
+                  <a:t>Beef nigiri:</a:t>
+                </a:r>
+                <a:endParaRPr lang="en-US" sz="4000" dirty="0">
+                  <a:solidFill>
+                    <a:schemeClr val="tx1"/>
+                  </a:solidFill>
+                  <a:latin typeface="Algerian" panose="04020705040A02060702" pitchFamily="82" charset="0"/>
+                </a:endParaRPr>
+              </a:p>
+              <a:p>
+                <a:pPr algn="ctr">
+                  <a:lnSpc>
+                    <a:spcPct val="200000"/>
+                  </a:lnSpc>
+                  <a:buSzPct val="150000"/>
+                </a:pPr>
+                <a:r>
+                  <a:rPr lang="en-US" sz="4000" dirty="0">
+                    <a:solidFill>
+                      <a:schemeClr val="tx1"/>
+                    </a:solidFill>
+                    <a:latin typeface="Algerian" panose="04020705040A02060702" pitchFamily="82" charset="0"/>
+                  </a:rPr>
+                  <a:t> meat</a:t>
+                </a:r>
+              </a:p>
+              <a:p>
+                <a:pPr algn="ctr">
+                  <a:lnSpc>
+                    <a:spcPct val="200000"/>
+                  </a:lnSpc>
+                  <a:buSzPct val="150000"/>
+                </a:pPr>
+                <a:r>
+                  <a:rPr lang="en-US" sz="4000" dirty="0">
+                    <a:solidFill>
+                      <a:schemeClr val="tx1"/>
+                    </a:solidFill>
+                    <a:latin typeface="Algerian" panose="04020705040A02060702" pitchFamily="82" charset="0"/>
+                  </a:rPr>
+                  <a:t>          fruit/veg</a:t>
+                </a:r>
+              </a:p>
+              <a:p>
+                <a:pPr algn="ctr">
+                  <a:lnSpc>
+                    <a:spcPct val="200000"/>
+                  </a:lnSpc>
+                  <a:buSzPct val="150000"/>
+                </a:pPr>
+                <a:r>
+                  <a:rPr lang="en-US" sz="4000" dirty="0">
+                    <a:solidFill>
+                      <a:schemeClr val="tx1"/>
+                    </a:solidFill>
+                    <a:latin typeface="Algerian" panose="04020705040A02060702" pitchFamily="82" charset="0"/>
+                  </a:rPr>
+                  <a:t>  grain</a:t>
+                </a:r>
+                <a:endParaRPr lang="en-US" sz="4800" dirty="0">
+                  <a:solidFill>
+                    <a:schemeClr val="tx1"/>
+                  </a:solidFill>
+                  <a:latin typeface="Algerian" panose="04020705040A02060702" pitchFamily="82" charset="0"/>
+                </a:endParaRPr>
+              </a:p>
+            </p:txBody>
+          </p:sp>
+          <p:pic>
+            <p:nvPicPr>
+              <p:cNvPr id="15" name="Picture 14">
+                <a:extLst>
+                  <a:ext uri="{FF2B5EF4-FFF2-40B4-BE49-F238E27FC236}">
+                    <a16:creationId xmlns:a16="http://schemas.microsoft.com/office/drawing/2014/main" id="{271E8977-1EA4-439B-BEA6-114566CF786D}"/>
+                  </a:ext>
+                </a:extLst>
+              </p:cNvPr>
+              <p:cNvPicPr>
+                <a:picLocks noChangeAspect="1"/>
+              </p:cNvPicPr>
+              <p:nvPr/>
+            </p:nvPicPr>
+            <p:blipFill>
+              <a:blip r:embed="rId2">
+                <a:extLst>
+                  <a:ext uri="{BEBA8EAE-BF5A-486C-A8C5-ECC9F3942E4B}">
+                    <a14:imgProps xmlns:a14="http://schemas.microsoft.com/office/drawing/2010/main">
+                      <a14:imgLayer r:embed="rId3">
+                        <a14:imgEffect>
+                          <a14:brightnessContrast contrast="40000"/>
+                        </a14:imgEffect>
+                      </a14:imgLayer>
+                    </a14:imgProps>
+                  </a:ext>
+                  <a:ext uri="{28A0092B-C50C-407E-A947-70E740481C1C}">
+                    <a14:useLocalDpi xmlns:a14="http://schemas.microsoft.com/office/drawing/2010/main" val="0"/>
+                  </a:ext>
+                </a:extLst>
+              </a:blip>
+              <a:stretch>
+                <a:fillRect/>
+              </a:stretch>
+            </p:blipFill>
+            <p:spPr>
+              <a:xfrm>
+                <a:off x="376179" y="1513444"/>
+                <a:ext cx="1303647" cy="1303647"/>
+              </a:xfrm>
+              <a:prstGeom prst="rect">
+                <a:avLst/>
+              </a:prstGeom>
+            </p:spPr>
+          </p:pic>
+          <p:grpSp>
+            <p:nvGrpSpPr>
+              <p:cNvPr id="30" name="Group 29">
+                <a:extLst>
+                  <a:ext uri="{FF2B5EF4-FFF2-40B4-BE49-F238E27FC236}">
+                    <a16:creationId xmlns:a16="http://schemas.microsoft.com/office/drawing/2014/main" id="{89252801-23C1-4A4C-B020-448359454919}"/>
+                  </a:ext>
+                </a:extLst>
+              </p:cNvPr>
+              <p:cNvGrpSpPr/>
+              <p:nvPr/>
+            </p:nvGrpSpPr>
+            <p:grpSpPr>
+              <a:xfrm>
+                <a:off x="1695974" y="5577430"/>
+                <a:ext cx="1043985" cy="471055"/>
+                <a:chOff x="1695974" y="5577430"/>
+                <a:chExt cx="1043985" cy="471055"/>
+              </a:xfrm>
+            </p:grpSpPr>
+            <p:pic>
+              <p:nvPicPr>
+                <p:cNvPr id="12" name="Picture 11">
+                  <a:extLst>
+                    <a:ext uri="{FF2B5EF4-FFF2-40B4-BE49-F238E27FC236}">
+                      <a16:creationId xmlns:a16="http://schemas.microsoft.com/office/drawing/2014/main" id="{2FE1249F-AB7C-4A4E-8493-765182617B04}"/>
+                    </a:ext>
+                  </a:extLst>
+                </p:cNvPr>
+                <p:cNvPicPr>
+                  <a:picLocks noChangeAspect="1"/>
+                </p:cNvPicPr>
+                <p:nvPr/>
+              </p:nvPicPr>
+              <p:blipFill rotWithShape="1">
+                <a:blip r:embed="rId4">
+                  <a:extLst>
+                    <a:ext uri="{BEBA8EAE-BF5A-486C-A8C5-ECC9F3942E4B}">
+                      <a14:imgProps xmlns:a14="http://schemas.microsoft.com/office/drawing/2010/main">
+                        <a14:imgLayer r:embed="rId5">
+                          <a14:imgEffect>
+                            <a14:artisticPlasticWrap/>
+                          </a14:imgEffect>
+                          <a14:imgEffect>
+                            <a14:colorTemperature colorTemp="11200"/>
+                          </a14:imgEffect>
+                          <a14:imgEffect>
+                            <a14:saturation sat="400000"/>
+                          </a14:imgEffect>
+                          <a14:imgEffect>
+                            <a14:brightnessContrast contrast="40000"/>
+                          </a14:imgEffect>
+                        </a14:imgLayer>
+                      </a14:imgProps>
+                    </a:ext>
+                    <a:ext uri="{28A0092B-C50C-407E-A947-70E740481C1C}">
+                      <a14:useLocalDpi xmlns:a14="http://schemas.microsoft.com/office/drawing/2010/main" val="0"/>
+                    </a:ext>
+                  </a:extLst>
+                </a:blip>
+                <a:srcRect l="28919" t="14445" r="31742" b="43757"/>
+                <a:stretch/>
+              </p:blipFill>
+              <p:spPr>
+                <a:xfrm>
+                  <a:off x="2296613" y="5577430"/>
+                  <a:ext cx="443346" cy="471055"/>
+                </a:xfrm>
+                <a:prstGeom prst="rect">
+                  <a:avLst/>
+                </a:prstGeom>
+              </p:spPr>
+            </p:pic>
+            <p:sp>
+              <p:nvSpPr>
+                <p:cNvPr id="28" name="TextBox 27">
+                  <a:extLst>
+                    <a:ext uri="{FF2B5EF4-FFF2-40B4-BE49-F238E27FC236}">
+                      <a16:creationId xmlns:a16="http://schemas.microsoft.com/office/drawing/2014/main" id="{605D5B81-0FBB-4094-AC15-C71A9209339E}"/>
+                    </a:ext>
+                  </a:extLst>
+                </p:cNvPr>
+                <p:cNvSpPr txBox="1"/>
+                <p:nvPr/>
+              </p:nvSpPr>
+              <p:spPr>
+                <a:xfrm>
+                  <a:off x="1695974" y="5582124"/>
+                  <a:ext cx="660758" cy="461665"/>
+                </a:xfrm>
+                <a:prstGeom prst="rect">
+                  <a:avLst/>
+                </a:prstGeom>
+                <a:noFill/>
+              </p:spPr>
+              <p:txBody>
+                <a:bodyPr wrap="none" rtlCol="0">
+                  <a:spAutoFit/>
+                </a:bodyPr>
+                <a:lstStyle/>
+                <a:p>
+                  <a:r>
+                    <a:rPr lang="en-US" sz="2400" b="1" dirty="0">
+                      <a:latin typeface="Algerian" panose="04020705040A02060702" pitchFamily="82" charset="0"/>
+                    </a:rPr>
+                    <a:t>1 x</a:t>
+                  </a:r>
+                </a:p>
+              </p:txBody>
+            </p:sp>
+          </p:grpSp>
+        </p:grpSp>
+        <p:pic>
+          <p:nvPicPr>
+            <p:cNvPr id="19" name="Picture 18">
+              <a:extLst>
+                <a:ext uri="{FF2B5EF4-FFF2-40B4-BE49-F238E27FC236}">
+                  <a16:creationId xmlns:a16="http://schemas.microsoft.com/office/drawing/2014/main" id="{374E674B-3F12-41DD-9C0F-4258E0D06A50}"/>
+                </a:ext>
+              </a:extLst>
+            </p:cNvPr>
+            <p:cNvPicPr>
+              <a:picLocks noChangeAspect="1"/>
+            </p:cNvPicPr>
+            <p:nvPr/>
+          </p:nvPicPr>
+          <p:blipFill>
+            <a:blip r:embed="rId6">
+              <a:clrChange>
+                <a:clrFrom>
+                  <a:srgbClr val="FFFFFF"/>
+                </a:clrFrom>
+                <a:clrTo>
+                  <a:srgbClr val="FFFFFF">
+                    <a:alpha val="0"/>
+                  </a:srgbClr>
+                </a:clrTo>
+              </a:clrChange>
+              <a:extLst>
+                <a:ext uri="{28A0092B-C50C-407E-A947-70E740481C1C}">
+                  <a14:useLocalDpi xmlns:a14="http://schemas.microsoft.com/office/drawing/2010/main" val="0"/>
+                </a:ext>
+              </a:extLst>
+            </a:blip>
+            <a:stretch>
+              <a:fillRect/>
+            </a:stretch>
+          </p:blipFill>
+          <p:spPr>
+            <a:xfrm>
+              <a:off x="581891" y="2975062"/>
+              <a:ext cx="892225" cy="1023934"/>
+            </a:xfrm>
+            <a:prstGeom prst="rect">
+              <a:avLst/>
+            </a:prstGeom>
+          </p:spPr>
+        </p:pic>
+        <p:pic>
+          <p:nvPicPr>
+            <p:cNvPr id="7" name="Picture 6">
+              <a:extLst>
+                <a:ext uri="{FF2B5EF4-FFF2-40B4-BE49-F238E27FC236}">
+                  <a16:creationId xmlns:a16="http://schemas.microsoft.com/office/drawing/2014/main" id="{58E69758-5A25-4F43-B2A5-AEAA65B0B461}"/>
+                </a:ext>
+              </a:extLst>
+            </p:cNvPr>
+            <p:cNvPicPr>
+              <a:picLocks noChangeAspect="1"/>
+            </p:cNvPicPr>
+            <p:nvPr/>
+          </p:nvPicPr>
+          <p:blipFill>
+            <a:blip r:embed="rId7">
+              <a:clrChange>
+                <a:clrFrom>
+                  <a:srgbClr val="FFFFFF"/>
+                </a:clrFrom>
+                <a:clrTo>
+                  <a:srgbClr val="FFFFFF">
+                    <a:alpha val="0"/>
+                  </a:srgbClr>
+                </a:clrTo>
+              </a:clrChange>
+              <a:extLst>
+                <a:ext uri="{28A0092B-C50C-407E-A947-70E740481C1C}">
+                  <a14:useLocalDpi xmlns:a14="http://schemas.microsoft.com/office/drawing/2010/main" val="0"/>
+                </a:ext>
+              </a:extLst>
+            </a:blip>
+            <a:stretch>
+              <a:fillRect/>
+            </a:stretch>
+          </p:blipFill>
+          <p:spPr>
+            <a:xfrm>
+              <a:off x="530440" y="4156967"/>
+              <a:ext cx="1023934" cy="1023934"/>
+            </a:xfrm>
+            <a:prstGeom prst="rect">
+              <a:avLst/>
+            </a:prstGeom>
+          </p:spPr>
+        </p:pic>
+      </p:grpSp>
+      <p:grpSp>
+        <p:nvGrpSpPr>
+          <p:cNvPr id="24" name="Group 23">
+            <a:extLst>
+              <a:ext uri="{FF2B5EF4-FFF2-40B4-BE49-F238E27FC236}">
+                <a16:creationId xmlns:a16="http://schemas.microsoft.com/office/drawing/2014/main" id="{FC1097AB-E6AF-4933-A7E9-1D0792E4EB31}"/>
+              </a:ext>
+            </a:extLst>
+          </p:cNvPr>
+          <p:cNvGrpSpPr/>
+          <p:nvPr/>
+        </p:nvGrpSpPr>
+        <p:grpSpPr>
+          <a:xfrm>
+            <a:off x="4433524" y="302135"/>
+            <a:ext cx="4132525" cy="5929179"/>
+            <a:chOff x="219821" y="302135"/>
+            <a:chExt cx="4132525" cy="5929179"/>
+          </a:xfrm>
+        </p:grpSpPr>
+        <p:grpSp>
+          <p:nvGrpSpPr>
+            <p:cNvPr id="25" name="Group 24">
+              <a:extLst>
+                <a:ext uri="{FF2B5EF4-FFF2-40B4-BE49-F238E27FC236}">
+                  <a16:creationId xmlns:a16="http://schemas.microsoft.com/office/drawing/2014/main" id="{004F3028-0426-42FA-AD01-58F964D5C407}"/>
+                </a:ext>
+              </a:extLst>
+            </p:cNvPr>
+            <p:cNvGrpSpPr/>
+            <p:nvPr/>
+          </p:nvGrpSpPr>
+          <p:grpSpPr>
+            <a:xfrm>
+              <a:off x="219821" y="302135"/>
+              <a:ext cx="4132525" cy="5929179"/>
+              <a:chOff x="219821" y="302135"/>
+              <a:chExt cx="4132525" cy="5929179"/>
+            </a:xfrm>
+          </p:grpSpPr>
+          <p:sp>
+            <p:nvSpPr>
+              <p:cNvPr id="31" name="Rectangle 30">
+                <a:extLst>
+                  <a:ext uri="{FF2B5EF4-FFF2-40B4-BE49-F238E27FC236}">
+                    <a16:creationId xmlns:a16="http://schemas.microsoft.com/office/drawing/2014/main" id="{D19C9FCE-C01B-410F-8204-5BFA55D5E182}"/>
+                  </a:ext>
+                </a:extLst>
+              </p:cNvPr>
+              <p:cNvSpPr/>
+              <p:nvPr/>
+            </p:nvSpPr>
+            <p:spPr>
+              <a:xfrm>
+                <a:off x="219821" y="302135"/>
+                <a:ext cx="4132525" cy="5929179"/>
+              </a:xfrm>
+              <a:prstGeom prst="rect">
+                <a:avLst/>
+              </a:prstGeom>
+              <a:solidFill>
+                <a:schemeClr val="bg1">
+                  <a:lumMod val="95000"/>
+                </a:schemeClr>
+              </a:solidFill>
+              <a:ln w="177800">
+                <a:solidFill>
+                  <a:schemeClr val="tx1"/>
+                </a:solidFill>
+              </a:ln>
+              <a:effectLst>
+                <a:softEdge rad="127000"/>
+              </a:effectLst>
+            </p:spPr>
+            <p:style>
+              <a:lnRef idx="2">
+                <a:schemeClr val="accent1">
+                  <a:shade val="50000"/>
+                </a:schemeClr>
+              </a:lnRef>
+              <a:fillRef idx="1">
+                <a:schemeClr val="accent1"/>
+              </a:fillRef>
+              <a:effectRef idx="0">
+                <a:schemeClr val="accent1"/>
+              </a:effectRef>
+              <a:fontRef idx="minor">
+                <a:schemeClr val="lt1"/>
+              </a:fontRef>
+            </p:style>
+            <p:txBody>
+              <a:bodyPr rtlCol="0" anchor="t"/>
+              <a:lstStyle/>
+              <a:p>
+                <a:pPr algn="ctr">
+                  <a:lnSpc>
+                    <a:spcPct val="200000"/>
+                  </a:lnSpc>
+                </a:pPr>
+                <a:r>
+                  <a:rPr lang="en-US" sz="4000" b="1" dirty="0">
+                    <a:solidFill>
+                      <a:schemeClr val="tx1"/>
+                    </a:solidFill>
+                    <a:latin typeface="Algerian" panose="04020705040A02060702" pitchFamily="82" charset="0"/>
+                  </a:rPr>
+                  <a:t>Beef nigiri :</a:t>
+                </a:r>
+                <a:endParaRPr lang="en-US" sz="4000" dirty="0">
+                  <a:solidFill>
+                    <a:schemeClr val="tx1"/>
+                  </a:solidFill>
+                  <a:latin typeface="Algerian" panose="04020705040A02060702" pitchFamily="82" charset="0"/>
+                </a:endParaRPr>
+              </a:p>
+              <a:p>
+                <a:pPr algn="ctr">
+                  <a:lnSpc>
+                    <a:spcPct val="200000"/>
+                  </a:lnSpc>
+                  <a:buSzPct val="150000"/>
+                </a:pPr>
+                <a:r>
+                  <a:rPr lang="en-US" sz="4000" dirty="0">
+                    <a:solidFill>
+                      <a:schemeClr val="tx1"/>
+                    </a:solidFill>
+                    <a:latin typeface="Algerian" panose="04020705040A02060702" pitchFamily="82" charset="0"/>
+                  </a:rPr>
+                  <a:t> meat</a:t>
+                </a:r>
+              </a:p>
+              <a:p>
+                <a:pPr algn="ctr">
+                  <a:lnSpc>
+                    <a:spcPct val="200000"/>
+                  </a:lnSpc>
+                  <a:buSzPct val="150000"/>
+                </a:pPr>
+                <a:r>
+                  <a:rPr lang="en-US" sz="4000" dirty="0">
+                    <a:solidFill>
+                      <a:schemeClr val="tx1"/>
+                    </a:solidFill>
+                    <a:latin typeface="Algerian" panose="04020705040A02060702" pitchFamily="82" charset="0"/>
+                  </a:rPr>
+                  <a:t>          fruit/veg</a:t>
+                </a:r>
+              </a:p>
+              <a:p>
+                <a:pPr algn="ctr">
+                  <a:lnSpc>
+                    <a:spcPct val="200000"/>
+                  </a:lnSpc>
+                  <a:buSzPct val="150000"/>
+                </a:pPr>
+                <a:r>
+                  <a:rPr lang="en-US" sz="4000" dirty="0">
+                    <a:solidFill>
+                      <a:schemeClr val="tx1"/>
+                    </a:solidFill>
+                    <a:latin typeface="Algerian" panose="04020705040A02060702" pitchFamily="82" charset="0"/>
+                  </a:rPr>
+                  <a:t>  grain</a:t>
+                </a:r>
+                <a:endParaRPr lang="en-US" sz="4800" dirty="0">
+                  <a:solidFill>
+                    <a:schemeClr val="tx1"/>
+                  </a:solidFill>
+                  <a:latin typeface="Algerian" panose="04020705040A02060702" pitchFamily="82" charset="0"/>
+                </a:endParaRPr>
+              </a:p>
+            </p:txBody>
+          </p:sp>
+          <p:pic>
+            <p:nvPicPr>
+              <p:cNvPr id="32" name="Picture 31">
+                <a:extLst>
+                  <a:ext uri="{FF2B5EF4-FFF2-40B4-BE49-F238E27FC236}">
+                    <a16:creationId xmlns:a16="http://schemas.microsoft.com/office/drawing/2014/main" id="{BBB6B205-09F6-4366-AF52-949E7BADB4C7}"/>
+                  </a:ext>
+                </a:extLst>
+              </p:cNvPr>
+              <p:cNvPicPr>
+                <a:picLocks noChangeAspect="1"/>
+              </p:cNvPicPr>
+              <p:nvPr/>
+            </p:nvPicPr>
+            <p:blipFill>
+              <a:blip r:embed="rId2">
+                <a:extLst>
+                  <a:ext uri="{BEBA8EAE-BF5A-486C-A8C5-ECC9F3942E4B}">
+                    <a14:imgProps xmlns:a14="http://schemas.microsoft.com/office/drawing/2010/main">
+                      <a14:imgLayer r:embed="rId3">
+                        <a14:imgEffect>
+                          <a14:brightnessContrast contrast="40000"/>
+                        </a14:imgEffect>
+                      </a14:imgLayer>
+                    </a14:imgProps>
+                  </a:ext>
+                  <a:ext uri="{28A0092B-C50C-407E-A947-70E740481C1C}">
+                    <a14:useLocalDpi xmlns:a14="http://schemas.microsoft.com/office/drawing/2010/main" val="0"/>
+                  </a:ext>
+                </a:extLst>
+              </a:blip>
+              <a:stretch>
+                <a:fillRect/>
+              </a:stretch>
+            </p:blipFill>
+            <p:spPr>
+              <a:xfrm>
+                <a:off x="376179" y="1513444"/>
+                <a:ext cx="1303647" cy="1303647"/>
+              </a:xfrm>
+              <a:prstGeom prst="rect">
+                <a:avLst/>
+              </a:prstGeom>
+            </p:spPr>
+          </p:pic>
+          <p:pic>
+            <p:nvPicPr>
+              <p:cNvPr id="34" name="Picture 33">
+                <a:extLst>
+                  <a:ext uri="{FF2B5EF4-FFF2-40B4-BE49-F238E27FC236}">
+                    <a16:creationId xmlns:a16="http://schemas.microsoft.com/office/drawing/2014/main" id="{ACD33541-348A-4DB4-A72E-740F3538C1EC}"/>
+                  </a:ext>
+                </a:extLst>
+              </p:cNvPr>
+              <p:cNvPicPr>
+                <a:picLocks noChangeAspect="1"/>
+              </p:cNvPicPr>
+              <p:nvPr/>
+            </p:nvPicPr>
+            <p:blipFill rotWithShape="1">
+              <a:blip r:embed="rId4">
+                <a:extLst>
+                  <a:ext uri="{BEBA8EAE-BF5A-486C-A8C5-ECC9F3942E4B}">
+                    <a14:imgProps xmlns:a14="http://schemas.microsoft.com/office/drawing/2010/main">
+                      <a14:imgLayer r:embed="rId5">
+                        <a14:imgEffect>
+                          <a14:artisticPlasticWrap/>
+                        </a14:imgEffect>
+                        <a14:imgEffect>
+                          <a14:colorTemperature colorTemp="11200"/>
+                        </a14:imgEffect>
+                        <a14:imgEffect>
+                          <a14:saturation sat="400000"/>
+                        </a14:imgEffect>
+                        <a14:imgEffect>
+                          <a14:brightnessContrast contrast="40000"/>
+                        </a14:imgEffect>
+                      </a14:imgLayer>
+                    </a14:imgProps>
+                  </a:ext>
+                  <a:ext uri="{28A0092B-C50C-407E-A947-70E740481C1C}">
+                    <a14:useLocalDpi xmlns:a14="http://schemas.microsoft.com/office/drawing/2010/main" val="0"/>
+                  </a:ext>
+                </a:extLst>
+              </a:blip>
+              <a:srcRect l="28919" t="14445" r="31742" b="43757"/>
+              <a:stretch/>
+            </p:blipFill>
+            <p:spPr>
+              <a:xfrm>
+                <a:off x="2064410" y="5577430"/>
+                <a:ext cx="443346" cy="471055"/>
+              </a:xfrm>
+              <a:prstGeom prst="rect">
+                <a:avLst/>
+              </a:prstGeom>
+            </p:spPr>
+          </p:pic>
+        </p:grpSp>
+        <p:pic>
+          <p:nvPicPr>
+            <p:cNvPr id="26" name="Picture 25">
+              <a:extLst>
+                <a:ext uri="{FF2B5EF4-FFF2-40B4-BE49-F238E27FC236}">
+                  <a16:creationId xmlns:a16="http://schemas.microsoft.com/office/drawing/2014/main" id="{8743E825-0200-4FE7-823E-A3EE14383A5D}"/>
+                </a:ext>
+              </a:extLst>
+            </p:cNvPr>
+            <p:cNvPicPr>
+              <a:picLocks noChangeAspect="1"/>
+            </p:cNvPicPr>
+            <p:nvPr/>
+          </p:nvPicPr>
+          <p:blipFill>
+            <a:blip r:embed="rId6">
+              <a:clrChange>
+                <a:clrFrom>
+                  <a:srgbClr val="FFFFFF"/>
+                </a:clrFrom>
+                <a:clrTo>
+                  <a:srgbClr val="FFFFFF">
+                    <a:alpha val="0"/>
+                  </a:srgbClr>
+                </a:clrTo>
+              </a:clrChange>
+              <a:extLst>
+                <a:ext uri="{28A0092B-C50C-407E-A947-70E740481C1C}">
+                  <a14:useLocalDpi xmlns:a14="http://schemas.microsoft.com/office/drawing/2010/main" val="0"/>
+                </a:ext>
+              </a:extLst>
+            </a:blip>
+            <a:stretch>
+              <a:fillRect/>
+            </a:stretch>
+          </p:blipFill>
+          <p:spPr>
+            <a:xfrm>
+              <a:off x="581891" y="2975062"/>
+              <a:ext cx="892225" cy="1023934"/>
+            </a:xfrm>
+            <a:prstGeom prst="rect">
+              <a:avLst/>
+            </a:prstGeom>
+          </p:spPr>
+        </p:pic>
+        <p:pic>
+          <p:nvPicPr>
+            <p:cNvPr id="29" name="Picture 28">
+              <a:extLst>
+                <a:ext uri="{FF2B5EF4-FFF2-40B4-BE49-F238E27FC236}">
+                  <a16:creationId xmlns:a16="http://schemas.microsoft.com/office/drawing/2014/main" id="{C33A8FFE-907A-482E-ACED-A035A735504B}"/>
+                </a:ext>
+              </a:extLst>
+            </p:cNvPr>
+            <p:cNvPicPr>
+              <a:picLocks noChangeAspect="1"/>
+            </p:cNvPicPr>
+            <p:nvPr/>
+          </p:nvPicPr>
+          <p:blipFill>
+            <a:blip r:embed="rId7">
+              <a:clrChange>
+                <a:clrFrom>
+                  <a:srgbClr val="FFFFFF"/>
+                </a:clrFrom>
+                <a:clrTo>
+                  <a:srgbClr val="FFFFFF">
+                    <a:alpha val="0"/>
+                  </a:srgbClr>
+                </a:clrTo>
+              </a:clrChange>
+              <a:extLst>
+                <a:ext uri="{28A0092B-C50C-407E-A947-70E740481C1C}">
+                  <a14:useLocalDpi xmlns:a14="http://schemas.microsoft.com/office/drawing/2010/main" val="0"/>
+                </a:ext>
+              </a:extLst>
+            </a:blip>
+            <a:stretch>
+              <a:fillRect/>
+            </a:stretch>
+          </p:blipFill>
+          <p:spPr>
+            <a:xfrm>
+              <a:off x="530440" y="4156967"/>
+              <a:ext cx="1023934" cy="1023934"/>
+            </a:xfrm>
+            <a:prstGeom prst="rect">
+              <a:avLst/>
+            </a:prstGeom>
+          </p:spPr>
+        </p:pic>
+      </p:grpSp>
+    </p:spTree>
+    <p:extLst>
+      <p:ext uri="{BB962C8B-B14F-4D97-AF65-F5344CB8AC3E}">
+        <p14:creationId xmlns:p14="http://schemas.microsoft.com/office/powerpoint/2010/main" val="596263107"/>
+      </p:ext>
+    </p:extLst>
+  </p:cSld>
+  <p:clrMapOvr>
+    <a:masterClrMapping/>
+  </p:clrMapOvr>
+</p:sld>
+</file>
+
+<file path=ppt/slides/slide11.xml><?xml version="1.0" encoding="utf-8"?>
+<p:sld xmlns:a="http://schemas.openxmlformats.org/drawingml/2006/main" xmlns:r="http://schemas.openxmlformats.org/officeDocument/2006/relationships" xmlns:p="http://schemas.openxmlformats.org/presentationml/2006/main">
+  <p:cSld>
+    <p:spTree>
+      <p:nvGrpSpPr>
+        <p:cNvPr id="1" name=""/>
+        <p:cNvGrpSpPr/>
+        <p:nvPr/>
+      </p:nvGrpSpPr>
+      <p:grpSpPr>
+        <a:xfrm>
+          <a:off x="0" y="0"/>
+          <a:ext cx="0" cy="0"/>
+          <a:chOff x="0" y="0"/>
+          <a:chExt cx="0" cy="0"/>
+        </a:xfrm>
+      </p:grpSpPr>
+      <p:grpSp>
+        <p:nvGrpSpPr>
+          <p:cNvPr id="3" name="Group 2">
+            <a:extLst>
+              <a:ext uri="{FF2B5EF4-FFF2-40B4-BE49-F238E27FC236}">
+                <a16:creationId xmlns:a16="http://schemas.microsoft.com/office/drawing/2014/main" id="{DC0C4F4F-0145-45F7-8F26-0C3FD115E071}"/>
+              </a:ext>
+            </a:extLst>
+          </p:cNvPr>
+          <p:cNvGrpSpPr/>
+          <p:nvPr/>
+        </p:nvGrpSpPr>
+        <p:grpSpPr>
+          <a:xfrm>
+            <a:off x="292598" y="276010"/>
+            <a:ext cx="4132525" cy="5929179"/>
+            <a:chOff x="4433524" y="302135"/>
+            <a:chExt cx="4132525" cy="5929179"/>
+          </a:xfrm>
+        </p:grpSpPr>
+        <p:grpSp>
+          <p:nvGrpSpPr>
+            <p:cNvPr id="25" name="Group 24">
+              <a:extLst>
+                <a:ext uri="{FF2B5EF4-FFF2-40B4-BE49-F238E27FC236}">
+                  <a16:creationId xmlns:a16="http://schemas.microsoft.com/office/drawing/2014/main" id="{004F3028-0426-42FA-AD01-58F964D5C407}"/>
+                </a:ext>
+              </a:extLst>
+            </p:cNvPr>
+            <p:cNvGrpSpPr/>
+            <p:nvPr/>
+          </p:nvGrpSpPr>
+          <p:grpSpPr>
+            <a:xfrm>
+              <a:off x="4433524" y="302135"/>
+              <a:ext cx="4132525" cy="5929179"/>
+              <a:chOff x="219821" y="302135"/>
+              <a:chExt cx="4132525" cy="5929179"/>
+            </a:xfrm>
+          </p:grpSpPr>
+          <p:sp>
+            <p:nvSpPr>
+              <p:cNvPr id="31" name="Rectangle 30">
+                <a:extLst>
+                  <a:ext uri="{FF2B5EF4-FFF2-40B4-BE49-F238E27FC236}">
+                    <a16:creationId xmlns:a16="http://schemas.microsoft.com/office/drawing/2014/main" id="{D19C9FCE-C01B-410F-8204-5BFA55D5E182}"/>
+                  </a:ext>
+                </a:extLst>
+              </p:cNvPr>
+              <p:cNvSpPr/>
+              <p:nvPr/>
+            </p:nvSpPr>
+            <p:spPr>
+              <a:xfrm>
+                <a:off x="219821" y="302135"/>
+                <a:ext cx="4132525" cy="5929179"/>
+              </a:xfrm>
+              <a:prstGeom prst="rect">
+                <a:avLst/>
+              </a:prstGeom>
+              <a:solidFill>
+                <a:schemeClr val="bg1">
+                  <a:lumMod val="95000"/>
+                </a:schemeClr>
+              </a:solidFill>
+              <a:ln w="177800">
+                <a:solidFill>
+                  <a:schemeClr val="tx1"/>
+                </a:solidFill>
+              </a:ln>
+              <a:effectLst>
+                <a:softEdge rad="127000"/>
+              </a:effectLst>
+            </p:spPr>
+            <p:style>
+              <a:lnRef idx="2">
+                <a:schemeClr val="accent1">
+                  <a:shade val="50000"/>
+                </a:schemeClr>
+              </a:lnRef>
+              <a:fillRef idx="1">
+                <a:schemeClr val="accent1"/>
+              </a:fillRef>
+              <a:effectRef idx="0">
+                <a:schemeClr val="accent1"/>
+              </a:effectRef>
+              <a:fontRef idx="minor">
+                <a:schemeClr val="lt1"/>
+              </a:fontRef>
+            </p:style>
+            <p:txBody>
+              <a:bodyPr rtlCol="0" anchor="t"/>
+              <a:lstStyle/>
+              <a:p>
+                <a:pPr algn="ctr">
+                  <a:lnSpc>
+                    <a:spcPct val="200000"/>
+                  </a:lnSpc>
+                </a:pPr>
+                <a:r>
+                  <a:rPr lang="en-US" sz="4000" b="1" dirty="0">
+                    <a:solidFill>
+                      <a:schemeClr val="tx1"/>
+                    </a:solidFill>
+                    <a:latin typeface="Algerian" panose="04020705040A02060702" pitchFamily="82" charset="0"/>
+                  </a:rPr>
+                  <a:t>cheeseburger:</a:t>
+                </a:r>
+                <a:endParaRPr lang="en-US" sz="4000" dirty="0">
+                  <a:solidFill>
+                    <a:schemeClr val="tx1"/>
+                  </a:solidFill>
+                  <a:latin typeface="Algerian" panose="04020705040A02060702" pitchFamily="82" charset="0"/>
+                </a:endParaRPr>
+              </a:p>
+              <a:p>
+                <a:pPr algn="ctr">
+                  <a:lnSpc>
+                    <a:spcPct val="200000"/>
+                  </a:lnSpc>
+                  <a:buSzPct val="150000"/>
+                </a:pPr>
+                <a:r>
+                  <a:rPr lang="en-US" sz="4000" dirty="0">
+                    <a:solidFill>
+                      <a:schemeClr val="tx1"/>
+                    </a:solidFill>
+                    <a:latin typeface="Algerian" panose="04020705040A02060702" pitchFamily="82" charset="0"/>
+                  </a:rPr>
+                  <a:t> meat</a:t>
+                </a:r>
+              </a:p>
+              <a:p>
+                <a:pPr algn="ctr">
+                  <a:lnSpc>
+                    <a:spcPct val="200000"/>
+                  </a:lnSpc>
+                  <a:buSzPct val="150000"/>
+                </a:pPr>
+                <a:r>
+                  <a:rPr lang="en-US" sz="4000" dirty="0">
+                    <a:solidFill>
+                      <a:schemeClr val="tx1"/>
+                    </a:solidFill>
+                    <a:latin typeface="Algerian" panose="04020705040A02060702" pitchFamily="82" charset="0"/>
+                  </a:rPr>
+                  <a:t>  dairy</a:t>
+                </a:r>
+              </a:p>
+              <a:p>
+                <a:pPr algn="ctr">
+                  <a:lnSpc>
+                    <a:spcPct val="200000"/>
+                  </a:lnSpc>
+                  <a:buSzPct val="150000"/>
+                </a:pPr>
+                <a:r>
+                  <a:rPr lang="en-US" sz="4000" dirty="0">
+                    <a:solidFill>
+                      <a:schemeClr val="tx1"/>
+                    </a:solidFill>
+                    <a:latin typeface="Algerian" panose="04020705040A02060702" pitchFamily="82" charset="0"/>
+                  </a:rPr>
+                  <a:t>  grain</a:t>
+                </a:r>
+                <a:endParaRPr lang="en-US" sz="4800" dirty="0">
+                  <a:solidFill>
+                    <a:schemeClr val="tx1"/>
+                  </a:solidFill>
+                  <a:latin typeface="Algerian" panose="04020705040A02060702" pitchFamily="82" charset="0"/>
+                </a:endParaRPr>
+              </a:p>
+            </p:txBody>
+          </p:sp>
+          <p:pic>
+            <p:nvPicPr>
+              <p:cNvPr id="32" name="Picture 31">
+                <a:extLst>
+                  <a:ext uri="{FF2B5EF4-FFF2-40B4-BE49-F238E27FC236}">
+                    <a16:creationId xmlns:a16="http://schemas.microsoft.com/office/drawing/2014/main" id="{BBB6B205-09F6-4366-AF52-949E7BADB4C7}"/>
+                  </a:ext>
+                </a:extLst>
+              </p:cNvPr>
+              <p:cNvPicPr>
+                <a:picLocks noChangeAspect="1"/>
+              </p:cNvPicPr>
+              <p:nvPr/>
+            </p:nvPicPr>
+            <p:blipFill>
+              <a:blip r:embed="rId2">
+                <a:extLst>
+                  <a:ext uri="{BEBA8EAE-BF5A-486C-A8C5-ECC9F3942E4B}">
+                    <a14:imgProps xmlns:a14="http://schemas.microsoft.com/office/drawing/2010/main">
+                      <a14:imgLayer r:embed="rId3">
+                        <a14:imgEffect>
+                          <a14:brightnessContrast contrast="40000"/>
+                        </a14:imgEffect>
+                      </a14:imgLayer>
+                    </a14:imgProps>
+                  </a:ext>
+                  <a:ext uri="{28A0092B-C50C-407E-A947-70E740481C1C}">
+                    <a14:useLocalDpi xmlns:a14="http://schemas.microsoft.com/office/drawing/2010/main" val="0"/>
+                  </a:ext>
+                </a:extLst>
+              </a:blip>
+              <a:stretch>
+                <a:fillRect/>
+              </a:stretch>
+            </p:blipFill>
+            <p:spPr>
+              <a:xfrm>
+                <a:off x="376179" y="1513444"/>
+                <a:ext cx="1303647" cy="1303647"/>
+              </a:xfrm>
+              <a:prstGeom prst="rect">
+                <a:avLst/>
+              </a:prstGeom>
+            </p:spPr>
+          </p:pic>
+          <p:pic>
+            <p:nvPicPr>
+              <p:cNvPr id="34" name="Picture 33">
+                <a:extLst>
+                  <a:ext uri="{FF2B5EF4-FFF2-40B4-BE49-F238E27FC236}">
+                    <a16:creationId xmlns:a16="http://schemas.microsoft.com/office/drawing/2014/main" id="{ACD33541-348A-4DB4-A72E-740F3538C1EC}"/>
+                  </a:ext>
+                </a:extLst>
+              </p:cNvPr>
+              <p:cNvPicPr>
+                <a:picLocks noChangeAspect="1"/>
+              </p:cNvPicPr>
+              <p:nvPr/>
+            </p:nvPicPr>
+            <p:blipFill rotWithShape="1">
+              <a:blip r:embed="rId4">
+                <a:extLst>
+                  <a:ext uri="{BEBA8EAE-BF5A-486C-A8C5-ECC9F3942E4B}">
+                    <a14:imgProps xmlns:a14="http://schemas.microsoft.com/office/drawing/2010/main">
+                      <a14:imgLayer r:embed="rId5">
+                        <a14:imgEffect>
+                          <a14:artisticPlasticWrap/>
+                        </a14:imgEffect>
+                        <a14:imgEffect>
+                          <a14:colorTemperature colorTemp="11200"/>
+                        </a14:imgEffect>
+                        <a14:imgEffect>
+                          <a14:saturation sat="400000"/>
+                        </a14:imgEffect>
+                        <a14:imgEffect>
+                          <a14:brightnessContrast contrast="40000"/>
+                        </a14:imgEffect>
+                      </a14:imgLayer>
+                    </a14:imgProps>
+                  </a:ext>
+                  <a:ext uri="{28A0092B-C50C-407E-A947-70E740481C1C}">
+                    <a14:useLocalDpi xmlns:a14="http://schemas.microsoft.com/office/drawing/2010/main" val="0"/>
+                  </a:ext>
+                </a:extLst>
+              </a:blip>
+              <a:srcRect l="28919" t="14445" r="31742" b="43757"/>
+              <a:stretch/>
+            </p:blipFill>
+            <p:spPr>
+              <a:xfrm>
+                <a:off x="2064410" y="5577430"/>
+                <a:ext cx="443346" cy="471055"/>
+              </a:xfrm>
+              <a:prstGeom prst="rect">
+                <a:avLst/>
+              </a:prstGeom>
+            </p:spPr>
+          </p:pic>
+        </p:grpSp>
+        <p:pic>
+          <p:nvPicPr>
+            <p:cNvPr id="29" name="Picture 28">
+              <a:extLst>
+                <a:ext uri="{FF2B5EF4-FFF2-40B4-BE49-F238E27FC236}">
+                  <a16:creationId xmlns:a16="http://schemas.microsoft.com/office/drawing/2014/main" id="{C33A8FFE-907A-482E-ACED-A035A735504B}"/>
+                </a:ext>
+              </a:extLst>
+            </p:cNvPr>
+            <p:cNvPicPr>
+              <a:picLocks noChangeAspect="1"/>
+            </p:cNvPicPr>
+            <p:nvPr/>
+          </p:nvPicPr>
+          <p:blipFill>
+            <a:blip r:embed="rId6">
+              <a:clrChange>
+                <a:clrFrom>
+                  <a:srgbClr val="FFFFFF"/>
+                </a:clrFrom>
+                <a:clrTo>
+                  <a:srgbClr val="FFFFFF">
+                    <a:alpha val="0"/>
+                  </a:srgbClr>
+                </a:clrTo>
+              </a:clrChange>
+              <a:extLst>
+                <a:ext uri="{28A0092B-C50C-407E-A947-70E740481C1C}">
+                  <a14:useLocalDpi xmlns:a14="http://schemas.microsoft.com/office/drawing/2010/main" val="0"/>
+                </a:ext>
+              </a:extLst>
+            </a:blip>
+            <a:stretch>
+              <a:fillRect/>
+            </a:stretch>
+          </p:blipFill>
+          <p:spPr>
+            <a:xfrm>
+              <a:off x="4744143" y="4156967"/>
+              <a:ext cx="1023934" cy="1023934"/>
+            </a:xfrm>
+            <a:prstGeom prst="rect">
+              <a:avLst/>
+            </a:prstGeom>
+          </p:spPr>
+        </p:pic>
+        <p:pic>
+          <p:nvPicPr>
+            <p:cNvPr id="18" name="Picture 17">
+              <a:extLst>
+                <a:ext uri="{FF2B5EF4-FFF2-40B4-BE49-F238E27FC236}">
+                  <a16:creationId xmlns:a16="http://schemas.microsoft.com/office/drawing/2014/main" id="{AD45AB6D-6990-4BED-A527-E79D530E9CBD}"/>
+                </a:ext>
+              </a:extLst>
+            </p:cNvPr>
+            <p:cNvPicPr>
+              <a:picLocks noChangeAspect="1"/>
+            </p:cNvPicPr>
+            <p:nvPr/>
+          </p:nvPicPr>
+          <p:blipFill rotWithShape="1">
+            <a:blip r:embed="rId7">
+              <a:clrChange>
+                <a:clrFrom>
+                  <a:srgbClr val="000000"/>
+                </a:clrFrom>
+                <a:clrTo>
+                  <a:srgbClr val="000000">
+                    <a:alpha val="0"/>
+                  </a:srgbClr>
+                </a:clrTo>
+              </a:clrChange>
+              <a:extLst>
+                <a:ext uri="{BEBA8EAE-BF5A-486C-A8C5-ECC9F3942E4B}">
+                  <a14:imgProps xmlns:a14="http://schemas.microsoft.com/office/drawing/2010/main">
+                    <a14:imgLayer r:embed="rId8">
+                      <a14:imgEffect>
+                        <a14:brightnessContrast contrast="40000"/>
+                      </a14:imgEffect>
+                    </a14:imgLayer>
+                  </a14:imgProps>
+                </a:ext>
+                <a:ext uri="{28A0092B-C50C-407E-A947-70E740481C1C}">
+                  <a14:useLocalDpi xmlns:a14="http://schemas.microsoft.com/office/drawing/2010/main" val="0"/>
+                </a:ext>
+              </a:extLst>
+            </a:blip>
+            <a:srcRect l="17843" r="18158"/>
+            <a:stretch/>
+          </p:blipFill>
+          <p:spPr>
+            <a:xfrm>
+              <a:off x="4916615" y="2921047"/>
+              <a:ext cx="650180" cy="1015906"/>
+            </a:xfrm>
+            <a:prstGeom prst="rect">
+              <a:avLst/>
+            </a:prstGeom>
+          </p:spPr>
+        </p:pic>
+      </p:grpSp>
+      <p:grpSp>
+        <p:nvGrpSpPr>
+          <p:cNvPr id="20" name="Group 19">
+            <a:extLst>
+              <a:ext uri="{FF2B5EF4-FFF2-40B4-BE49-F238E27FC236}">
+                <a16:creationId xmlns:a16="http://schemas.microsoft.com/office/drawing/2014/main" id="{4408DC44-25B6-417B-BD6F-07B5024EE58A}"/>
+              </a:ext>
+            </a:extLst>
+          </p:cNvPr>
+          <p:cNvGrpSpPr/>
+          <p:nvPr/>
+        </p:nvGrpSpPr>
+        <p:grpSpPr>
+          <a:xfrm>
+            <a:off x="6096000" y="276010"/>
+            <a:ext cx="4132525" cy="5929179"/>
+            <a:chOff x="4433524" y="302135"/>
+            <a:chExt cx="4132525" cy="5929179"/>
+          </a:xfrm>
+        </p:grpSpPr>
+        <p:grpSp>
+          <p:nvGrpSpPr>
+            <p:cNvPr id="21" name="Group 20">
+              <a:extLst>
+                <a:ext uri="{FF2B5EF4-FFF2-40B4-BE49-F238E27FC236}">
+                  <a16:creationId xmlns:a16="http://schemas.microsoft.com/office/drawing/2014/main" id="{C881ECA3-07D4-4C5D-9FCA-EB3ACA98A57E}"/>
+                </a:ext>
+              </a:extLst>
+            </p:cNvPr>
+            <p:cNvGrpSpPr/>
+            <p:nvPr/>
+          </p:nvGrpSpPr>
+          <p:grpSpPr>
+            <a:xfrm>
+              <a:off x="4433524" y="302135"/>
+              <a:ext cx="4132525" cy="5929179"/>
+              <a:chOff x="219821" y="302135"/>
+              <a:chExt cx="4132525" cy="5929179"/>
+            </a:xfrm>
+          </p:grpSpPr>
+          <p:sp>
+            <p:nvSpPr>
+              <p:cNvPr id="27" name="Rectangle 26">
+                <a:extLst>
+                  <a:ext uri="{FF2B5EF4-FFF2-40B4-BE49-F238E27FC236}">
+                    <a16:creationId xmlns:a16="http://schemas.microsoft.com/office/drawing/2014/main" id="{8884B116-6CE9-4D88-99BA-E7D08BEFBA9D}"/>
+                  </a:ext>
+                </a:extLst>
+              </p:cNvPr>
+              <p:cNvSpPr/>
+              <p:nvPr/>
+            </p:nvSpPr>
+            <p:spPr>
+              <a:xfrm>
+                <a:off x="219821" y="302135"/>
+                <a:ext cx="4132525" cy="5929179"/>
+              </a:xfrm>
+              <a:prstGeom prst="rect">
+                <a:avLst/>
+              </a:prstGeom>
+              <a:solidFill>
+                <a:schemeClr val="bg1">
+                  <a:lumMod val="95000"/>
+                </a:schemeClr>
+              </a:solidFill>
+              <a:ln w="177800">
+                <a:solidFill>
+                  <a:schemeClr val="tx1"/>
+                </a:solidFill>
+              </a:ln>
+              <a:effectLst>
+                <a:softEdge rad="127000"/>
+              </a:effectLst>
+            </p:spPr>
+            <p:style>
+              <a:lnRef idx="2">
+                <a:schemeClr val="accent1">
+                  <a:shade val="50000"/>
+                </a:schemeClr>
+              </a:lnRef>
+              <a:fillRef idx="1">
+                <a:schemeClr val="accent1"/>
+              </a:fillRef>
+              <a:effectRef idx="0">
+                <a:schemeClr val="accent1"/>
+              </a:effectRef>
+              <a:fontRef idx="minor">
+                <a:schemeClr val="lt1"/>
+              </a:fontRef>
+            </p:style>
+            <p:txBody>
+              <a:bodyPr rtlCol="0" anchor="t"/>
+              <a:lstStyle/>
+              <a:p>
+                <a:pPr algn="ctr"/>
+                <a:r>
+                  <a:rPr lang="en-US" sz="4000" b="1" dirty="0">
+                    <a:solidFill>
+                      <a:schemeClr val="tx1"/>
+                    </a:solidFill>
+                    <a:latin typeface="Algerian" panose="04020705040A02060702" pitchFamily="82" charset="0"/>
+                  </a:rPr>
+                  <a:t>meatballs pasta:</a:t>
+                </a:r>
+                <a:endParaRPr lang="en-US" sz="4000" dirty="0">
+                  <a:solidFill>
+                    <a:schemeClr val="tx1"/>
+                  </a:solidFill>
+                  <a:latin typeface="Algerian" panose="04020705040A02060702" pitchFamily="82" charset="0"/>
+                </a:endParaRPr>
+              </a:p>
+              <a:p>
+                <a:pPr algn="ctr">
+                  <a:lnSpc>
+                    <a:spcPct val="200000"/>
+                  </a:lnSpc>
+                  <a:buSzPct val="150000"/>
+                </a:pPr>
+                <a:r>
+                  <a:rPr lang="en-US" sz="4000" dirty="0">
+                    <a:solidFill>
+                      <a:schemeClr val="tx1"/>
+                    </a:solidFill>
+                    <a:latin typeface="Algerian" panose="04020705040A02060702" pitchFamily="82" charset="0"/>
+                  </a:rPr>
+                  <a:t> meat</a:t>
+                </a:r>
+              </a:p>
+              <a:p>
+                <a:pPr algn="ctr">
+                  <a:lnSpc>
+                    <a:spcPct val="200000"/>
+                  </a:lnSpc>
+                  <a:buSzPct val="150000"/>
+                </a:pPr>
+                <a:r>
+                  <a:rPr lang="en-US" sz="4000" dirty="0">
+                    <a:solidFill>
+                      <a:schemeClr val="tx1"/>
+                    </a:solidFill>
+                    <a:latin typeface="Algerian" panose="04020705040A02060702" pitchFamily="82" charset="0"/>
+                  </a:rPr>
+                  <a:t>  dairy</a:t>
+                </a:r>
+              </a:p>
+              <a:p>
+                <a:pPr algn="ctr">
+                  <a:lnSpc>
+                    <a:spcPct val="200000"/>
+                  </a:lnSpc>
+                  <a:buSzPct val="150000"/>
+                </a:pPr>
+                <a:r>
+                  <a:rPr lang="en-US" sz="4000" dirty="0">
+                    <a:solidFill>
+                      <a:schemeClr val="tx1"/>
+                    </a:solidFill>
+                    <a:latin typeface="Algerian" panose="04020705040A02060702" pitchFamily="82" charset="0"/>
+                  </a:rPr>
+                  <a:t>  grain</a:t>
+                </a:r>
+                <a:endParaRPr lang="en-US" sz="4800" dirty="0">
+                  <a:solidFill>
+                    <a:schemeClr val="tx1"/>
+                  </a:solidFill>
+                  <a:latin typeface="Algerian" panose="04020705040A02060702" pitchFamily="82" charset="0"/>
+                </a:endParaRPr>
+              </a:p>
+            </p:txBody>
+          </p:sp>
+          <p:pic>
+            <p:nvPicPr>
+              <p:cNvPr id="33" name="Picture 32">
+                <a:extLst>
+                  <a:ext uri="{FF2B5EF4-FFF2-40B4-BE49-F238E27FC236}">
+                    <a16:creationId xmlns:a16="http://schemas.microsoft.com/office/drawing/2014/main" id="{337F2BA4-B8AC-4035-9B28-8245928AF795}"/>
+                  </a:ext>
+                </a:extLst>
+              </p:cNvPr>
+              <p:cNvPicPr>
+                <a:picLocks noChangeAspect="1"/>
+              </p:cNvPicPr>
+              <p:nvPr/>
+            </p:nvPicPr>
+            <p:blipFill>
+              <a:blip r:embed="rId2">
+                <a:extLst>
+                  <a:ext uri="{BEBA8EAE-BF5A-486C-A8C5-ECC9F3942E4B}">
+                    <a14:imgProps xmlns:a14="http://schemas.microsoft.com/office/drawing/2010/main">
+                      <a14:imgLayer r:embed="rId3">
+                        <a14:imgEffect>
+                          <a14:brightnessContrast contrast="40000"/>
+                        </a14:imgEffect>
+                      </a14:imgLayer>
+                    </a14:imgProps>
+                  </a:ext>
+                  <a:ext uri="{28A0092B-C50C-407E-A947-70E740481C1C}">
+                    <a14:useLocalDpi xmlns:a14="http://schemas.microsoft.com/office/drawing/2010/main" val="0"/>
+                  </a:ext>
+                </a:extLst>
+              </a:blip>
+              <a:stretch>
+                <a:fillRect/>
+              </a:stretch>
+            </p:blipFill>
+            <p:spPr>
+              <a:xfrm>
+                <a:off x="376179" y="1513444"/>
+                <a:ext cx="1303647" cy="1303647"/>
+              </a:xfrm>
+              <a:prstGeom prst="rect">
+                <a:avLst/>
+              </a:prstGeom>
+            </p:spPr>
+          </p:pic>
+          <p:pic>
+            <p:nvPicPr>
+              <p:cNvPr id="35" name="Picture 34">
+                <a:extLst>
+                  <a:ext uri="{FF2B5EF4-FFF2-40B4-BE49-F238E27FC236}">
+                    <a16:creationId xmlns:a16="http://schemas.microsoft.com/office/drawing/2014/main" id="{CF0874EE-3C06-4415-92F7-43445BBB9EFC}"/>
+                  </a:ext>
+                </a:extLst>
+              </p:cNvPr>
+              <p:cNvPicPr>
+                <a:picLocks noChangeAspect="1"/>
+              </p:cNvPicPr>
+              <p:nvPr/>
+            </p:nvPicPr>
+            <p:blipFill rotWithShape="1">
+              <a:blip r:embed="rId4">
+                <a:extLst>
+                  <a:ext uri="{BEBA8EAE-BF5A-486C-A8C5-ECC9F3942E4B}">
+                    <a14:imgProps xmlns:a14="http://schemas.microsoft.com/office/drawing/2010/main">
+                      <a14:imgLayer r:embed="rId5">
+                        <a14:imgEffect>
+                          <a14:artisticPlasticWrap/>
+                        </a14:imgEffect>
+                        <a14:imgEffect>
+                          <a14:colorTemperature colorTemp="11200"/>
+                        </a14:imgEffect>
+                        <a14:imgEffect>
+                          <a14:saturation sat="400000"/>
+                        </a14:imgEffect>
+                        <a14:imgEffect>
+                          <a14:brightnessContrast contrast="40000"/>
+                        </a14:imgEffect>
+                      </a14:imgLayer>
+                    </a14:imgProps>
+                  </a:ext>
+                  <a:ext uri="{28A0092B-C50C-407E-A947-70E740481C1C}">
+                    <a14:useLocalDpi xmlns:a14="http://schemas.microsoft.com/office/drawing/2010/main" val="0"/>
+                  </a:ext>
+                </a:extLst>
+              </a:blip>
+              <a:srcRect l="28919" t="14445" r="31742" b="43757"/>
+              <a:stretch/>
+            </p:blipFill>
+            <p:spPr>
+              <a:xfrm>
+                <a:off x="2064410" y="5577430"/>
+                <a:ext cx="443346" cy="471055"/>
+              </a:xfrm>
+              <a:prstGeom prst="rect">
+                <a:avLst/>
+              </a:prstGeom>
+            </p:spPr>
+          </p:pic>
+        </p:grpSp>
+        <p:pic>
+          <p:nvPicPr>
+            <p:cNvPr id="22" name="Picture 21">
+              <a:extLst>
+                <a:ext uri="{FF2B5EF4-FFF2-40B4-BE49-F238E27FC236}">
+                  <a16:creationId xmlns:a16="http://schemas.microsoft.com/office/drawing/2014/main" id="{30F2966D-A1C6-4671-9561-3DF8B59720F8}"/>
+                </a:ext>
+              </a:extLst>
+            </p:cNvPr>
+            <p:cNvPicPr>
+              <a:picLocks noChangeAspect="1"/>
+            </p:cNvPicPr>
+            <p:nvPr/>
+          </p:nvPicPr>
+          <p:blipFill>
+            <a:blip r:embed="rId6">
+              <a:clrChange>
+                <a:clrFrom>
+                  <a:srgbClr val="FFFFFF"/>
+                </a:clrFrom>
+                <a:clrTo>
+                  <a:srgbClr val="FFFFFF">
+                    <a:alpha val="0"/>
+                  </a:srgbClr>
+                </a:clrTo>
+              </a:clrChange>
+              <a:extLst>
+                <a:ext uri="{28A0092B-C50C-407E-A947-70E740481C1C}">
+                  <a14:useLocalDpi xmlns:a14="http://schemas.microsoft.com/office/drawing/2010/main" val="0"/>
+                </a:ext>
+              </a:extLst>
+            </a:blip>
+            <a:stretch>
+              <a:fillRect/>
+            </a:stretch>
+          </p:blipFill>
+          <p:spPr>
+            <a:xfrm>
+              <a:off x="4744143" y="4156967"/>
+              <a:ext cx="1023934" cy="1023934"/>
+            </a:xfrm>
+            <a:prstGeom prst="rect">
+              <a:avLst/>
+            </a:prstGeom>
+          </p:spPr>
+        </p:pic>
+        <p:pic>
+          <p:nvPicPr>
+            <p:cNvPr id="23" name="Picture 22">
+              <a:extLst>
+                <a:ext uri="{FF2B5EF4-FFF2-40B4-BE49-F238E27FC236}">
+                  <a16:creationId xmlns:a16="http://schemas.microsoft.com/office/drawing/2014/main" id="{ABD9DCCB-C49F-4A3D-89EB-AEC0965F4B40}"/>
+                </a:ext>
+              </a:extLst>
+            </p:cNvPr>
+            <p:cNvPicPr>
+              <a:picLocks noChangeAspect="1"/>
+            </p:cNvPicPr>
+            <p:nvPr/>
+          </p:nvPicPr>
+          <p:blipFill rotWithShape="1">
+            <a:blip r:embed="rId7">
+              <a:clrChange>
+                <a:clrFrom>
+                  <a:srgbClr val="000000"/>
+                </a:clrFrom>
+                <a:clrTo>
+                  <a:srgbClr val="000000">
+                    <a:alpha val="0"/>
+                  </a:srgbClr>
+                </a:clrTo>
+              </a:clrChange>
+              <a:extLst>
+                <a:ext uri="{BEBA8EAE-BF5A-486C-A8C5-ECC9F3942E4B}">
+                  <a14:imgProps xmlns:a14="http://schemas.microsoft.com/office/drawing/2010/main">
+                    <a14:imgLayer r:embed="rId8">
+                      <a14:imgEffect>
+                        <a14:brightnessContrast contrast="40000"/>
+                      </a14:imgEffect>
+                    </a14:imgLayer>
+                  </a14:imgProps>
+                </a:ext>
+                <a:ext uri="{28A0092B-C50C-407E-A947-70E740481C1C}">
+                  <a14:useLocalDpi xmlns:a14="http://schemas.microsoft.com/office/drawing/2010/main" val="0"/>
+                </a:ext>
+              </a:extLst>
+            </a:blip>
+            <a:srcRect l="17843" r="18158"/>
+            <a:stretch/>
+          </p:blipFill>
+          <p:spPr>
+            <a:xfrm>
+              <a:off x="4916615" y="2921047"/>
+              <a:ext cx="650180" cy="1015906"/>
+            </a:xfrm>
+            <a:prstGeom prst="rect">
+              <a:avLst/>
+            </a:prstGeom>
+          </p:spPr>
+        </p:pic>
+      </p:grpSp>
+    </p:spTree>
+    <p:extLst>
+      <p:ext uri="{BB962C8B-B14F-4D97-AF65-F5344CB8AC3E}">
+        <p14:creationId xmlns:p14="http://schemas.microsoft.com/office/powerpoint/2010/main" val="4284343053"/>
+      </p:ext>
+    </p:extLst>
+  </p:cSld>
+  <p:clrMapOvr>
+    <a:masterClrMapping/>
+  </p:clrMapOvr>
+</p:sld>
+</file>
+
+<file path=ppt/slides/slide12.xml><?xml version="1.0" encoding="utf-8"?>
+<p:sld xmlns:a="http://schemas.openxmlformats.org/drawingml/2006/main" xmlns:r="http://schemas.openxmlformats.org/officeDocument/2006/relationships" xmlns:p="http://schemas.openxmlformats.org/presentationml/2006/main">
+  <p:cSld>
+    <p:spTree>
+      <p:nvGrpSpPr>
+        <p:cNvPr id="1" name=""/>
+        <p:cNvGrpSpPr/>
+        <p:nvPr/>
+      </p:nvGrpSpPr>
+      <p:grpSpPr>
+        <a:xfrm>
+          <a:off x="0" y="0"/>
+          <a:ext cx="0" cy="0"/>
+          <a:chOff x="0" y="0"/>
+          <a:chExt cx="0" cy="0"/>
+        </a:xfrm>
+      </p:grpSpPr>
+      <p:grpSp>
+        <p:nvGrpSpPr>
           <p:cNvPr id="4" name="Group 3">
             <a:extLst>
               <a:ext uri="{FF2B5EF4-FFF2-40B4-BE49-F238E27FC236}">
@@ -4605,7 +6207,7 @@
         </p:nvGrpSpPr>
         <p:grpSpPr>
           <a:xfrm>
-            <a:off x="5593771" y="2743200"/>
+            <a:off x="4368286" y="2743200"/>
             <a:ext cx="1371600" cy="1371600"/>
             <a:chOff x="647700" y="2743200"/>
             <a:chExt cx="3200400" cy="1371600"/>
@@ -4739,7 +6341,7 @@
         </p:nvGrpSpPr>
         <p:grpSpPr>
           <a:xfrm>
-            <a:off x="5593772" y="619991"/>
+            <a:off x="4368287" y="619991"/>
             <a:ext cx="1371600" cy="1371600"/>
             <a:chOff x="4495800" y="685800"/>
             <a:chExt cx="3200400" cy="1371600"/>
@@ -4875,7 +6477,7 @@
         </p:nvGrpSpPr>
         <p:grpSpPr>
           <a:xfrm>
-            <a:off x="5593772" y="4866409"/>
+            <a:off x="4368287" y="4866409"/>
             <a:ext cx="1371600" cy="1371600"/>
             <a:chOff x="8343900" y="4800600"/>
             <a:chExt cx="1412885" cy="1371600"/>
@@ -4992,10 +6594,469 @@
           </p:spPr>
         </p:pic>
       </p:grpSp>
+      <p:grpSp>
+        <p:nvGrpSpPr>
+          <p:cNvPr id="11" name="Group 10">
+            <a:extLst>
+              <a:ext uri="{FF2B5EF4-FFF2-40B4-BE49-F238E27FC236}">
+                <a16:creationId xmlns:a16="http://schemas.microsoft.com/office/drawing/2014/main" id="{B3F43273-7B6E-4AC6-95C3-7DFA88F03FB3}"/>
+              </a:ext>
+            </a:extLst>
+          </p:cNvPr>
+          <p:cNvGrpSpPr/>
+          <p:nvPr/>
+        </p:nvGrpSpPr>
+        <p:grpSpPr>
+          <a:xfrm>
+            <a:off x="6260074" y="619991"/>
+            <a:ext cx="3200400" cy="1371600"/>
+            <a:chOff x="6260074" y="619991"/>
+            <a:chExt cx="3200400" cy="1371600"/>
+          </a:xfrm>
+        </p:grpSpPr>
+        <p:sp>
+          <p:nvSpPr>
+            <p:cNvPr id="21" name="Rectangle 20">
+              <a:extLst>
+                <a:ext uri="{FF2B5EF4-FFF2-40B4-BE49-F238E27FC236}">
+                  <a16:creationId xmlns:a16="http://schemas.microsoft.com/office/drawing/2014/main" id="{D9F434B0-067D-40DB-B6AE-F871279AC01C}"/>
+                </a:ext>
+              </a:extLst>
+            </p:cNvPr>
+            <p:cNvSpPr/>
+            <p:nvPr/>
+          </p:nvSpPr>
+          <p:spPr>
+            <a:xfrm>
+              <a:off x="6260074" y="619991"/>
+              <a:ext cx="3200400" cy="1371600"/>
+            </a:xfrm>
+            <a:prstGeom prst="rect">
+              <a:avLst/>
+            </a:prstGeom>
+            <a:solidFill>
+              <a:schemeClr val="bg1">
+                <a:lumMod val="95000"/>
+              </a:schemeClr>
+            </a:solidFill>
+            <a:ln w="177800">
+              <a:solidFill>
+                <a:schemeClr val="tx1"/>
+              </a:solidFill>
+            </a:ln>
+            <a:effectLst>
+              <a:softEdge rad="127000"/>
+            </a:effectLst>
+          </p:spPr>
+          <p:style>
+            <a:lnRef idx="2">
+              <a:schemeClr val="accent1">
+                <a:shade val="50000"/>
+              </a:schemeClr>
+            </a:lnRef>
+            <a:fillRef idx="1">
+              <a:schemeClr val="accent1"/>
+            </a:fillRef>
+            <a:effectRef idx="0">
+              <a:schemeClr val="accent1"/>
+            </a:effectRef>
+            <a:fontRef idx="minor">
+              <a:schemeClr val="lt1"/>
+            </a:fontRef>
+          </p:style>
+          <p:txBody>
+            <a:bodyPr rtlCol="0" anchor="t"/>
+            <a:lstStyle/>
+            <a:p>
+              <a:pPr algn="ctr">
+                <a:lnSpc>
+                  <a:spcPct val="200000"/>
+                </a:lnSpc>
+                <a:buSzPct val="150000"/>
+              </a:pPr>
+              <a:r>
+                <a:rPr lang="en-US" sz="4000" b="1" dirty="0">
+                  <a:solidFill>
+                    <a:schemeClr val="tx1"/>
+                  </a:solidFill>
+                  <a:latin typeface="Algerian" panose="04020705040A02060702" pitchFamily="82" charset="0"/>
+                </a:rPr>
+                <a:t>      Dairy</a:t>
+              </a:r>
+              <a:endParaRPr lang="en-US" sz="4800" b="1" dirty="0">
+                <a:solidFill>
+                  <a:schemeClr val="tx1"/>
+                </a:solidFill>
+                <a:latin typeface="Algerian" panose="04020705040A02060702" pitchFamily="82" charset="0"/>
+              </a:endParaRPr>
+            </a:p>
+          </p:txBody>
+        </p:sp>
+        <p:pic>
+          <p:nvPicPr>
+            <p:cNvPr id="8" name="Picture 7">
+              <a:extLst>
+                <a:ext uri="{FF2B5EF4-FFF2-40B4-BE49-F238E27FC236}">
+                  <a16:creationId xmlns:a16="http://schemas.microsoft.com/office/drawing/2014/main" id="{D07D92B7-4544-4E11-83BE-DDE029244894}"/>
+                </a:ext>
+              </a:extLst>
+            </p:cNvPr>
+            <p:cNvPicPr>
+              <a:picLocks noChangeAspect="1"/>
+            </p:cNvPicPr>
+            <p:nvPr/>
+          </p:nvPicPr>
+          <p:blipFill rotWithShape="1">
+            <a:blip r:embed="rId6">
+              <a:clrChange>
+                <a:clrFrom>
+                  <a:srgbClr val="000000"/>
+                </a:clrFrom>
+                <a:clrTo>
+                  <a:srgbClr val="000000">
+                    <a:alpha val="0"/>
+                  </a:srgbClr>
+                </a:clrTo>
+              </a:clrChange>
+              <a:extLst>
+                <a:ext uri="{BEBA8EAE-BF5A-486C-A8C5-ECC9F3942E4B}">
+                  <a14:imgProps xmlns:a14="http://schemas.microsoft.com/office/drawing/2010/main">
+                    <a14:imgLayer r:embed="rId7">
+                      <a14:imgEffect>
+                        <a14:brightnessContrast contrast="40000"/>
+                      </a14:imgEffect>
+                    </a14:imgLayer>
+                  </a14:imgProps>
+                </a:ext>
+                <a:ext uri="{28A0092B-C50C-407E-A947-70E740481C1C}">
+                  <a14:useLocalDpi xmlns:a14="http://schemas.microsoft.com/office/drawing/2010/main" val="0"/>
+                </a:ext>
+              </a:extLst>
+            </a:blip>
+            <a:srcRect l="17843" r="18158"/>
+            <a:stretch/>
+          </p:blipFill>
+          <p:spPr>
+            <a:xfrm>
+              <a:off x="6482141" y="812895"/>
+              <a:ext cx="650180" cy="1015906"/>
+            </a:xfrm>
+            <a:prstGeom prst="rect">
+              <a:avLst/>
+            </a:prstGeom>
+          </p:spPr>
+        </p:pic>
+      </p:grpSp>
+      <p:grpSp>
+        <p:nvGrpSpPr>
+          <p:cNvPr id="9" name="Group 8">
+            <a:extLst>
+              <a:ext uri="{FF2B5EF4-FFF2-40B4-BE49-F238E27FC236}">
+                <a16:creationId xmlns:a16="http://schemas.microsoft.com/office/drawing/2014/main" id="{7A98D256-97EF-4DBC-8A34-4223D8605AC9}"/>
+              </a:ext>
+            </a:extLst>
+          </p:cNvPr>
+          <p:cNvGrpSpPr/>
+          <p:nvPr/>
+        </p:nvGrpSpPr>
+        <p:grpSpPr>
+          <a:xfrm>
+            <a:off x="10024078" y="1191677"/>
+            <a:ext cx="1371600" cy="1371600"/>
+            <a:chOff x="10024078" y="1191677"/>
+            <a:chExt cx="1371600" cy="1371600"/>
+          </a:xfrm>
+        </p:grpSpPr>
+        <p:sp>
+          <p:nvSpPr>
+            <p:cNvPr id="24" name="Rectangle 23">
+              <a:extLst>
+                <a:ext uri="{FF2B5EF4-FFF2-40B4-BE49-F238E27FC236}">
+                  <a16:creationId xmlns:a16="http://schemas.microsoft.com/office/drawing/2014/main" id="{BDE703FC-C910-4D82-97A5-E8B81F1765C7}"/>
+                </a:ext>
+              </a:extLst>
+            </p:cNvPr>
+            <p:cNvSpPr/>
+            <p:nvPr/>
+          </p:nvSpPr>
+          <p:spPr>
+            <a:xfrm>
+              <a:off x="10024078" y="1191677"/>
+              <a:ext cx="1371600" cy="1371600"/>
+            </a:xfrm>
+            <a:prstGeom prst="rect">
+              <a:avLst/>
+            </a:prstGeom>
+            <a:solidFill>
+              <a:schemeClr val="bg1">
+                <a:lumMod val="95000"/>
+              </a:schemeClr>
+            </a:solidFill>
+            <a:ln w="177800">
+              <a:solidFill>
+                <a:schemeClr val="tx1"/>
+              </a:solidFill>
+            </a:ln>
+            <a:effectLst>
+              <a:softEdge rad="127000"/>
+            </a:effectLst>
+          </p:spPr>
+          <p:style>
+            <a:lnRef idx="2">
+              <a:schemeClr val="accent1">
+                <a:shade val="50000"/>
+              </a:schemeClr>
+            </a:lnRef>
+            <a:fillRef idx="1">
+              <a:schemeClr val="accent1"/>
+            </a:fillRef>
+            <a:effectRef idx="0">
+              <a:schemeClr val="accent1"/>
+            </a:effectRef>
+            <a:fontRef idx="minor">
+              <a:schemeClr val="lt1"/>
+            </a:fontRef>
+          </p:style>
+          <p:txBody>
+            <a:bodyPr rtlCol="0" anchor="t"/>
+            <a:lstStyle/>
+            <a:p>
+              <a:pPr algn="ctr">
+                <a:lnSpc>
+                  <a:spcPct val="200000"/>
+                </a:lnSpc>
+                <a:buSzPct val="150000"/>
+              </a:pPr>
+              <a:endParaRPr lang="en-US" sz="4800" b="1" dirty="0">
+                <a:solidFill>
+                  <a:schemeClr val="tx1"/>
+                </a:solidFill>
+                <a:latin typeface="Algerian" panose="04020705040A02060702" pitchFamily="82" charset="0"/>
+              </a:endParaRPr>
+            </a:p>
+          </p:txBody>
+        </p:sp>
+        <p:pic>
+          <p:nvPicPr>
+            <p:cNvPr id="30" name="Picture 29">
+              <a:extLst>
+                <a:ext uri="{FF2B5EF4-FFF2-40B4-BE49-F238E27FC236}">
+                  <a16:creationId xmlns:a16="http://schemas.microsoft.com/office/drawing/2014/main" id="{402BE6D8-018D-4D9B-AE1E-2E3DEFF5EA7D}"/>
+                </a:ext>
+              </a:extLst>
+            </p:cNvPr>
+            <p:cNvPicPr>
+              <a:picLocks noChangeAspect="1"/>
+            </p:cNvPicPr>
+            <p:nvPr/>
+          </p:nvPicPr>
+          <p:blipFill rotWithShape="1">
+            <a:blip r:embed="rId6">
+              <a:clrChange>
+                <a:clrFrom>
+                  <a:srgbClr val="000000"/>
+                </a:clrFrom>
+                <a:clrTo>
+                  <a:srgbClr val="000000">
+                    <a:alpha val="0"/>
+                  </a:srgbClr>
+                </a:clrTo>
+              </a:clrChange>
+              <a:extLst>
+                <a:ext uri="{BEBA8EAE-BF5A-486C-A8C5-ECC9F3942E4B}">
+                  <a14:imgProps xmlns:a14="http://schemas.microsoft.com/office/drawing/2010/main">
+                    <a14:imgLayer r:embed="rId7">
+                      <a14:imgEffect>
+                        <a14:brightnessContrast contrast="40000"/>
+                      </a14:imgEffect>
+                    </a14:imgLayer>
+                  </a14:imgProps>
+                </a:ext>
+                <a:ext uri="{28A0092B-C50C-407E-A947-70E740481C1C}">
+                  <a14:useLocalDpi xmlns:a14="http://schemas.microsoft.com/office/drawing/2010/main" val="0"/>
+                </a:ext>
+              </a:extLst>
+            </a:blip>
+            <a:srcRect l="17843" r="18158"/>
+            <a:stretch/>
+          </p:blipFill>
+          <p:spPr>
+            <a:xfrm>
+              <a:off x="10345599" y="1320848"/>
+              <a:ext cx="728557" cy="1138370"/>
+            </a:xfrm>
+            <a:prstGeom prst="rect">
+              <a:avLst/>
+            </a:prstGeom>
+          </p:spPr>
+        </p:pic>
+      </p:grpSp>
     </p:spTree>
     <p:extLst>
       <p:ext uri="{BB962C8B-B14F-4D97-AF65-F5344CB8AC3E}">
         <p14:creationId xmlns:p14="http://schemas.microsoft.com/office/powerpoint/2010/main" val="3028074410"/>
+      </p:ext>
+    </p:extLst>
+  </p:cSld>
+  <p:clrMapOvr>
+    <a:masterClrMapping/>
+  </p:clrMapOvr>
+</p:sld>
+</file>
+
+<file path=ppt/slides/slide13.xml><?xml version="1.0" encoding="utf-8"?>
+<p:sld xmlns:a="http://schemas.openxmlformats.org/drawingml/2006/main" xmlns:r="http://schemas.openxmlformats.org/officeDocument/2006/relationships" xmlns:p="http://schemas.openxmlformats.org/presentationml/2006/main">
+  <p:cSld>
+    <p:spTree>
+      <p:nvGrpSpPr>
+        <p:cNvPr id="1" name=""/>
+        <p:cNvGrpSpPr/>
+        <p:nvPr/>
+      </p:nvGrpSpPr>
+      <p:grpSpPr>
+        <a:xfrm>
+          <a:off x="0" y="0"/>
+          <a:ext cx="0" cy="0"/>
+          <a:chOff x="0" y="0"/>
+          <a:chExt cx="0" cy="0"/>
+        </a:xfrm>
+      </p:grpSpPr>
+      <p:grpSp>
+        <p:nvGrpSpPr>
+          <p:cNvPr id="22" name="Group 21">
+            <a:extLst>
+              <a:ext uri="{FF2B5EF4-FFF2-40B4-BE49-F238E27FC236}">
+                <a16:creationId xmlns:a16="http://schemas.microsoft.com/office/drawing/2014/main" id="{1B88C679-540C-4DCA-9CF3-FE5C01EFA492}"/>
+              </a:ext>
+            </a:extLst>
+          </p:cNvPr>
+          <p:cNvGrpSpPr/>
+          <p:nvPr/>
+        </p:nvGrpSpPr>
+        <p:grpSpPr>
+          <a:xfrm>
+            <a:off x="6262403" y="226720"/>
+            <a:ext cx="4132525" cy="5929179"/>
+            <a:chOff x="6262403" y="226720"/>
+            <a:chExt cx="4132525" cy="5929179"/>
+          </a:xfrm>
+        </p:grpSpPr>
+        <p:sp>
+          <p:nvSpPr>
+            <p:cNvPr id="14" name="Rectangle 13">
+              <a:extLst>
+                <a:ext uri="{FF2B5EF4-FFF2-40B4-BE49-F238E27FC236}">
+                  <a16:creationId xmlns:a16="http://schemas.microsoft.com/office/drawing/2014/main" id="{E4F3CBF1-DF25-41D7-98C5-84B87917ACD0}"/>
+                </a:ext>
+              </a:extLst>
+            </p:cNvPr>
+            <p:cNvSpPr/>
+            <p:nvPr/>
+          </p:nvSpPr>
+          <p:spPr>
+            <a:xfrm>
+              <a:off x="6262403" y="226720"/>
+              <a:ext cx="4132525" cy="5929179"/>
+            </a:xfrm>
+            <a:prstGeom prst="rect">
+              <a:avLst/>
+            </a:prstGeom>
+            <a:solidFill>
+              <a:schemeClr val="bg1">
+                <a:lumMod val="95000"/>
+              </a:schemeClr>
+            </a:solidFill>
+            <a:ln w="177800">
+              <a:solidFill>
+                <a:schemeClr val="tx1"/>
+              </a:solidFill>
+            </a:ln>
+            <a:effectLst>
+              <a:softEdge rad="127000"/>
+            </a:effectLst>
+          </p:spPr>
+          <p:style>
+            <a:lnRef idx="2">
+              <a:schemeClr val="accent1">
+                <a:shade val="50000"/>
+              </a:schemeClr>
+            </a:lnRef>
+            <a:fillRef idx="1">
+              <a:schemeClr val="accent1"/>
+            </a:fillRef>
+            <a:effectRef idx="0">
+              <a:schemeClr val="accent1"/>
+            </a:effectRef>
+            <a:fontRef idx="minor">
+              <a:schemeClr val="lt1"/>
+            </a:fontRef>
+          </p:style>
+          <p:txBody>
+            <a:bodyPr rtlCol="0" anchor="t"/>
+            <a:lstStyle/>
+            <a:p>
+              <a:pPr algn="ctr">
+                <a:lnSpc>
+                  <a:spcPct val="200000"/>
+                </a:lnSpc>
+              </a:pPr>
+              <a:endParaRPr lang="en-US" sz="4800" dirty="0">
+                <a:solidFill>
+                  <a:schemeClr val="tx1"/>
+                </a:solidFill>
+                <a:latin typeface="Algerian" panose="04020705040A02060702" pitchFamily="82" charset="0"/>
+              </a:endParaRPr>
+            </a:p>
+          </p:txBody>
+        </p:sp>
+        <p:pic>
+          <p:nvPicPr>
+            <p:cNvPr id="21" name="Picture 20">
+              <a:extLst>
+                <a:ext uri="{FF2B5EF4-FFF2-40B4-BE49-F238E27FC236}">
+                  <a16:creationId xmlns:a16="http://schemas.microsoft.com/office/drawing/2014/main" id="{94DCFA0F-51ED-4A3A-8B67-558A4269AB01}"/>
+                </a:ext>
+              </a:extLst>
+            </p:cNvPr>
+            <p:cNvPicPr>
+              <a:picLocks noChangeAspect="1"/>
+            </p:cNvPicPr>
+            <p:nvPr/>
+          </p:nvPicPr>
+          <p:blipFill>
+            <a:blip r:embed="rId2">
+              <a:duotone>
+                <a:prstClr val="black"/>
+                <a:srgbClr val="D9C3A5">
+                  <a:tint val="50000"/>
+                  <a:satMod val="180000"/>
+                </a:srgbClr>
+              </a:duotone>
+              <a:extLst>
+                <a:ext uri="{28A0092B-C50C-407E-A947-70E740481C1C}">
+                  <a14:useLocalDpi xmlns:a14="http://schemas.microsoft.com/office/drawing/2010/main" val="0"/>
+                </a:ext>
+              </a:extLst>
+            </a:blip>
+            <a:stretch>
+              <a:fillRect/>
+            </a:stretch>
+          </p:blipFill>
+          <p:spPr>
+            <a:xfrm>
+              <a:off x="6517385" y="1380029"/>
+              <a:ext cx="3622559" cy="3622559"/>
+            </a:xfrm>
+            <a:prstGeom prst="rect">
+              <a:avLst/>
+            </a:prstGeom>
+          </p:spPr>
+        </p:pic>
+      </p:grpSp>
+    </p:spTree>
+    <p:extLst>
+      <p:ext uri="{BB962C8B-B14F-4D97-AF65-F5344CB8AC3E}">
+        <p14:creationId xmlns:p14="http://schemas.microsoft.com/office/powerpoint/2010/main" val="1961273452"/>
       </p:ext>
     </p:extLst>
   </p:cSld>
@@ -7589,6 +9650,1732 @@
 </file>
 
 <file path=ppt/slides/slide5.xml><?xml version="1.0" encoding="utf-8"?>
+<p:sld xmlns:a="http://schemas.openxmlformats.org/drawingml/2006/main" xmlns:r="http://schemas.openxmlformats.org/officeDocument/2006/relationships" xmlns:p="http://schemas.openxmlformats.org/presentationml/2006/main">
+  <p:cSld>
+    <p:spTree>
+      <p:nvGrpSpPr>
+        <p:cNvPr id="1" name=""/>
+        <p:cNvGrpSpPr/>
+        <p:nvPr/>
+      </p:nvGrpSpPr>
+      <p:grpSpPr>
+        <a:xfrm>
+          <a:off x="0" y="0"/>
+          <a:ext cx="0" cy="0"/>
+          <a:chOff x="0" y="0"/>
+          <a:chExt cx="0" cy="0"/>
+        </a:xfrm>
+      </p:grpSpPr>
+      <p:grpSp>
+        <p:nvGrpSpPr>
+          <p:cNvPr id="4" name="Group 3">
+            <a:extLst>
+              <a:ext uri="{FF2B5EF4-FFF2-40B4-BE49-F238E27FC236}">
+                <a16:creationId xmlns:a16="http://schemas.microsoft.com/office/drawing/2014/main" id="{81BB520A-D488-478B-AD91-950E3F016A48}"/>
+              </a:ext>
+            </a:extLst>
+          </p:cNvPr>
+          <p:cNvGrpSpPr/>
+          <p:nvPr/>
+        </p:nvGrpSpPr>
+        <p:grpSpPr>
+          <a:xfrm>
+            <a:off x="219821" y="302135"/>
+            <a:ext cx="4132525" cy="5929179"/>
+            <a:chOff x="219821" y="302135"/>
+            <a:chExt cx="4132525" cy="5929179"/>
+          </a:xfrm>
+        </p:grpSpPr>
+        <p:grpSp>
+          <p:nvGrpSpPr>
+            <p:cNvPr id="2" name="Group 1">
+              <a:extLst>
+                <a:ext uri="{FF2B5EF4-FFF2-40B4-BE49-F238E27FC236}">
+                  <a16:creationId xmlns:a16="http://schemas.microsoft.com/office/drawing/2014/main" id="{D29A4326-F822-49EC-8D7F-47B44A36FE49}"/>
+                </a:ext>
+              </a:extLst>
+            </p:cNvPr>
+            <p:cNvGrpSpPr/>
+            <p:nvPr/>
+          </p:nvGrpSpPr>
+          <p:grpSpPr>
+            <a:xfrm>
+              <a:off x="219821" y="302135"/>
+              <a:ext cx="4132525" cy="5929179"/>
+              <a:chOff x="219821" y="302135"/>
+              <a:chExt cx="4132525" cy="5929179"/>
+            </a:xfrm>
+          </p:grpSpPr>
+          <p:sp>
+            <p:nvSpPr>
+              <p:cNvPr id="10" name="Rectangle 9">
+                <a:extLst>
+                  <a:ext uri="{FF2B5EF4-FFF2-40B4-BE49-F238E27FC236}">
+                    <a16:creationId xmlns:a16="http://schemas.microsoft.com/office/drawing/2014/main" id="{E4AD598C-FFFC-498B-B5A0-671EB1704D14}"/>
+                  </a:ext>
+                </a:extLst>
+              </p:cNvPr>
+              <p:cNvSpPr/>
+              <p:nvPr/>
+            </p:nvSpPr>
+            <p:spPr>
+              <a:xfrm>
+                <a:off x="219821" y="302135"/>
+                <a:ext cx="4132525" cy="5929179"/>
+              </a:xfrm>
+              <a:prstGeom prst="rect">
+                <a:avLst/>
+              </a:prstGeom>
+              <a:solidFill>
+                <a:schemeClr val="bg1">
+                  <a:lumMod val="95000"/>
+                </a:schemeClr>
+              </a:solidFill>
+              <a:ln w="177800">
+                <a:solidFill>
+                  <a:schemeClr val="tx1"/>
+                </a:solidFill>
+              </a:ln>
+              <a:effectLst>
+                <a:softEdge rad="127000"/>
+              </a:effectLst>
+            </p:spPr>
+            <p:style>
+              <a:lnRef idx="2">
+                <a:schemeClr val="accent1">
+                  <a:shade val="50000"/>
+                </a:schemeClr>
+              </a:lnRef>
+              <a:fillRef idx="1">
+                <a:schemeClr val="accent1"/>
+              </a:fillRef>
+              <a:effectRef idx="0">
+                <a:schemeClr val="accent1"/>
+              </a:effectRef>
+              <a:fontRef idx="minor">
+                <a:schemeClr val="lt1"/>
+              </a:fontRef>
+            </p:style>
+            <p:txBody>
+              <a:bodyPr rtlCol="0" anchor="t"/>
+              <a:lstStyle/>
+              <a:p>
+                <a:pPr algn="ctr">
+                  <a:lnSpc>
+                    <a:spcPct val="200000"/>
+                  </a:lnSpc>
+                </a:pPr>
+                <a:r>
+                  <a:rPr lang="en-US" sz="4000" b="1" dirty="0">
+                    <a:solidFill>
+                      <a:schemeClr val="tx1"/>
+                    </a:solidFill>
+                    <a:latin typeface="Algerian" panose="04020705040A02060702" pitchFamily="82" charset="0"/>
+                  </a:rPr>
+                  <a:t>Chicken soup:</a:t>
+                </a:r>
+                <a:endParaRPr lang="en-US" sz="4000" dirty="0">
+                  <a:solidFill>
+                    <a:schemeClr val="tx1"/>
+                  </a:solidFill>
+                  <a:latin typeface="Algerian" panose="04020705040A02060702" pitchFamily="82" charset="0"/>
+                </a:endParaRPr>
+              </a:p>
+              <a:p>
+                <a:pPr algn="ctr">
+                  <a:lnSpc>
+                    <a:spcPct val="200000"/>
+                  </a:lnSpc>
+                  <a:buSzPct val="150000"/>
+                </a:pPr>
+                <a:r>
+                  <a:rPr lang="en-US" sz="4000" dirty="0">
+                    <a:solidFill>
+                      <a:schemeClr val="tx1"/>
+                    </a:solidFill>
+                    <a:latin typeface="Algerian" panose="04020705040A02060702" pitchFamily="82" charset="0"/>
+                  </a:rPr>
+                  <a:t> meat</a:t>
+                </a:r>
+              </a:p>
+              <a:p>
+                <a:pPr algn="ctr">
+                  <a:lnSpc>
+                    <a:spcPct val="200000"/>
+                  </a:lnSpc>
+                  <a:buSzPct val="150000"/>
+                </a:pPr>
+                <a:r>
+                  <a:rPr lang="en-US" sz="4000" dirty="0">
+                    <a:solidFill>
+                      <a:schemeClr val="tx1"/>
+                    </a:solidFill>
+                    <a:latin typeface="Algerian" panose="04020705040A02060702" pitchFamily="82" charset="0"/>
+                  </a:rPr>
+                  <a:t> meat</a:t>
+                </a:r>
+              </a:p>
+              <a:p>
+                <a:pPr algn="ctr">
+                  <a:lnSpc>
+                    <a:spcPct val="200000"/>
+                  </a:lnSpc>
+                  <a:buSzPct val="150000"/>
+                </a:pPr>
+                <a:r>
+                  <a:rPr lang="en-US" sz="4000" dirty="0">
+                    <a:solidFill>
+                      <a:schemeClr val="tx1"/>
+                    </a:solidFill>
+                    <a:latin typeface="Algerian" panose="04020705040A02060702" pitchFamily="82" charset="0"/>
+                  </a:rPr>
+                  <a:t>          fruit/veg</a:t>
+                </a:r>
+                <a:endParaRPr lang="en-US" sz="4800" dirty="0">
+                  <a:solidFill>
+                    <a:schemeClr val="tx1"/>
+                  </a:solidFill>
+                  <a:latin typeface="Algerian" panose="04020705040A02060702" pitchFamily="82" charset="0"/>
+                </a:endParaRPr>
+              </a:p>
+            </p:txBody>
+          </p:sp>
+          <p:pic>
+            <p:nvPicPr>
+              <p:cNvPr id="15" name="Picture 14">
+                <a:extLst>
+                  <a:ext uri="{FF2B5EF4-FFF2-40B4-BE49-F238E27FC236}">
+                    <a16:creationId xmlns:a16="http://schemas.microsoft.com/office/drawing/2014/main" id="{271E8977-1EA4-439B-BEA6-114566CF786D}"/>
+                  </a:ext>
+                </a:extLst>
+              </p:cNvPr>
+              <p:cNvPicPr>
+                <a:picLocks noChangeAspect="1"/>
+              </p:cNvPicPr>
+              <p:nvPr/>
+            </p:nvPicPr>
+            <p:blipFill>
+              <a:blip r:embed="rId2">
+                <a:extLst>
+                  <a:ext uri="{BEBA8EAE-BF5A-486C-A8C5-ECC9F3942E4B}">
+                    <a14:imgProps xmlns:a14="http://schemas.microsoft.com/office/drawing/2010/main">
+                      <a14:imgLayer r:embed="rId3">
+                        <a14:imgEffect>
+                          <a14:brightnessContrast contrast="40000"/>
+                        </a14:imgEffect>
+                      </a14:imgLayer>
+                    </a14:imgProps>
+                  </a:ext>
+                  <a:ext uri="{28A0092B-C50C-407E-A947-70E740481C1C}">
+                    <a14:useLocalDpi xmlns:a14="http://schemas.microsoft.com/office/drawing/2010/main" val="0"/>
+                  </a:ext>
+                </a:extLst>
+              </a:blip>
+              <a:stretch>
+                <a:fillRect/>
+              </a:stretch>
+            </p:blipFill>
+            <p:spPr>
+              <a:xfrm>
+                <a:off x="346089" y="1625600"/>
+                <a:ext cx="1196461" cy="1196461"/>
+              </a:xfrm>
+              <a:prstGeom prst="rect">
+                <a:avLst/>
+              </a:prstGeom>
+            </p:spPr>
+          </p:pic>
+          <p:grpSp>
+            <p:nvGrpSpPr>
+              <p:cNvPr id="30" name="Group 29">
+                <a:extLst>
+                  <a:ext uri="{FF2B5EF4-FFF2-40B4-BE49-F238E27FC236}">
+                    <a16:creationId xmlns:a16="http://schemas.microsoft.com/office/drawing/2014/main" id="{89252801-23C1-4A4C-B020-448359454919}"/>
+                  </a:ext>
+                </a:extLst>
+              </p:cNvPr>
+              <p:cNvGrpSpPr/>
+              <p:nvPr/>
+            </p:nvGrpSpPr>
+            <p:grpSpPr>
+              <a:xfrm>
+                <a:off x="1695974" y="5577430"/>
+                <a:ext cx="1043985" cy="471055"/>
+                <a:chOff x="1695974" y="5577430"/>
+                <a:chExt cx="1043985" cy="471055"/>
+              </a:xfrm>
+            </p:grpSpPr>
+            <p:pic>
+              <p:nvPicPr>
+                <p:cNvPr id="12" name="Picture 11">
+                  <a:extLst>
+                    <a:ext uri="{FF2B5EF4-FFF2-40B4-BE49-F238E27FC236}">
+                      <a16:creationId xmlns:a16="http://schemas.microsoft.com/office/drawing/2014/main" id="{2FE1249F-AB7C-4A4E-8493-765182617B04}"/>
+                    </a:ext>
+                  </a:extLst>
+                </p:cNvPr>
+                <p:cNvPicPr>
+                  <a:picLocks noChangeAspect="1"/>
+                </p:cNvPicPr>
+                <p:nvPr/>
+              </p:nvPicPr>
+              <p:blipFill rotWithShape="1">
+                <a:blip r:embed="rId4">
+                  <a:extLst>
+                    <a:ext uri="{BEBA8EAE-BF5A-486C-A8C5-ECC9F3942E4B}">
+                      <a14:imgProps xmlns:a14="http://schemas.microsoft.com/office/drawing/2010/main">
+                        <a14:imgLayer r:embed="rId5">
+                          <a14:imgEffect>
+                            <a14:artisticPlasticWrap/>
+                          </a14:imgEffect>
+                          <a14:imgEffect>
+                            <a14:colorTemperature colorTemp="11200"/>
+                          </a14:imgEffect>
+                          <a14:imgEffect>
+                            <a14:saturation sat="400000"/>
+                          </a14:imgEffect>
+                          <a14:imgEffect>
+                            <a14:brightnessContrast contrast="40000"/>
+                          </a14:imgEffect>
+                        </a14:imgLayer>
+                      </a14:imgProps>
+                    </a:ext>
+                    <a:ext uri="{28A0092B-C50C-407E-A947-70E740481C1C}">
+                      <a14:useLocalDpi xmlns:a14="http://schemas.microsoft.com/office/drawing/2010/main" val="0"/>
+                    </a:ext>
+                  </a:extLst>
+                </a:blip>
+                <a:srcRect l="28919" t="14445" r="31742" b="43757"/>
+                <a:stretch/>
+              </p:blipFill>
+              <p:spPr>
+                <a:xfrm>
+                  <a:off x="2296613" y="5577430"/>
+                  <a:ext cx="443346" cy="471055"/>
+                </a:xfrm>
+                <a:prstGeom prst="rect">
+                  <a:avLst/>
+                </a:prstGeom>
+              </p:spPr>
+            </p:pic>
+            <p:sp>
+              <p:nvSpPr>
+                <p:cNvPr id="28" name="TextBox 27">
+                  <a:extLst>
+                    <a:ext uri="{FF2B5EF4-FFF2-40B4-BE49-F238E27FC236}">
+                      <a16:creationId xmlns:a16="http://schemas.microsoft.com/office/drawing/2014/main" id="{605D5B81-0FBB-4094-AC15-C71A9209339E}"/>
+                    </a:ext>
+                  </a:extLst>
+                </p:cNvPr>
+                <p:cNvSpPr txBox="1"/>
+                <p:nvPr/>
+              </p:nvSpPr>
+              <p:spPr>
+                <a:xfrm>
+                  <a:off x="1695974" y="5582124"/>
+                  <a:ext cx="660758" cy="461665"/>
+                </a:xfrm>
+                <a:prstGeom prst="rect">
+                  <a:avLst/>
+                </a:prstGeom>
+                <a:noFill/>
+              </p:spPr>
+              <p:txBody>
+                <a:bodyPr wrap="none" rtlCol="0">
+                  <a:spAutoFit/>
+                </a:bodyPr>
+                <a:lstStyle/>
+                <a:p>
+                  <a:r>
+                    <a:rPr lang="en-US" sz="2400" b="1" dirty="0">
+                      <a:latin typeface="Algerian" panose="04020705040A02060702" pitchFamily="82" charset="0"/>
+                    </a:rPr>
+                    <a:t>2 x</a:t>
+                  </a:r>
+                </a:p>
+              </p:txBody>
+            </p:sp>
+          </p:grpSp>
+          <p:pic>
+            <p:nvPicPr>
+              <p:cNvPr id="17" name="Picture 16">
+                <a:extLst>
+                  <a:ext uri="{FF2B5EF4-FFF2-40B4-BE49-F238E27FC236}">
+                    <a16:creationId xmlns:a16="http://schemas.microsoft.com/office/drawing/2014/main" id="{CA28B6C1-7DB4-4192-80B2-3CC065AA7962}"/>
+                  </a:ext>
+                </a:extLst>
+              </p:cNvPr>
+              <p:cNvPicPr>
+                <a:picLocks noChangeAspect="1"/>
+              </p:cNvPicPr>
+              <p:nvPr/>
+            </p:nvPicPr>
+            <p:blipFill>
+              <a:blip r:embed="rId2">
+                <a:extLst>
+                  <a:ext uri="{BEBA8EAE-BF5A-486C-A8C5-ECC9F3942E4B}">
+                    <a14:imgProps xmlns:a14="http://schemas.microsoft.com/office/drawing/2010/main">
+                      <a14:imgLayer r:embed="rId3">
+                        <a14:imgEffect>
+                          <a14:brightnessContrast contrast="40000"/>
+                        </a14:imgEffect>
+                      </a14:imgLayer>
+                    </a14:imgProps>
+                  </a:ext>
+                  <a:ext uri="{28A0092B-C50C-407E-A947-70E740481C1C}">
+                    <a14:useLocalDpi xmlns:a14="http://schemas.microsoft.com/office/drawing/2010/main" val="0"/>
+                  </a:ext>
+                </a:extLst>
+              </a:blip>
+              <a:stretch>
+                <a:fillRect/>
+              </a:stretch>
+            </p:blipFill>
+            <p:spPr>
+              <a:xfrm>
+                <a:off x="346091" y="2757975"/>
+                <a:ext cx="1228354" cy="1228354"/>
+              </a:xfrm>
+              <a:prstGeom prst="rect">
+                <a:avLst/>
+              </a:prstGeom>
+            </p:spPr>
+          </p:pic>
+        </p:grpSp>
+        <p:pic>
+          <p:nvPicPr>
+            <p:cNvPr id="19" name="Picture 18">
+              <a:extLst>
+                <a:ext uri="{FF2B5EF4-FFF2-40B4-BE49-F238E27FC236}">
+                  <a16:creationId xmlns:a16="http://schemas.microsoft.com/office/drawing/2014/main" id="{DD3A8807-7AB5-40F6-9DBF-17DED1A70D88}"/>
+                </a:ext>
+              </a:extLst>
+            </p:cNvPr>
+            <p:cNvPicPr>
+              <a:picLocks noChangeAspect="1"/>
+            </p:cNvPicPr>
+            <p:nvPr/>
+          </p:nvPicPr>
+          <p:blipFill>
+            <a:blip r:embed="rId6">
+              <a:clrChange>
+                <a:clrFrom>
+                  <a:srgbClr val="FFFFFF"/>
+                </a:clrFrom>
+                <a:clrTo>
+                  <a:srgbClr val="FFFFFF">
+                    <a:alpha val="0"/>
+                  </a:srgbClr>
+                </a:clrTo>
+              </a:clrChange>
+              <a:extLst>
+                <a:ext uri="{28A0092B-C50C-407E-A947-70E740481C1C}">
+                  <a14:useLocalDpi xmlns:a14="http://schemas.microsoft.com/office/drawing/2010/main" val="0"/>
+                </a:ext>
+              </a:extLst>
+            </a:blip>
+            <a:stretch>
+              <a:fillRect/>
+            </a:stretch>
+          </p:blipFill>
+          <p:spPr>
+            <a:xfrm>
+              <a:off x="494245" y="4094770"/>
+              <a:ext cx="892225" cy="1023934"/>
+            </a:xfrm>
+            <a:prstGeom prst="rect">
+              <a:avLst/>
+            </a:prstGeom>
+          </p:spPr>
+        </p:pic>
+      </p:grpSp>
+      <p:grpSp>
+        <p:nvGrpSpPr>
+          <p:cNvPr id="20" name="Group 19">
+            <a:extLst>
+              <a:ext uri="{FF2B5EF4-FFF2-40B4-BE49-F238E27FC236}">
+                <a16:creationId xmlns:a16="http://schemas.microsoft.com/office/drawing/2014/main" id="{6271A9B1-FB35-4FE9-8D1D-0A2C9AB19FB9}"/>
+              </a:ext>
+            </a:extLst>
+          </p:cNvPr>
+          <p:cNvGrpSpPr/>
+          <p:nvPr/>
+        </p:nvGrpSpPr>
+        <p:grpSpPr>
+          <a:xfrm>
+            <a:off x="4816751" y="302135"/>
+            <a:ext cx="4132525" cy="5929179"/>
+            <a:chOff x="219821" y="302135"/>
+            <a:chExt cx="4132525" cy="5929179"/>
+          </a:xfrm>
+        </p:grpSpPr>
+        <p:grpSp>
+          <p:nvGrpSpPr>
+            <p:cNvPr id="22" name="Group 21">
+              <a:extLst>
+                <a:ext uri="{FF2B5EF4-FFF2-40B4-BE49-F238E27FC236}">
+                  <a16:creationId xmlns:a16="http://schemas.microsoft.com/office/drawing/2014/main" id="{59902FC2-1FF8-462B-9CDB-342C3398ECCD}"/>
+                </a:ext>
+              </a:extLst>
+            </p:cNvPr>
+            <p:cNvGrpSpPr/>
+            <p:nvPr/>
+          </p:nvGrpSpPr>
+          <p:grpSpPr>
+            <a:xfrm>
+              <a:off x="219821" y="302135"/>
+              <a:ext cx="4132525" cy="5929179"/>
+              <a:chOff x="219821" y="302135"/>
+              <a:chExt cx="4132525" cy="5929179"/>
+            </a:xfrm>
+          </p:grpSpPr>
+          <p:sp>
+            <p:nvSpPr>
+              <p:cNvPr id="24" name="Rectangle 23">
+                <a:extLst>
+                  <a:ext uri="{FF2B5EF4-FFF2-40B4-BE49-F238E27FC236}">
+                    <a16:creationId xmlns:a16="http://schemas.microsoft.com/office/drawing/2014/main" id="{7A4775E1-5487-4880-A1A2-FD3C1EC15EEA}"/>
+                  </a:ext>
+                </a:extLst>
+              </p:cNvPr>
+              <p:cNvSpPr/>
+              <p:nvPr/>
+            </p:nvSpPr>
+            <p:spPr>
+              <a:xfrm>
+                <a:off x="219821" y="302135"/>
+                <a:ext cx="4132525" cy="5929179"/>
+              </a:xfrm>
+              <a:prstGeom prst="rect">
+                <a:avLst/>
+              </a:prstGeom>
+              <a:solidFill>
+                <a:schemeClr val="bg1">
+                  <a:lumMod val="95000"/>
+                </a:schemeClr>
+              </a:solidFill>
+              <a:ln w="177800">
+                <a:solidFill>
+                  <a:schemeClr val="tx1"/>
+                </a:solidFill>
+              </a:ln>
+              <a:effectLst>
+                <a:softEdge rad="127000"/>
+              </a:effectLst>
+            </p:spPr>
+            <p:style>
+              <a:lnRef idx="2">
+                <a:schemeClr val="accent1">
+                  <a:shade val="50000"/>
+                </a:schemeClr>
+              </a:lnRef>
+              <a:fillRef idx="1">
+                <a:schemeClr val="accent1"/>
+              </a:fillRef>
+              <a:effectRef idx="0">
+                <a:schemeClr val="accent1"/>
+              </a:effectRef>
+              <a:fontRef idx="minor">
+                <a:schemeClr val="lt1"/>
+              </a:fontRef>
+            </p:style>
+            <p:txBody>
+              <a:bodyPr rtlCol="0" anchor="t"/>
+              <a:lstStyle/>
+              <a:p>
+                <a:pPr algn="ctr">
+                  <a:lnSpc>
+                    <a:spcPct val="200000"/>
+                  </a:lnSpc>
+                </a:pPr>
+                <a:r>
+                  <a:rPr lang="en-US" sz="4000" b="1" dirty="0">
+                    <a:solidFill>
+                      <a:schemeClr val="tx1"/>
+                    </a:solidFill>
+                    <a:latin typeface="Algerian" panose="04020705040A02060702" pitchFamily="82" charset="0"/>
+                  </a:rPr>
+                  <a:t>Chicken soup:</a:t>
+                </a:r>
+                <a:endParaRPr lang="en-US" sz="4000" dirty="0">
+                  <a:solidFill>
+                    <a:schemeClr val="tx1"/>
+                  </a:solidFill>
+                  <a:latin typeface="Algerian" panose="04020705040A02060702" pitchFamily="82" charset="0"/>
+                </a:endParaRPr>
+              </a:p>
+              <a:p>
+                <a:pPr algn="ctr">
+                  <a:lnSpc>
+                    <a:spcPct val="200000"/>
+                  </a:lnSpc>
+                  <a:buSzPct val="150000"/>
+                </a:pPr>
+                <a:r>
+                  <a:rPr lang="en-US" sz="4000" dirty="0">
+                    <a:solidFill>
+                      <a:schemeClr val="tx1"/>
+                    </a:solidFill>
+                    <a:latin typeface="Algerian" panose="04020705040A02060702" pitchFamily="82" charset="0"/>
+                  </a:rPr>
+                  <a:t> meat</a:t>
+                </a:r>
+              </a:p>
+              <a:p>
+                <a:pPr algn="ctr">
+                  <a:lnSpc>
+                    <a:spcPct val="200000"/>
+                  </a:lnSpc>
+                  <a:buSzPct val="150000"/>
+                </a:pPr>
+                <a:r>
+                  <a:rPr lang="en-US" sz="4000" dirty="0">
+                    <a:solidFill>
+                      <a:schemeClr val="tx1"/>
+                    </a:solidFill>
+                    <a:latin typeface="Algerian" panose="04020705040A02060702" pitchFamily="82" charset="0"/>
+                  </a:rPr>
+                  <a:t> meat</a:t>
+                </a:r>
+              </a:p>
+              <a:p>
+                <a:pPr algn="ctr">
+                  <a:lnSpc>
+                    <a:spcPct val="200000"/>
+                  </a:lnSpc>
+                  <a:buSzPct val="150000"/>
+                </a:pPr>
+                <a:r>
+                  <a:rPr lang="en-US" sz="4000" dirty="0">
+                    <a:solidFill>
+                      <a:schemeClr val="tx1"/>
+                    </a:solidFill>
+                    <a:latin typeface="Algerian" panose="04020705040A02060702" pitchFamily="82" charset="0"/>
+                  </a:rPr>
+                  <a:t>          fruit/veg</a:t>
+                </a:r>
+                <a:endParaRPr lang="en-US" sz="4800" dirty="0">
+                  <a:solidFill>
+                    <a:schemeClr val="tx1"/>
+                  </a:solidFill>
+                  <a:latin typeface="Algerian" panose="04020705040A02060702" pitchFamily="82" charset="0"/>
+                </a:endParaRPr>
+              </a:p>
+            </p:txBody>
+          </p:sp>
+          <p:pic>
+            <p:nvPicPr>
+              <p:cNvPr id="25" name="Picture 24">
+                <a:extLst>
+                  <a:ext uri="{FF2B5EF4-FFF2-40B4-BE49-F238E27FC236}">
+                    <a16:creationId xmlns:a16="http://schemas.microsoft.com/office/drawing/2014/main" id="{3A41EE88-03FE-40D2-B185-8B118C2A17CE}"/>
+                  </a:ext>
+                </a:extLst>
+              </p:cNvPr>
+              <p:cNvPicPr>
+                <a:picLocks noChangeAspect="1"/>
+              </p:cNvPicPr>
+              <p:nvPr/>
+            </p:nvPicPr>
+            <p:blipFill>
+              <a:blip r:embed="rId2">
+                <a:extLst>
+                  <a:ext uri="{BEBA8EAE-BF5A-486C-A8C5-ECC9F3942E4B}">
+                    <a14:imgProps xmlns:a14="http://schemas.microsoft.com/office/drawing/2010/main">
+                      <a14:imgLayer r:embed="rId3">
+                        <a14:imgEffect>
+                          <a14:brightnessContrast contrast="40000"/>
+                        </a14:imgEffect>
+                      </a14:imgLayer>
+                    </a14:imgProps>
+                  </a:ext>
+                  <a:ext uri="{28A0092B-C50C-407E-A947-70E740481C1C}">
+                    <a14:useLocalDpi xmlns:a14="http://schemas.microsoft.com/office/drawing/2010/main" val="0"/>
+                  </a:ext>
+                </a:extLst>
+              </a:blip>
+              <a:stretch>
+                <a:fillRect/>
+              </a:stretch>
+            </p:blipFill>
+            <p:spPr>
+              <a:xfrm>
+                <a:off x="346089" y="1625600"/>
+                <a:ext cx="1196461" cy="1196461"/>
+              </a:xfrm>
+              <a:prstGeom prst="rect">
+                <a:avLst/>
+              </a:prstGeom>
+            </p:spPr>
+          </p:pic>
+          <p:pic>
+            <p:nvPicPr>
+              <p:cNvPr id="31" name="Picture 30">
+                <a:extLst>
+                  <a:ext uri="{FF2B5EF4-FFF2-40B4-BE49-F238E27FC236}">
+                    <a16:creationId xmlns:a16="http://schemas.microsoft.com/office/drawing/2014/main" id="{D20CAEE7-5642-49C3-8C6B-C760D62E465F}"/>
+                  </a:ext>
+                </a:extLst>
+              </p:cNvPr>
+              <p:cNvPicPr>
+                <a:picLocks noChangeAspect="1"/>
+              </p:cNvPicPr>
+              <p:nvPr/>
+            </p:nvPicPr>
+            <p:blipFill rotWithShape="1">
+              <a:blip r:embed="rId4">
+                <a:extLst>
+                  <a:ext uri="{BEBA8EAE-BF5A-486C-A8C5-ECC9F3942E4B}">
+                    <a14:imgProps xmlns:a14="http://schemas.microsoft.com/office/drawing/2010/main">
+                      <a14:imgLayer r:embed="rId5">
+                        <a14:imgEffect>
+                          <a14:artisticPlasticWrap/>
+                        </a14:imgEffect>
+                        <a14:imgEffect>
+                          <a14:colorTemperature colorTemp="11200"/>
+                        </a14:imgEffect>
+                        <a14:imgEffect>
+                          <a14:saturation sat="400000"/>
+                        </a14:imgEffect>
+                        <a14:imgEffect>
+                          <a14:brightnessContrast contrast="40000"/>
+                        </a14:imgEffect>
+                      </a14:imgLayer>
+                    </a14:imgProps>
+                  </a:ext>
+                  <a:ext uri="{28A0092B-C50C-407E-A947-70E740481C1C}">
+                    <a14:useLocalDpi xmlns:a14="http://schemas.microsoft.com/office/drawing/2010/main" val="0"/>
+                  </a:ext>
+                </a:extLst>
+              </a:blip>
+              <a:srcRect l="28919" t="14445" r="31742" b="43757"/>
+              <a:stretch/>
+            </p:blipFill>
+            <p:spPr>
+              <a:xfrm>
+                <a:off x="2296613" y="5577430"/>
+                <a:ext cx="443346" cy="471055"/>
+              </a:xfrm>
+              <a:prstGeom prst="rect">
+                <a:avLst/>
+              </a:prstGeom>
+            </p:spPr>
+          </p:pic>
+          <p:pic>
+            <p:nvPicPr>
+              <p:cNvPr id="29" name="Picture 28">
+                <a:extLst>
+                  <a:ext uri="{FF2B5EF4-FFF2-40B4-BE49-F238E27FC236}">
+                    <a16:creationId xmlns:a16="http://schemas.microsoft.com/office/drawing/2014/main" id="{2C2D9028-10D6-4B92-B580-A86335F9912E}"/>
+                  </a:ext>
+                </a:extLst>
+              </p:cNvPr>
+              <p:cNvPicPr>
+                <a:picLocks noChangeAspect="1"/>
+              </p:cNvPicPr>
+              <p:nvPr/>
+            </p:nvPicPr>
+            <p:blipFill>
+              <a:blip r:embed="rId2">
+                <a:extLst>
+                  <a:ext uri="{BEBA8EAE-BF5A-486C-A8C5-ECC9F3942E4B}">
+                    <a14:imgProps xmlns:a14="http://schemas.microsoft.com/office/drawing/2010/main">
+                      <a14:imgLayer r:embed="rId3">
+                        <a14:imgEffect>
+                          <a14:brightnessContrast contrast="40000"/>
+                        </a14:imgEffect>
+                      </a14:imgLayer>
+                    </a14:imgProps>
+                  </a:ext>
+                  <a:ext uri="{28A0092B-C50C-407E-A947-70E740481C1C}">
+                    <a14:useLocalDpi xmlns:a14="http://schemas.microsoft.com/office/drawing/2010/main" val="0"/>
+                  </a:ext>
+                </a:extLst>
+              </a:blip>
+              <a:stretch>
+                <a:fillRect/>
+              </a:stretch>
+            </p:blipFill>
+            <p:spPr>
+              <a:xfrm>
+                <a:off x="346091" y="2757975"/>
+                <a:ext cx="1228354" cy="1228354"/>
+              </a:xfrm>
+              <a:prstGeom prst="rect">
+                <a:avLst/>
+              </a:prstGeom>
+            </p:spPr>
+          </p:pic>
+        </p:grpSp>
+        <p:pic>
+          <p:nvPicPr>
+            <p:cNvPr id="23" name="Picture 22">
+              <a:extLst>
+                <a:ext uri="{FF2B5EF4-FFF2-40B4-BE49-F238E27FC236}">
+                  <a16:creationId xmlns:a16="http://schemas.microsoft.com/office/drawing/2014/main" id="{2BFB14D0-EA24-451C-BC43-332819FE58CC}"/>
+                </a:ext>
+              </a:extLst>
+            </p:cNvPr>
+            <p:cNvPicPr>
+              <a:picLocks noChangeAspect="1"/>
+            </p:cNvPicPr>
+            <p:nvPr/>
+          </p:nvPicPr>
+          <p:blipFill>
+            <a:blip r:embed="rId6">
+              <a:clrChange>
+                <a:clrFrom>
+                  <a:srgbClr val="FFFFFF"/>
+                </a:clrFrom>
+                <a:clrTo>
+                  <a:srgbClr val="FFFFFF">
+                    <a:alpha val="0"/>
+                  </a:srgbClr>
+                </a:clrTo>
+              </a:clrChange>
+              <a:extLst>
+                <a:ext uri="{28A0092B-C50C-407E-A947-70E740481C1C}">
+                  <a14:useLocalDpi xmlns:a14="http://schemas.microsoft.com/office/drawing/2010/main" val="0"/>
+                </a:ext>
+              </a:extLst>
+            </a:blip>
+            <a:stretch>
+              <a:fillRect/>
+            </a:stretch>
+          </p:blipFill>
+          <p:spPr>
+            <a:xfrm>
+              <a:off x="494245" y="4094770"/>
+              <a:ext cx="892225" cy="1023934"/>
+            </a:xfrm>
+            <a:prstGeom prst="rect">
+              <a:avLst/>
+            </a:prstGeom>
+          </p:spPr>
+        </p:pic>
+      </p:grpSp>
+      <p:pic>
+        <p:nvPicPr>
+          <p:cNvPr id="33" name="Picture 32">
+            <a:extLst>
+              <a:ext uri="{FF2B5EF4-FFF2-40B4-BE49-F238E27FC236}">
+                <a16:creationId xmlns:a16="http://schemas.microsoft.com/office/drawing/2014/main" id="{D585AA18-1D92-408E-B527-7540EE72FB6F}"/>
+              </a:ext>
+            </a:extLst>
+          </p:cNvPr>
+          <p:cNvPicPr>
+            <a:picLocks noChangeAspect="1"/>
+          </p:cNvPicPr>
+          <p:nvPr/>
+        </p:nvPicPr>
+        <p:blipFill rotWithShape="1">
+          <a:blip r:embed="rId4">
+            <a:extLst>
+              <a:ext uri="{BEBA8EAE-BF5A-486C-A8C5-ECC9F3942E4B}">
+                <a14:imgProps xmlns:a14="http://schemas.microsoft.com/office/drawing/2010/main">
+                  <a14:imgLayer r:embed="rId5">
+                    <a14:imgEffect>
+                      <a14:artisticPlasticWrap/>
+                    </a14:imgEffect>
+                    <a14:imgEffect>
+                      <a14:colorTemperature colorTemp="11200"/>
+                    </a14:imgEffect>
+                    <a14:imgEffect>
+                      <a14:saturation sat="400000"/>
+                    </a14:imgEffect>
+                    <a14:imgEffect>
+                      <a14:brightnessContrast contrast="40000"/>
+                    </a14:imgEffect>
+                  </a14:imgLayer>
+                </a14:imgProps>
+              </a:ext>
+              <a:ext uri="{28A0092B-C50C-407E-A947-70E740481C1C}">
+                <a14:useLocalDpi xmlns:a14="http://schemas.microsoft.com/office/drawing/2010/main" val="0"/>
+              </a:ext>
+            </a:extLst>
+          </a:blip>
+          <a:srcRect l="28919" t="14445" r="31742" b="43757"/>
+          <a:stretch/>
+        </p:blipFill>
+        <p:spPr>
+          <a:xfrm>
+            <a:off x="6423118" y="5580637"/>
+            <a:ext cx="443346" cy="471055"/>
+          </a:xfrm>
+          <a:prstGeom prst="rect">
+            <a:avLst/>
+          </a:prstGeom>
+        </p:spPr>
+      </p:pic>
+    </p:spTree>
+    <p:extLst>
+      <p:ext uri="{BB962C8B-B14F-4D97-AF65-F5344CB8AC3E}">
+        <p14:creationId xmlns:p14="http://schemas.microsoft.com/office/powerpoint/2010/main" val="3605900465"/>
+      </p:ext>
+    </p:extLst>
+  </p:cSld>
+  <p:clrMapOvr>
+    <a:masterClrMapping/>
+  </p:clrMapOvr>
+</p:sld>
+</file>
+
+<file path=ppt/slides/slide6.xml><?xml version="1.0" encoding="utf-8"?>
+<p:sld xmlns:a="http://schemas.openxmlformats.org/drawingml/2006/main" xmlns:r="http://schemas.openxmlformats.org/officeDocument/2006/relationships" xmlns:p="http://schemas.openxmlformats.org/presentationml/2006/main">
+  <p:cSld>
+    <p:spTree>
+      <p:nvGrpSpPr>
+        <p:cNvPr id="1" name=""/>
+        <p:cNvGrpSpPr/>
+        <p:nvPr/>
+      </p:nvGrpSpPr>
+      <p:grpSpPr>
+        <a:xfrm>
+          <a:off x="0" y="0"/>
+          <a:ext cx="0" cy="0"/>
+          <a:chOff x="0" y="0"/>
+          <a:chExt cx="0" cy="0"/>
+        </a:xfrm>
+      </p:grpSpPr>
+      <p:grpSp>
+        <p:nvGrpSpPr>
+          <p:cNvPr id="5" name="Group 4">
+            <a:extLst>
+              <a:ext uri="{FF2B5EF4-FFF2-40B4-BE49-F238E27FC236}">
+                <a16:creationId xmlns:a16="http://schemas.microsoft.com/office/drawing/2014/main" id="{DB716BC5-60D7-4284-9691-9514610192EF}"/>
+              </a:ext>
+            </a:extLst>
+          </p:cNvPr>
+          <p:cNvGrpSpPr/>
+          <p:nvPr/>
+        </p:nvGrpSpPr>
+        <p:grpSpPr>
+          <a:xfrm>
+            <a:off x="7664454" y="289073"/>
+            <a:ext cx="4132525" cy="5929179"/>
+            <a:chOff x="7664454" y="289073"/>
+            <a:chExt cx="4132525" cy="5929179"/>
+          </a:xfrm>
+        </p:grpSpPr>
+        <p:sp>
+          <p:nvSpPr>
+            <p:cNvPr id="24" name="Rectangle 23">
+              <a:extLst>
+                <a:ext uri="{FF2B5EF4-FFF2-40B4-BE49-F238E27FC236}">
+                  <a16:creationId xmlns:a16="http://schemas.microsoft.com/office/drawing/2014/main" id="{7A4775E1-5487-4880-A1A2-FD3C1EC15EEA}"/>
+                </a:ext>
+              </a:extLst>
+            </p:cNvPr>
+            <p:cNvSpPr/>
+            <p:nvPr/>
+          </p:nvSpPr>
+          <p:spPr>
+            <a:xfrm>
+              <a:off x="7664454" y="289073"/>
+              <a:ext cx="4132525" cy="5929179"/>
+            </a:xfrm>
+            <a:prstGeom prst="rect">
+              <a:avLst/>
+            </a:prstGeom>
+            <a:solidFill>
+              <a:schemeClr val="bg1">
+                <a:lumMod val="95000"/>
+              </a:schemeClr>
+            </a:solidFill>
+            <a:ln w="177800">
+              <a:solidFill>
+                <a:schemeClr val="tx1"/>
+              </a:solidFill>
+            </a:ln>
+            <a:effectLst>
+              <a:softEdge rad="127000"/>
+            </a:effectLst>
+          </p:spPr>
+          <p:style>
+            <a:lnRef idx="2">
+              <a:schemeClr val="accent1">
+                <a:shade val="50000"/>
+              </a:schemeClr>
+            </a:lnRef>
+            <a:fillRef idx="1">
+              <a:schemeClr val="accent1"/>
+            </a:fillRef>
+            <a:effectRef idx="0">
+              <a:schemeClr val="accent1"/>
+            </a:effectRef>
+            <a:fontRef idx="minor">
+              <a:schemeClr val="lt1"/>
+            </a:fontRef>
+          </p:style>
+          <p:txBody>
+            <a:bodyPr rtlCol="0" anchor="t"/>
+            <a:lstStyle/>
+            <a:p>
+              <a:pPr algn="ctr">
+                <a:lnSpc>
+                  <a:spcPct val="200000"/>
+                </a:lnSpc>
+              </a:pPr>
+              <a:r>
+                <a:rPr lang="en-US" sz="4000" b="1" dirty="0">
+                  <a:solidFill>
+                    <a:schemeClr val="tx1"/>
+                  </a:solidFill>
+                  <a:latin typeface="Algerian" panose="04020705040A02060702" pitchFamily="82" charset="0"/>
+                </a:rPr>
+                <a:t>Fruit Yogurt:</a:t>
+              </a:r>
+              <a:endParaRPr lang="en-US" sz="4000" dirty="0">
+                <a:solidFill>
+                  <a:schemeClr val="tx1"/>
+                </a:solidFill>
+                <a:latin typeface="Algerian" panose="04020705040A02060702" pitchFamily="82" charset="0"/>
+              </a:endParaRPr>
+            </a:p>
+            <a:p>
+              <a:pPr algn="ctr">
+                <a:lnSpc>
+                  <a:spcPct val="200000"/>
+                </a:lnSpc>
+                <a:buSzPct val="150000"/>
+              </a:pPr>
+              <a:r>
+                <a:rPr lang="en-US" sz="4000" dirty="0">
+                  <a:solidFill>
+                    <a:schemeClr val="tx1"/>
+                  </a:solidFill>
+                  <a:latin typeface="Algerian" panose="04020705040A02060702" pitchFamily="82" charset="0"/>
+                </a:rPr>
+                <a:t> dairy</a:t>
+              </a:r>
+            </a:p>
+            <a:p>
+              <a:pPr algn="ctr">
+                <a:lnSpc>
+                  <a:spcPct val="200000"/>
+                </a:lnSpc>
+                <a:buSzPct val="150000"/>
+              </a:pPr>
+              <a:r>
+                <a:rPr lang="en-US" sz="4000" dirty="0">
+                  <a:solidFill>
+                    <a:schemeClr val="tx1"/>
+                  </a:solidFill>
+                  <a:latin typeface="Algerian" panose="04020705040A02060702" pitchFamily="82" charset="0"/>
+                </a:rPr>
+                <a:t> dairy</a:t>
+              </a:r>
+            </a:p>
+            <a:p>
+              <a:pPr algn="ctr">
+                <a:lnSpc>
+                  <a:spcPct val="200000"/>
+                </a:lnSpc>
+                <a:buSzPct val="150000"/>
+              </a:pPr>
+              <a:r>
+                <a:rPr lang="en-US" sz="4000" dirty="0">
+                  <a:solidFill>
+                    <a:schemeClr val="tx1"/>
+                  </a:solidFill>
+                  <a:latin typeface="Algerian" panose="04020705040A02060702" pitchFamily="82" charset="0"/>
+                </a:rPr>
+                <a:t>          fruit/veg</a:t>
+              </a:r>
+              <a:endParaRPr lang="en-US" sz="4800" dirty="0">
+                <a:solidFill>
+                  <a:schemeClr val="tx1"/>
+                </a:solidFill>
+                <a:latin typeface="Algerian" panose="04020705040A02060702" pitchFamily="82" charset="0"/>
+              </a:endParaRPr>
+            </a:p>
+          </p:txBody>
+        </p:sp>
+        <p:pic>
+          <p:nvPicPr>
+            <p:cNvPr id="31" name="Picture 30">
+              <a:extLst>
+                <a:ext uri="{FF2B5EF4-FFF2-40B4-BE49-F238E27FC236}">
+                  <a16:creationId xmlns:a16="http://schemas.microsoft.com/office/drawing/2014/main" id="{D20CAEE7-5642-49C3-8C6B-C760D62E465F}"/>
+                </a:ext>
+              </a:extLst>
+            </p:cNvPr>
+            <p:cNvPicPr>
+              <a:picLocks noChangeAspect="1"/>
+            </p:cNvPicPr>
+            <p:nvPr/>
+          </p:nvPicPr>
+          <p:blipFill rotWithShape="1">
+            <a:blip r:embed="rId2">
+              <a:extLst>
+                <a:ext uri="{BEBA8EAE-BF5A-486C-A8C5-ECC9F3942E4B}">
+                  <a14:imgProps xmlns:a14="http://schemas.microsoft.com/office/drawing/2010/main">
+                    <a14:imgLayer r:embed="rId3">
+                      <a14:imgEffect>
+                        <a14:artisticPlasticWrap/>
+                      </a14:imgEffect>
+                      <a14:imgEffect>
+                        <a14:colorTemperature colorTemp="11200"/>
+                      </a14:imgEffect>
+                      <a14:imgEffect>
+                        <a14:saturation sat="400000"/>
+                      </a14:imgEffect>
+                      <a14:imgEffect>
+                        <a14:brightnessContrast contrast="40000"/>
+                      </a14:imgEffect>
+                    </a14:imgLayer>
+                  </a14:imgProps>
+                </a:ext>
+                <a:ext uri="{28A0092B-C50C-407E-A947-70E740481C1C}">
+                  <a14:useLocalDpi xmlns:a14="http://schemas.microsoft.com/office/drawing/2010/main" val="0"/>
+                </a:ext>
+              </a:extLst>
+            </a:blip>
+            <a:srcRect l="28919" t="14445" r="31742" b="43757"/>
+            <a:stretch/>
+          </p:blipFill>
+          <p:spPr>
+            <a:xfrm>
+              <a:off x="9741246" y="5564368"/>
+              <a:ext cx="443346" cy="471055"/>
+            </a:xfrm>
+            <a:prstGeom prst="rect">
+              <a:avLst/>
+            </a:prstGeom>
+          </p:spPr>
+        </p:pic>
+        <p:pic>
+          <p:nvPicPr>
+            <p:cNvPr id="23" name="Picture 22">
+              <a:extLst>
+                <a:ext uri="{FF2B5EF4-FFF2-40B4-BE49-F238E27FC236}">
+                  <a16:creationId xmlns:a16="http://schemas.microsoft.com/office/drawing/2014/main" id="{2BFB14D0-EA24-451C-BC43-332819FE58CC}"/>
+                </a:ext>
+              </a:extLst>
+            </p:cNvPr>
+            <p:cNvPicPr>
+              <a:picLocks noChangeAspect="1"/>
+            </p:cNvPicPr>
+            <p:nvPr/>
+          </p:nvPicPr>
+          <p:blipFill>
+            <a:blip r:embed="rId4">
+              <a:clrChange>
+                <a:clrFrom>
+                  <a:srgbClr val="FFFFFF"/>
+                </a:clrFrom>
+                <a:clrTo>
+                  <a:srgbClr val="FFFFFF">
+                    <a:alpha val="0"/>
+                  </a:srgbClr>
+                </a:clrTo>
+              </a:clrChange>
+              <a:extLst>
+                <a:ext uri="{28A0092B-C50C-407E-A947-70E740481C1C}">
+                  <a14:useLocalDpi xmlns:a14="http://schemas.microsoft.com/office/drawing/2010/main" val="0"/>
+                </a:ext>
+              </a:extLst>
+            </a:blip>
+            <a:stretch>
+              <a:fillRect/>
+            </a:stretch>
+          </p:blipFill>
+          <p:spPr>
+            <a:xfrm>
+              <a:off x="7938878" y="4081708"/>
+              <a:ext cx="892225" cy="1023934"/>
+            </a:xfrm>
+            <a:prstGeom prst="rect">
+              <a:avLst/>
+            </a:prstGeom>
+          </p:spPr>
+        </p:pic>
+        <p:pic>
+          <p:nvPicPr>
+            <p:cNvPr id="33" name="Picture 32">
+              <a:extLst>
+                <a:ext uri="{FF2B5EF4-FFF2-40B4-BE49-F238E27FC236}">
+                  <a16:creationId xmlns:a16="http://schemas.microsoft.com/office/drawing/2014/main" id="{D585AA18-1D92-408E-B527-7540EE72FB6F}"/>
+                </a:ext>
+              </a:extLst>
+            </p:cNvPr>
+            <p:cNvPicPr>
+              <a:picLocks noChangeAspect="1"/>
+            </p:cNvPicPr>
+            <p:nvPr/>
+          </p:nvPicPr>
+          <p:blipFill rotWithShape="1">
+            <a:blip r:embed="rId2">
+              <a:extLst>
+                <a:ext uri="{BEBA8EAE-BF5A-486C-A8C5-ECC9F3942E4B}">
+                  <a14:imgProps xmlns:a14="http://schemas.microsoft.com/office/drawing/2010/main">
+                    <a14:imgLayer r:embed="rId3">
+                      <a14:imgEffect>
+                        <a14:artisticPlasticWrap/>
+                      </a14:imgEffect>
+                      <a14:imgEffect>
+                        <a14:colorTemperature colorTemp="11200"/>
+                      </a14:imgEffect>
+                      <a14:imgEffect>
+                        <a14:saturation sat="400000"/>
+                      </a14:imgEffect>
+                      <a14:imgEffect>
+                        <a14:brightnessContrast contrast="40000"/>
+                      </a14:imgEffect>
+                    </a14:imgLayer>
+                  </a14:imgProps>
+                </a:ext>
+                <a:ext uri="{28A0092B-C50C-407E-A947-70E740481C1C}">
+                  <a14:useLocalDpi xmlns:a14="http://schemas.microsoft.com/office/drawing/2010/main" val="0"/>
+                </a:ext>
+              </a:extLst>
+            </a:blip>
+            <a:srcRect l="28919" t="14445" r="31742" b="43757"/>
+            <a:stretch/>
+          </p:blipFill>
+          <p:spPr>
+            <a:xfrm>
+              <a:off x="9270821" y="5567575"/>
+              <a:ext cx="443346" cy="471055"/>
+            </a:xfrm>
+            <a:prstGeom prst="rect">
+              <a:avLst/>
+            </a:prstGeom>
+          </p:spPr>
+        </p:pic>
+        <p:pic>
+          <p:nvPicPr>
+            <p:cNvPr id="46" name="Picture 45">
+              <a:extLst>
+                <a:ext uri="{FF2B5EF4-FFF2-40B4-BE49-F238E27FC236}">
+                  <a16:creationId xmlns:a16="http://schemas.microsoft.com/office/drawing/2014/main" id="{5DBD11CA-8370-4A77-8DEA-CF727B7C7CE0}"/>
+                </a:ext>
+              </a:extLst>
+            </p:cNvPr>
+            <p:cNvPicPr>
+              <a:picLocks noChangeAspect="1"/>
+            </p:cNvPicPr>
+            <p:nvPr/>
+          </p:nvPicPr>
+          <p:blipFill rotWithShape="1">
+            <a:blip r:embed="rId5">
+              <a:clrChange>
+                <a:clrFrom>
+                  <a:srgbClr val="000000"/>
+                </a:clrFrom>
+                <a:clrTo>
+                  <a:srgbClr val="000000">
+                    <a:alpha val="0"/>
+                  </a:srgbClr>
+                </a:clrTo>
+              </a:clrChange>
+              <a:extLst>
+                <a:ext uri="{BEBA8EAE-BF5A-486C-A8C5-ECC9F3942E4B}">
+                  <a14:imgProps xmlns:a14="http://schemas.microsoft.com/office/drawing/2010/main">
+                    <a14:imgLayer r:embed="rId6">
+                      <a14:imgEffect>
+                        <a14:brightnessContrast contrast="40000"/>
+                      </a14:imgEffect>
+                    </a14:imgLayer>
+                  </a14:imgProps>
+                </a:ext>
+                <a:ext uri="{28A0092B-C50C-407E-A947-70E740481C1C}">
+                  <a14:useLocalDpi xmlns:a14="http://schemas.microsoft.com/office/drawing/2010/main" val="0"/>
+                </a:ext>
+              </a:extLst>
+            </a:blip>
+            <a:srcRect l="17843" r="18158"/>
+            <a:stretch/>
+          </p:blipFill>
+          <p:spPr>
+            <a:xfrm>
+              <a:off x="8180923" y="1760386"/>
+              <a:ext cx="650180" cy="1015906"/>
+            </a:xfrm>
+            <a:prstGeom prst="rect">
+              <a:avLst/>
+            </a:prstGeom>
+          </p:spPr>
+        </p:pic>
+        <p:pic>
+          <p:nvPicPr>
+            <p:cNvPr id="47" name="Picture 46">
+              <a:extLst>
+                <a:ext uri="{FF2B5EF4-FFF2-40B4-BE49-F238E27FC236}">
+                  <a16:creationId xmlns:a16="http://schemas.microsoft.com/office/drawing/2014/main" id="{72E7BDC0-F8AC-4F71-AEB8-98EBEB7EFD36}"/>
+                </a:ext>
+              </a:extLst>
+            </p:cNvPr>
+            <p:cNvPicPr>
+              <a:picLocks noChangeAspect="1"/>
+            </p:cNvPicPr>
+            <p:nvPr/>
+          </p:nvPicPr>
+          <p:blipFill rotWithShape="1">
+            <a:blip r:embed="rId5">
+              <a:clrChange>
+                <a:clrFrom>
+                  <a:srgbClr val="000000"/>
+                </a:clrFrom>
+                <a:clrTo>
+                  <a:srgbClr val="000000">
+                    <a:alpha val="0"/>
+                  </a:srgbClr>
+                </a:clrTo>
+              </a:clrChange>
+              <a:extLst>
+                <a:ext uri="{BEBA8EAE-BF5A-486C-A8C5-ECC9F3942E4B}">
+                  <a14:imgProps xmlns:a14="http://schemas.microsoft.com/office/drawing/2010/main">
+                    <a14:imgLayer r:embed="rId6">
+                      <a14:imgEffect>
+                        <a14:brightnessContrast contrast="40000"/>
+                      </a14:imgEffect>
+                    </a14:imgLayer>
+                  </a14:imgProps>
+                </a:ext>
+                <a:ext uri="{28A0092B-C50C-407E-A947-70E740481C1C}">
+                  <a14:useLocalDpi xmlns:a14="http://schemas.microsoft.com/office/drawing/2010/main" val="0"/>
+                </a:ext>
+              </a:extLst>
+            </a:blip>
+            <a:srcRect l="17843" r="18158"/>
+            <a:stretch/>
+          </p:blipFill>
+          <p:spPr>
+            <a:xfrm>
+              <a:off x="8180923" y="2897036"/>
+              <a:ext cx="650180" cy="1015906"/>
+            </a:xfrm>
+            <a:prstGeom prst="rect">
+              <a:avLst/>
+            </a:prstGeom>
+          </p:spPr>
+        </p:pic>
+      </p:grpSp>
+      <p:grpSp>
+        <p:nvGrpSpPr>
+          <p:cNvPr id="6" name="Group 5">
+            <a:extLst>
+              <a:ext uri="{FF2B5EF4-FFF2-40B4-BE49-F238E27FC236}">
+                <a16:creationId xmlns:a16="http://schemas.microsoft.com/office/drawing/2014/main" id="{C0B2E890-9B09-4BB2-87BF-5649ED9FE5C3}"/>
+              </a:ext>
+            </a:extLst>
+          </p:cNvPr>
+          <p:cNvGrpSpPr/>
+          <p:nvPr/>
+        </p:nvGrpSpPr>
+        <p:grpSpPr>
+          <a:xfrm>
+            <a:off x="292648" y="289072"/>
+            <a:ext cx="4132525" cy="5929179"/>
+            <a:chOff x="292648" y="289072"/>
+            <a:chExt cx="4132525" cy="5929179"/>
+          </a:xfrm>
+        </p:grpSpPr>
+        <p:sp>
+          <p:nvSpPr>
+            <p:cNvPr id="49" name="Rectangle 48">
+              <a:extLst>
+                <a:ext uri="{FF2B5EF4-FFF2-40B4-BE49-F238E27FC236}">
+                  <a16:creationId xmlns:a16="http://schemas.microsoft.com/office/drawing/2014/main" id="{D6798B92-91BC-433A-8D05-FCBAFDF6AF48}"/>
+                </a:ext>
+              </a:extLst>
+            </p:cNvPr>
+            <p:cNvSpPr/>
+            <p:nvPr/>
+          </p:nvSpPr>
+          <p:spPr>
+            <a:xfrm>
+              <a:off x="292648" y="289072"/>
+              <a:ext cx="4132525" cy="5929179"/>
+            </a:xfrm>
+            <a:prstGeom prst="rect">
+              <a:avLst/>
+            </a:prstGeom>
+            <a:solidFill>
+              <a:schemeClr val="bg1">
+                <a:lumMod val="95000"/>
+              </a:schemeClr>
+            </a:solidFill>
+            <a:ln w="177800">
+              <a:solidFill>
+                <a:schemeClr val="tx1"/>
+              </a:solidFill>
+            </a:ln>
+            <a:effectLst>
+              <a:softEdge rad="127000"/>
+            </a:effectLst>
+          </p:spPr>
+          <p:style>
+            <a:lnRef idx="2">
+              <a:schemeClr val="accent1">
+                <a:shade val="50000"/>
+              </a:schemeClr>
+            </a:lnRef>
+            <a:fillRef idx="1">
+              <a:schemeClr val="accent1"/>
+            </a:fillRef>
+            <a:effectRef idx="0">
+              <a:schemeClr val="accent1"/>
+            </a:effectRef>
+            <a:fontRef idx="minor">
+              <a:schemeClr val="lt1"/>
+            </a:fontRef>
+          </p:style>
+          <p:txBody>
+            <a:bodyPr rtlCol="0" anchor="t"/>
+            <a:lstStyle/>
+            <a:p>
+              <a:pPr algn="ctr"/>
+              <a:r>
+                <a:rPr lang="en-US" sz="4000" b="1" dirty="0">
+                  <a:solidFill>
+                    <a:schemeClr val="tx1"/>
+                  </a:solidFill>
+                  <a:latin typeface="Algerian" panose="04020705040A02060702" pitchFamily="82" charset="0"/>
+                </a:rPr>
+                <a:t>Butter chicken:</a:t>
+              </a:r>
+              <a:endParaRPr lang="en-US" sz="4000" dirty="0">
+                <a:solidFill>
+                  <a:schemeClr val="tx1"/>
+                </a:solidFill>
+                <a:latin typeface="Algerian" panose="04020705040A02060702" pitchFamily="82" charset="0"/>
+              </a:endParaRPr>
+            </a:p>
+            <a:p>
+              <a:pPr algn="ctr">
+                <a:lnSpc>
+                  <a:spcPct val="200000"/>
+                </a:lnSpc>
+                <a:buSzPct val="150000"/>
+              </a:pPr>
+              <a:r>
+                <a:rPr lang="en-US" sz="4000" dirty="0">
+                  <a:solidFill>
+                    <a:schemeClr val="tx1"/>
+                  </a:solidFill>
+                  <a:latin typeface="Algerian" panose="04020705040A02060702" pitchFamily="82" charset="0"/>
+                </a:rPr>
+                <a:t> dairy</a:t>
+              </a:r>
+            </a:p>
+            <a:p>
+              <a:pPr algn="ctr">
+                <a:lnSpc>
+                  <a:spcPct val="200000"/>
+                </a:lnSpc>
+                <a:buSzPct val="150000"/>
+              </a:pPr>
+              <a:r>
+                <a:rPr lang="en-US" sz="4000" dirty="0">
+                  <a:solidFill>
+                    <a:schemeClr val="tx1"/>
+                  </a:solidFill>
+                  <a:latin typeface="Algerian" panose="04020705040A02060702" pitchFamily="82" charset="0"/>
+                </a:rPr>
+                <a:t> dairy</a:t>
+              </a:r>
+            </a:p>
+            <a:p>
+              <a:pPr algn="ctr">
+                <a:lnSpc>
+                  <a:spcPct val="200000"/>
+                </a:lnSpc>
+                <a:buSzPct val="150000"/>
+              </a:pPr>
+              <a:r>
+                <a:rPr lang="en-US" sz="4000" dirty="0">
+                  <a:solidFill>
+                    <a:schemeClr val="tx1"/>
+                  </a:solidFill>
+                  <a:latin typeface="Algerian" panose="04020705040A02060702" pitchFamily="82" charset="0"/>
+                </a:rPr>
+                <a:t> Meat</a:t>
+              </a:r>
+              <a:endParaRPr lang="en-US" sz="4800" dirty="0">
+                <a:solidFill>
+                  <a:schemeClr val="tx1"/>
+                </a:solidFill>
+                <a:latin typeface="Algerian" panose="04020705040A02060702" pitchFamily="82" charset="0"/>
+              </a:endParaRPr>
+            </a:p>
+          </p:txBody>
+        </p:sp>
+        <p:pic>
+          <p:nvPicPr>
+            <p:cNvPr id="50" name="Picture 49">
+              <a:extLst>
+                <a:ext uri="{FF2B5EF4-FFF2-40B4-BE49-F238E27FC236}">
+                  <a16:creationId xmlns:a16="http://schemas.microsoft.com/office/drawing/2014/main" id="{0CCCCF76-5C90-47A1-8C75-7475CA54189D}"/>
+                </a:ext>
+              </a:extLst>
+            </p:cNvPr>
+            <p:cNvPicPr>
+              <a:picLocks noChangeAspect="1"/>
+            </p:cNvPicPr>
+            <p:nvPr/>
+          </p:nvPicPr>
+          <p:blipFill rotWithShape="1">
+            <a:blip r:embed="rId2">
+              <a:extLst>
+                <a:ext uri="{BEBA8EAE-BF5A-486C-A8C5-ECC9F3942E4B}">
+                  <a14:imgProps xmlns:a14="http://schemas.microsoft.com/office/drawing/2010/main">
+                    <a14:imgLayer r:embed="rId3">
+                      <a14:imgEffect>
+                        <a14:artisticPlasticWrap/>
+                      </a14:imgEffect>
+                      <a14:imgEffect>
+                        <a14:colorTemperature colorTemp="11200"/>
+                      </a14:imgEffect>
+                      <a14:imgEffect>
+                        <a14:saturation sat="400000"/>
+                      </a14:imgEffect>
+                      <a14:imgEffect>
+                        <a14:brightnessContrast contrast="40000"/>
+                      </a14:imgEffect>
+                    </a14:imgLayer>
+                  </a14:imgProps>
+                </a:ext>
+                <a:ext uri="{28A0092B-C50C-407E-A947-70E740481C1C}">
+                  <a14:useLocalDpi xmlns:a14="http://schemas.microsoft.com/office/drawing/2010/main" val="0"/>
+                </a:ext>
+              </a:extLst>
+            </a:blip>
+            <a:srcRect l="28919" t="14445" r="31742" b="43757"/>
+            <a:stretch/>
+          </p:blipFill>
+          <p:spPr>
+            <a:xfrm>
+              <a:off x="2369440" y="5564367"/>
+              <a:ext cx="443346" cy="471055"/>
+            </a:xfrm>
+            <a:prstGeom prst="rect">
+              <a:avLst/>
+            </a:prstGeom>
+          </p:spPr>
+        </p:pic>
+        <p:pic>
+          <p:nvPicPr>
+            <p:cNvPr id="52" name="Picture 51">
+              <a:extLst>
+                <a:ext uri="{FF2B5EF4-FFF2-40B4-BE49-F238E27FC236}">
+                  <a16:creationId xmlns:a16="http://schemas.microsoft.com/office/drawing/2014/main" id="{F2B5FB5D-037B-41BC-BA86-6999A408B580}"/>
+                </a:ext>
+              </a:extLst>
+            </p:cNvPr>
+            <p:cNvPicPr>
+              <a:picLocks noChangeAspect="1"/>
+            </p:cNvPicPr>
+            <p:nvPr/>
+          </p:nvPicPr>
+          <p:blipFill rotWithShape="1">
+            <a:blip r:embed="rId2">
+              <a:extLst>
+                <a:ext uri="{BEBA8EAE-BF5A-486C-A8C5-ECC9F3942E4B}">
+                  <a14:imgProps xmlns:a14="http://schemas.microsoft.com/office/drawing/2010/main">
+                    <a14:imgLayer r:embed="rId3">
+                      <a14:imgEffect>
+                        <a14:artisticPlasticWrap/>
+                      </a14:imgEffect>
+                      <a14:imgEffect>
+                        <a14:colorTemperature colorTemp="11200"/>
+                      </a14:imgEffect>
+                      <a14:imgEffect>
+                        <a14:saturation sat="400000"/>
+                      </a14:imgEffect>
+                      <a14:imgEffect>
+                        <a14:brightnessContrast contrast="40000"/>
+                      </a14:imgEffect>
+                    </a14:imgLayer>
+                  </a14:imgProps>
+                </a:ext>
+                <a:ext uri="{28A0092B-C50C-407E-A947-70E740481C1C}">
+                  <a14:useLocalDpi xmlns:a14="http://schemas.microsoft.com/office/drawing/2010/main" val="0"/>
+                </a:ext>
+              </a:extLst>
+            </a:blip>
+            <a:srcRect l="28919" t="14445" r="31742" b="43757"/>
+            <a:stretch/>
+          </p:blipFill>
+          <p:spPr>
+            <a:xfrm>
+              <a:off x="1899015" y="5567574"/>
+              <a:ext cx="443346" cy="471055"/>
+            </a:xfrm>
+            <a:prstGeom prst="rect">
+              <a:avLst/>
+            </a:prstGeom>
+          </p:spPr>
+        </p:pic>
+        <p:pic>
+          <p:nvPicPr>
+            <p:cNvPr id="53" name="Picture 52">
+              <a:extLst>
+                <a:ext uri="{FF2B5EF4-FFF2-40B4-BE49-F238E27FC236}">
+                  <a16:creationId xmlns:a16="http://schemas.microsoft.com/office/drawing/2014/main" id="{101E23BB-3C95-4690-8C34-E4DA615E31D7}"/>
+                </a:ext>
+              </a:extLst>
+            </p:cNvPr>
+            <p:cNvPicPr>
+              <a:picLocks noChangeAspect="1"/>
+            </p:cNvPicPr>
+            <p:nvPr/>
+          </p:nvPicPr>
+          <p:blipFill rotWithShape="1">
+            <a:blip r:embed="rId5">
+              <a:clrChange>
+                <a:clrFrom>
+                  <a:srgbClr val="000000"/>
+                </a:clrFrom>
+                <a:clrTo>
+                  <a:srgbClr val="000000">
+                    <a:alpha val="0"/>
+                  </a:srgbClr>
+                </a:clrTo>
+              </a:clrChange>
+              <a:extLst>
+                <a:ext uri="{BEBA8EAE-BF5A-486C-A8C5-ECC9F3942E4B}">
+                  <a14:imgProps xmlns:a14="http://schemas.microsoft.com/office/drawing/2010/main">
+                    <a14:imgLayer r:embed="rId6">
+                      <a14:imgEffect>
+                        <a14:brightnessContrast contrast="40000"/>
+                      </a14:imgEffect>
+                    </a14:imgLayer>
+                  </a14:imgProps>
+                </a:ext>
+                <a:ext uri="{28A0092B-C50C-407E-A947-70E740481C1C}">
+                  <a14:useLocalDpi xmlns:a14="http://schemas.microsoft.com/office/drawing/2010/main" val="0"/>
+                </a:ext>
+              </a:extLst>
+            </a:blip>
+            <a:srcRect l="17843" r="18158"/>
+            <a:stretch/>
+          </p:blipFill>
+          <p:spPr>
+            <a:xfrm>
+              <a:off x="809117" y="1760385"/>
+              <a:ext cx="650180" cy="1015906"/>
+            </a:xfrm>
+            <a:prstGeom prst="rect">
+              <a:avLst/>
+            </a:prstGeom>
+          </p:spPr>
+        </p:pic>
+        <p:pic>
+          <p:nvPicPr>
+            <p:cNvPr id="54" name="Picture 53">
+              <a:extLst>
+                <a:ext uri="{FF2B5EF4-FFF2-40B4-BE49-F238E27FC236}">
+                  <a16:creationId xmlns:a16="http://schemas.microsoft.com/office/drawing/2014/main" id="{8D548C32-ED60-4E90-82DA-9D5773D18249}"/>
+                </a:ext>
+              </a:extLst>
+            </p:cNvPr>
+            <p:cNvPicPr>
+              <a:picLocks noChangeAspect="1"/>
+            </p:cNvPicPr>
+            <p:nvPr/>
+          </p:nvPicPr>
+          <p:blipFill rotWithShape="1">
+            <a:blip r:embed="rId5">
+              <a:clrChange>
+                <a:clrFrom>
+                  <a:srgbClr val="000000"/>
+                </a:clrFrom>
+                <a:clrTo>
+                  <a:srgbClr val="000000">
+                    <a:alpha val="0"/>
+                  </a:srgbClr>
+                </a:clrTo>
+              </a:clrChange>
+              <a:extLst>
+                <a:ext uri="{BEBA8EAE-BF5A-486C-A8C5-ECC9F3942E4B}">
+                  <a14:imgProps xmlns:a14="http://schemas.microsoft.com/office/drawing/2010/main">
+                    <a14:imgLayer r:embed="rId6">
+                      <a14:imgEffect>
+                        <a14:brightnessContrast contrast="40000"/>
+                      </a14:imgEffect>
+                    </a14:imgLayer>
+                  </a14:imgProps>
+                </a:ext>
+                <a:ext uri="{28A0092B-C50C-407E-A947-70E740481C1C}">
+                  <a14:useLocalDpi xmlns:a14="http://schemas.microsoft.com/office/drawing/2010/main" val="0"/>
+                </a:ext>
+              </a:extLst>
+            </a:blip>
+            <a:srcRect l="17843" r="18158"/>
+            <a:stretch/>
+          </p:blipFill>
+          <p:spPr>
+            <a:xfrm>
+              <a:off x="809117" y="2897035"/>
+              <a:ext cx="650180" cy="1015906"/>
+            </a:xfrm>
+            <a:prstGeom prst="rect">
+              <a:avLst/>
+            </a:prstGeom>
+          </p:spPr>
+        </p:pic>
+        <p:pic>
+          <p:nvPicPr>
+            <p:cNvPr id="55" name="Picture 54">
+              <a:extLst>
+                <a:ext uri="{FF2B5EF4-FFF2-40B4-BE49-F238E27FC236}">
+                  <a16:creationId xmlns:a16="http://schemas.microsoft.com/office/drawing/2014/main" id="{3FCD69D3-EA1B-4017-BDF5-11FAC84B4EC7}"/>
+                </a:ext>
+              </a:extLst>
+            </p:cNvPr>
+            <p:cNvPicPr>
+              <a:picLocks noChangeAspect="1"/>
+            </p:cNvPicPr>
+            <p:nvPr/>
+          </p:nvPicPr>
+          <p:blipFill>
+            <a:blip r:embed="rId7">
+              <a:extLst>
+                <a:ext uri="{BEBA8EAE-BF5A-486C-A8C5-ECC9F3942E4B}">
+                  <a14:imgProps xmlns:a14="http://schemas.microsoft.com/office/drawing/2010/main">
+                    <a14:imgLayer r:embed="rId8">
+                      <a14:imgEffect>
+                        <a14:brightnessContrast contrast="40000"/>
+                      </a14:imgEffect>
+                    </a14:imgLayer>
+                  </a14:imgProps>
+                </a:ext>
+                <a:ext uri="{28A0092B-C50C-407E-A947-70E740481C1C}">
+                  <a14:useLocalDpi xmlns:a14="http://schemas.microsoft.com/office/drawing/2010/main" val="0"/>
+                </a:ext>
+              </a:extLst>
+            </a:blip>
+            <a:stretch>
+              <a:fillRect/>
+            </a:stretch>
+          </p:blipFill>
+          <p:spPr>
+            <a:xfrm>
+              <a:off x="430131" y="3926004"/>
+              <a:ext cx="1303647" cy="1303647"/>
+            </a:xfrm>
+            <a:prstGeom prst="rect">
+              <a:avLst/>
+            </a:prstGeom>
+          </p:spPr>
+        </p:pic>
+      </p:grpSp>
+    </p:spTree>
+    <p:extLst>
+      <p:ext uri="{BB962C8B-B14F-4D97-AF65-F5344CB8AC3E}">
+        <p14:creationId xmlns:p14="http://schemas.microsoft.com/office/powerpoint/2010/main" val="921342359"/>
+      </p:ext>
+    </p:extLst>
+  </p:cSld>
+  <p:clrMapOvr>
+    <a:masterClrMapping/>
+  </p:clrMapOvr>
+</p:sld>
+</file>
+
+<file path=ppt/slides/slide7.xml><?xml version="1.0" encoding="utf-8"?>
 <p:sld xmlns:a="http://schemas.openxmlformats.org/drawingml/2006/main" xmlns:r="http://schemas.openxmlformats.org/officeDocument/2006/relationships" xmlns:p="http://schemas.openxmlformats.org/presentationml/2006/main">
   <p:cSld>
     <p:spTree>
@@ -8053,10 +11840,10 @@
       </p:grpSp>
       <p:grpSp>
         <p:nvGrpSpPr>
-          <p:cNvPr id="52" name="Group 51">
+          <p:cNvPr id="4" name="Group 3">
             <a:extLst>
               <a:ext uri="{FF2B5EF4-FFF2-40B4-BE49-F238E27FC236}">
-                <a16:creationId xmlns:a16="http://schemas.microsoft.com/office/drawing/2014/main" id="{D7A43CB2-4C45-425E-8471-5D65A6866AA7}"/>
+                <a16:creationId xmlns:a16="http://schemas.microsoft.com/office/drawing/2014/main" id="{69E6144A-928E-401C-8BF8-0A7CE7031FB7}"/>
               </a:ext>
             </a:extLst>
           </p:cNvPr>
@@ -8067,16 +11854,16 @@
           <a:xfrm>
             <a:off x="4663885" y="302134"/>
             <a:ext cx="4132525" cy="5929179"/>
-            <a:chOff x="222820" y="302134"/>
+            <a:chOff x="4663885" y="302134"/>
             <a:chExt cx="4132525" cy="5929179"/>
           </a:xfrm>
         </p:grpSpPr>
         <p:grpSp>
           <p:nvGrpSpPr>
-            <p:cNvPr id="53" name="Group 52">
+            <p:cNvPr id="52" name="Group 51">
               <a:extLst>
                 <a:ext uri="{FF2B5EF4-FFF2-40B4-BE49-F238E27FC236}">
-                  <a16:creationId xmlns:a16="http://schemas.microsoft.com/office/drawing/2014/main" id="{5481BCAA-D6B1-455B-B769-434BA6F87844}"/>
+                  <a16:creationId xmlns:a16="http://schemas.microsoft.com/office/drawing/2014/main" id="{D7A43CB2-4C45-425E-8471-5D65A6866AA7}"/>
                 </a:ext>
               </a:extLst>
             </p:cNvPr>
@@ -8085,7 +11872,7 @@
           </p:nvGrpSpPr>
           <p:grpSpPr>
             <a:xfrm>
-              <a:off x="222820" y="302134"/>
+              <a:off x="4663885" y="302134"/>
               <a:ext cx="4132525" cy="5929179"/>
               <a:chOff x="222820" y="302134"/>
               <a:chExt cx="4132525" cy="5929179"/>
@@ -8093,10 +11880,10 @@
           </p:grpSpPr>
           <p:grpSp>
             <p:nvGrpSpPr>
-              <p:cNvPr id="55" name="Group 54">
+              <p:cNvPr id="53" name="Group 52">
                 <a:extLst>
                   <a:ext uri="{FF2B5EF4-FFF2-40B4-BE49-F238E27FC236}">
-                    <a16:creationId xmlns:a16="http://schemas.microsoft.com/office/drawing/2014/main" id="{6714BA15-719B-46D1-85F4-94290ECFE2CF}"/>
+                    <a16:creationId xmlns:a16="http://schemas.microsoft.com/office/drawing/2014/main" id="{5481BCAA-D6B1-455B-B769-434BA6F87844}"/>
                   </a:ext>
                 </a:extLst>
               </p:cNvPr>
@@ -8107,150 +11894,224 @@
               <a:xfrm>
                 <a:off x="222820" y="302134"/>
                 <a:ext cx="4132525" cy="5929179"/>
-                <a:chOff x="219821" y="302135"/>
+                <a:chOff x="222820" y="302134"/>
                 <a:chExt cx="4132525" cy="5929179"/>
               </a:xfrm>
             </p:grpSpPr>
-            <p:sp>
-              <p:nvSpPr>
-                <p:cNvPr id="58" name="Rectangle 57">
+            <p:grpSp>
+              <p:nvGrpSpPr>
+                <p:cNvPr id="55" name="Group 54">
                   <a:extLst>
                     <a:ext uri="{FF2B5EF4-FFF2-40B4-BE49-F238E27FC236}">
-                      <a16:creationId xmlns:a16="http://schemas.microsoft.com/office/drawing/2014/main" id="{9E6C22E6-4F7B-4D8D-8B4F-68C6F9F0C3E8}"/>
+                      <a16:creationId xmlns:a16="http://schemas.microsoft.com/office/drawing/2014/main" id="{6714BA15-719B-46D1-85F4-94290ECFE2CF}"/>
                     </a:ext>
                   </a:extLst>
                 </p:cNvPr>
-                <p:cNvSpPr/>
+                <p:cNvGrpSpPr/>
                 <p:nvPr/>
-              </p:nvSpPr>
-              <p:spPr>
+              </p:nvGrpSpPr>
+              <p:grpSpPr>
                 <a:xfrm>
-                  <a:off x="219821" y="302135"/>
+                  <a:off x="222820" y="302134"/>
                   <a:ext cx="4132525" cy="5929179"/>
+                  <a:chOff x="219821" y="302135"/>
+                  <a:chExt cx="4132525" cy="5929179"/>
                 </a:xfrm>
-                <a:prstGeom prst="rect">
-                  <a:avLst/>
-                </a:prstGeom>
-                <a:solidFill>
-                  <a:schemeClr val="bg1">
-                    <a:lumMod val="95000"/>
-                  </a:schemeClr>
-                </a:solidFill>
-                <a:ln w="177800">
+              </p:grpSpPr>
+              <p:sp>
+                <p:nvSpPr>
+                  <p:cNvPr id="58" name="Rectangle 57">
+                    <a:extLst>
+                      <a:ext uri="{FF2B5EF4-FFF2-40B4-BE49-F238E27FC236}">
+                        <a16:creationId xmlns:a16="http://schemas.microsoft.com/office/drawing/2014/main" id="{9E6C22E6-4F7B-4D8D-8B4F-68C6F9F0C3E8}"/>
+                      </a:ext>
+                    </a:extLst>
+                  </p:cNvPr>
+                  <p:cNvSpPr/>
+                  <p:nvPr/>
+                </p:nvSpPr>
+                <p:spPr>
+                  <a:xfrm>
+                    <a:off x="219821" y="302135"/>
+                    <a:ext cx="4132525" cy="5929179"/>
+                  </a:xfrm>
+                  <a:prstGeom prst="rect">
+                    <a:avLst/>
+                  </a:prstGeom>
                   <a:solidFill>
-                    <a:schemeClr val="tx1"/>
+                    <a:schemeClr val="bg1">
+                      <a:lumMod val="95000"/>
+                    </a:schemeClr>
                   </a:solidFill>
-                </a:ln>
-                <a:effectLst>
-                  <a:softEdge rad="127000"/>
-                </a:effectLst>
-              </p:spPr>
-              <p:style>
-                <a:lnRef idx="2">
-                  <a:schemeClr val="accent1">
-                    <a:shade val="50000"/>
-                  </a:schemeClr>
-                </a:lnRef>
-                <a:fillRef idx="1">
-                  <a:schemeClr val="accent1"/>
-                </a:fillRef>
-                <a:effectRef idx="0">
-                  <a:schemeClr val="accent1"/>
-                </a:effectRef>
-                <a:fontRef idx="minor">
-                  <a:schemeClr val="lt1"/>
-                </a:fontRef>
-              </p:style>
-              <p:txBody>
-                <a:bodyPr rtlCol="0" anchor="t"/>
-                <a:lstStyle/>
-                <a:p>
-                  <a:pPr algn="ctr">
-                    <a:lnSpc>
-                      <a:spcPct val="200000"/>
-                    </a:lnSpc>
-                  </a:pPr>
-                  <a:r>
-                    <a:rPr lang="en-US" sz="4000" b="1" dirty="0">
+                  <a:ln w="177800">
+                    <a:solidFill>
+                      <a:schemeClr val="tx1"/>
+                    </a:solidFill>
+                  </a:ln>
+                  <a:effectLst>
+                    <a:softEdge rad="127000"/>
+                  </a:effectLst>
+                </p:spPr>
+                <p:style>
+                  <a:lnRef idx="2">
+                    <a:schemeClr val="accent1">
+                      <a:shade val="50000"/>
+                    </a:schemeClr>
+                  </a:lnRef>
+                  <a:fillRef idx="1">
+                    <a:schemeClr val="accent1"/>
+                  </a:fillRef>
+                  <a:effectRef idx="0">
+                    <a:schemeClr val="accent1"/>
+                  </a:effectRef>
+                  <a:fontRef idx="minor">
+                    <a:schemeClr val="lt1"/>
+                  </a:fontRef>
+                </p:style>
+                <p:txBody>
+                  <a:bodyPr rtlCol="0" anchor="t"/>
+                  <a:lstStyle/>
+                  <a:p>
+                    <a:pPr algn="ctr">
+                      <a:lnSpc>
+                        <a:spcPct val="200000"/>
+                      </a:lnSpc>
+                    </a:pPr>
+                    <a:r>
+                      <a:rPr lang="en-US" sz="4000" b="1" dirty="0">
+                        <a:solidFill>
+                          <a:schemeClr val="tx1"/>
+                        </a:solidFill>
+                        <a:latin typeface="Algerian" panose="04020705040A02060702" pitchFamily="82" charset="0"/>
+                      </a:rPr>
+                      <a:t>quinoa salad:</a:t>
+                    </a:r>
+                    <a:endParaRPr lang="en-US" sz="4000" dirty="0">
                       <a:solidFill>
                         <a:schemeClr val="tx1"/>
                       </a:solidFill>
                       <a:latin typeface="Algerian" panose="04020705040A02060702" pitchFamily="82" charset="0"/>
-                    </a:rPr>
-                    <a:t>quinoa salad:</a:t>
-                  </a:r>
-                  <a:endParaRPr lang="en-US" sz="4000" dirty="0">
-                    <a:solidFill>
-                      <a:schemeClr val="tx1"/>
-                    </a:solidFill>
-                    <a:latin typeface="Algerian" panose="04020705040A02060702" pitchFamily="82" charset="0"/>
-                  </a:endParaRPr>
-                </a:p>
-                <a:p>
-                  <a:pPr algn="ctr">
-                    <a:lnSpc>
-                      <a:spcPct val="200000"/>
-                    </a:lnSpc>
-                    <a:buSzPct val="150000"/>
-                  </a:pPr>
-                  <a:r>
-                    <a:rPr lang="en-US" sz="4000" dirty="0">
+                    </a:endParaRPr>
+                  </a:p>
+                  <a:p>
+                    <a:pPr algn="ctr">
+                      <a:lnSpc>
+                        <a:spcPct val="200000"/>
+                      </a:lnSpc>
+                      <a:buSzPct val="150000"/>
+                    </a:pPr>
+                    <a:r>
+                      <a:rPr lang="en-US" sz="4000" dirty="0">
+                        <a:solidFill>
+                          <a:schemeClr val="tx1"/>
+                        </a:solidFill>
+                        <a:latin typeface="Algerian" panose="04020705040A02060702" pitchFamily="82" charset="0"/>
+                      </a:rPr>
+                      <a:t>          fruit/veg</a:t>
+                    </a:r>
+                  </a:p>
+                  <a:p>
+                    <a:pPr algn="ctr">
+                      <a:lnSpc>
+                        <a:spcPct val="200000"/>
+                      </a:lnSpc>
+                      <a:buSzPct val="150000"/>
+                    </a:pPr>
+                    <a:r>
+                      <a:rPr lang="en-US" sz="4000" dirty="0">
+                        <a:solidFill>
+                          <a:schemeClr val="tx1"/>
+                        </a:solidFill>
+                        <a:latin typeface="Algerian" panose="04020705040A02060702" pitchFamily="82" charset="0"/>
+                      </a:rPr>
+                      <a:t>          fruit/veg</a:t>
+                    </a:r>
+                  </a:p>
+                  <a:p>
+                    <a:pPr algn="ctr">
+                      <a:lnSpc>
+                        <a:spcPct val="200000"/>
+                      </a:lnSpc>
+                      <a:buSzPct val="150000"/>
+                    </a:pPr>
+                    <a:r>
+                      <a:rPr lang="en-US" sz="4000" dirty="0">
+                        <a:solidFill>
+                          <a:schemeClr val="tx1"/>
+                        </a:solidFill>
+                        <a:latin typeface="Algerian" panose="04020705040A02060702" pitchFamily="82" charset="0"/>
+                      </a:rPr>
+                      <a:t>  grain</a:t>
+                    </a:r>
+                    <a:endParaRPr lang="en-US" sz="4800" dirty="0">
                       <a:solidFill>
                         <a:schemeClr val="tx1"/>
                       </a:solidFill>
                       <a:latin typeface="Algerian" panose="04020705040A02060702" pitchFamily="82" charset="0"/>
-                    </a:rPr>
-                    <a:t>          fruit/veg</a:t>
-                  </a:r>
-                </a:p>
-                <a:p>
-                  <a:pPr algn="ctr">
-                    <a:lnSpc>
-                      <a:spcPct val="200000"/>
-                    </a:lnSpc>
-                    <a:buSzPct val="150000"/>
-                  </a:pPr>
-                  <a:r>
-                    <a:rPr lang="en-US" sz="4000" dirty="0">
-                      <a:solidFill>
-                        <a:schemeClr val="tx1"/>
-                      </a:solidFill>
-                      <a:latin typeface="Algerian" panose="04020705040A02060702" pitchFamily="82" charset="0"/>
-                    </a:rPr>
-                    <a:t>          fruit/veg</a:t>
-                  </a:r>
-                </a:p>
-                <a:p>
-                  <a:pPr algn="ctr">
-                    <a:lnSpc>
-                      <a:spcPct val="200000"/>
-                    </a:lnSpc>
-                    <a:buSzPct val="150000"/>
-                  </a:pPr>
-                  <a:r>
-                    <a:rPr lang="en-US" sz="4000" dirty="0">
-                      <a:solidFill>
-                        <a:schemeClr val="tx1"/>
-                      </a:solidFill>
-                      <a:latin typeface="Algerian" panose="04020705040A02060702" pitchFamily="82" charset="0"/>
-                    </a:rPr>
-                    <a:t>  grain</a:t>
-                  </a:r>
-                  <a:endParaRPr lang="en-US" sz="4800" dirty="0">
-                    <a:solidFill>
-                      <a:schemeClr val="tx1"/>
-                    </a:solidFill>
-                    <a:latin typeface="Algerian" panose="04020705040A02060702" pitchFamily="82" charset="0"/>
-                  </a:endParaRPr>
-                </a:p>
-              </p:txBody>
-            </p:sp>
+                    </a:endParaRPr>
+                  </a:p>
+                </p:txBody>
+              </p:sp>
+              <p:pic>
+                <p:nvPicPr>
+                  <p:cNvPr id="60" name="Picture 59">
+                    <a:extLst>
+                      <a:ext uri="{FF2B5EF4-FFF2-40B4-BE49-F238E27FC236}">
+                        <a16:creationId xmlns:a16="http://schemas.microsoft.com/office/drawing/2014/main" id="{A722D021-97D7-4D38-B8CF-3B31F999ACF7}"/>
+                      </a:ext>
+                    </a:extLst>
+                  </p:cNvPr>
+                  <p:cNvPicPr>
+                    <a:picLocks noChangeAspect="1"/>
+                  </p:cNvPicPr>
+                  <p:nvPr/>
+                </p:nvPicPr>
+                <p:blipFill rotWithShape="1">
+                  <a:blip r:embed="rId2">
+                    <a:extLst>
+                      <a:ext uri="{BEBA8EAE-BF5A-486C-A8C5-ECC9F3942E4B}">
+                        <a14:imgProps xmlns:a14="http://schemas.microsoft.com/office/drawing/2010/main">
+                          <a14:imgLayer r:embed="rId3">
+                            <a14:imgEffect>
+                              <a14:artisticPlasticWrap/>
+                            </a14:imgEffect>
+                            <a14:imgEffect>
+                              <a14:colorTemperature colorTemp="11200"/>
+                            </a14:imgEffect>
+                            <a14:imgEffect>
+                              <a14:saturation sat="400000"/>
+                            </a14:imgEffect>
+                            <a14:imgEffect>
+                              <a14:brightnessContrast contrast="40000"/>
+                            </a14:imgEffect>
+                          </a14:imgLayer>
+                        </a14:imgProps>
+                      </a:ext>
+                      <a:ext uri="{28A0092B-C50C-407E-A947-70E740481C1C}">
+                        <a14:useLocalDpi xmlns:a14="http://schemas.microsoft.com/office/drawing/2010/main" val="0"/>
+                      </a:ext>
+                    </a:extLst>
+                  </a:blip>
+                  <a:srcRect l="28919" t="14445" r="31742" b="43757"/>
+                  <a:stretch/>
+                </p:blipFill>
+                <p:spPr>
+                  <a:xfrm>
+                    <a:off x="2296613" y="5577430"/>
+                    <a:ext cx="443346" cy="471055"/>
+                  </a:xfrm>
+                  <a:prstGeom prst="rect">
+                    <a:avLst/>
+                  </a:prstGeom>
+                </p:spPr>
+              </p:pic>
+            </p:grpSp>
             <p:pic>
               <p:nvPicPr>
-                <p:cNvPr id="60" name="Picture 59">
+                <p:cNvPr id="56" name="Picture 55">
                   <a:extLst>
                     <a:ext uri="{FF2B5EF4-FFF2-40B4-BE49-F238E27FC236}">
-                      <a16:creationId xmlns:a16="http://schemas.microsoft.com/office/drawing/2014/main" id="{A722D021-97D7-4D38-B8CF-3B31F999ACF7}"/>
+                      <a16:creationId xmlns:a16="http://schemas.microsoft.com/office/drawing/2014/main" id="{BF01AEBD-C803-4014-8DF8-59451E8DAB0F}"/>
                     </a:ext>
                   </a:extLst>
                 </p:cNvPr>
@@ -8259,39 +12120,78 @@
                 </p:cNvPicPr>
                 <p:nvPr/>
               </p:nvPicPr>
-              <p:blipFill rotWithShape="1">
-                <a:blip r:embed="rId2">
+              <p:blipFill>
+                <a:blip r:embed="rId4">
+                  <a:clrChange>
+                    <a:clrFrom>
+                      <a:srgbClr val="FFFFFF"/>
+                    </a:clrFrom>
+                    <a:clrTo>
+                      <a:srgbClr val="FFFFFF">
+                        <a:alpha val="0"/>
+                      </a:srgbClr>
+                    </a:clrTo>
+                  </a:clrChange>
                   <a:extLst>
-                    <a:ext uri="{BEBA8EAE-BF5A-486C-A8C5-ECC9F3942E4B}">
-                      <a14:imgProps xmlns:a14="http://schemas.microsoft.com/office/drawing/2010/main">
-                        <a14:imgLayer r:embed="rId3">
-                          <a14:imgEffect>
-                            <a14:artisticPlasticWrap/>
-                          </a14:imgEffect>
-                          <a14:imgEffect>
-                            <a14:colorTemperature colorTemp="11200"/>
-                          </a14:imgEffect>
-                          <a14:imgEffect>
-                            <a14:saturation sat="400000"/>
-                          </a14:imgEffect>
-                          <a14:imgEffect>
-                            <a14:brightnessContrast contrast="40000"/>
-                          </a14:imgEffect>
-                        </a14:imgLayer>
-                      </a14:imgProps>
-                    </a:ext>
                     <a:ext uri="{28A0092B-C50C-407E-A947-70E740481C1C}">
                       <a14:useLocalDpi xmlns:a14="http://schemas.microsoft.com/office/drawing/2010/main" val="0"/>
                     </a:ext>
                   </a:extLst>
                 </a:blip>
-                <a:srcRect l="28919" t="14445" r="31742" b="43757"/>
-                <a:stretch/>
+                <a:stretch>
+                  <a:fillRect/>
+                </a:stretch>
               </p:blipFill>
               <p:spPr>
                 <a:xfrm>
-                  <a:off x="2296613" y="5577430"/>
-                  <a:ext cx="443346" cy="471055"/>
+                  <a:off x="531360" y="1726820"/>
+                  <a:ext cx="892225" cy="1023934"/>
+                </a:xfrm>
+                <a:prstGeom prst="rect">
+                  <a:avLst/>
+                </a:prstGeom>
+              </p:spPr>
+            </p:pic>
+            <p:pic>
+              <p:nvPicPr>
+                <p:cNvPr id="57" name="Picture 56">
+                  <a:extLst>
+                    <a:ext uri="{FF2B5EF4-FFF2-40B4-BE49-F238E27FC236}">
+                      <a16:creationId xmlns:a16="http://schemas.microsoft.com/office/drawing/2014/main" id="{71D60C8C-336D-4F8B-97BC-BDE76A68EBEF}"/>
+                    </a:ext>
+                  </a:extLst>
+                </p:cNvPr>
+                <p:cNvPicPr>
+                  <a:picLocks noChangeAspect="1"/>
+                </p:cNvPicPr>
+                <p:nvPr/>
+              </p:nvPicPr>
+              <p:blipFill>
+                <a:blip r:embed="rId5">
+                  <a:clrChange>
+                    <a:clrFrom>
+                      <a:srgbClr val="FFFFFF"/>
+                    </a:clrFrom>
+                    <a:clrTo>
+                      <a:srgbClr val="FFFFFF">
+                        <a:alpha val="0"/>
+                      </a:srgbClr>
+                    </a:clrTo>
+                  </a:clrChange>
+                  <a:extLst>
+                    <a:ext uri="{28A0092B-C50C-407E-A947-70E740481C1C}">
+                      <a14:useLocalDpi xmlns:a14="http://schemas.microsoft.com/office/drawing/2010/main" val="0"/>
+                    </a:ext>
+                  </a:extLst>
+                </a:blip>
+                <a:stretch>
+                  <a:fillRect/>
+                </a:stretch>
+              </p:blipFill>
+              <p:spPr>
+                <a:xfrm>
+                  <a:off x="531360" y="4241778"/>
+                  <a:ext cx="1023934" cy="1023934"/>
                 </a:xfrm>
                 <a:prstGeom prst="rect">
                   <a:avLst/>
@@ -8301,10 +12201,10 @@
           </p:grpSp>
           <p:pic>
             <p:nvPicPr>
-              <p:cNvPr id="56" name="Picture 55">
+              <p:cNvPr id="54" name="Picture 53">
                 <a:extLst>
                   <a:ext uri="{FF2B5EF4-FFF2-40B4-BE49-F238E27FC236}">
-                    <a16:creationId xmlns:a16="http://schemas.microsoft.com/office/drawing/2014/main" id="{BF01AEBD-C803-4014-8DF8-59451E8DAB0F}"/>
+                    <a16:creationId xmlns:a16="http://schemas.microsoft.com/office/drawing/2014/main" id="{5D5C8A67-EE64-4C22-87CB-09FA48BCFCB6}"/>
                   </a:ext>
                 </a:extLst>
               </p:cNvPr>
@@ -8337,54 +12237,8 @@
             </p:blipFill>
             <p:spPr>
               <a:xfrm>
-                <a:off x="531360" y="1726820"/>
+                <a:off x="531360" y="2984299"/>
                 <a:ext cx="892225" cy="1023934"/>
-              </a:xfrm>
-              <a:prstGeom prst="rect">
-                <a:avLst/>
-              </a:prstGeom>
-            </p:spPr>
-          </p:pic>
-          <p:pic>
-            <p:nvPicPr>
-              <p:cNvPr id="57" name="Picture 56">
-                <a:extLst>
-                  <a:ext uri="{FF2B5EF4-FFF2-40B4-BE49-F238E27FC236}">
-                    <a16:creationId xmlns:a16="http://schemas.microsoft.com/office/drawing/2014/main" id="{71D60C8C-336D-4F8B-97BC-BDE76A68EBEF}"/>
-                  </a:ext>
-                </a:extLst>
-              </p:cNvPr>
-              <p:cNvPicPr>
-                <a:picLocks noChangeAspect="1"/>
-              </p:cNvPicPr>
-              <p:nvPr/>
-            </p:nvPicPr>
-            <p:blipFill>
-              <a:blip r:embed="rId5">
-                <a:clrChange>
-                  <a:clrFrom>
-                    <a:srgbClr val="FFFFFF"/>
-                  </a:clrFrom>
-                  <a:clrTo>
-                    <a:srgbClr val="FFFFFF">
-                      <a:alpha val="0"/>
-                    </a:srgbClr>
-                  </a:clrTo>
-                </a:clrChange>
-                <a:extLst>
-                  <a:ext uri="{28A0092B-C50C-407E-A947-70E740481C1C}">
-                    <a14:useLocalDpi xmlns:a14="http://schemas.microsoft.com/office/drawing/2010/main" val="0"/>
-                  </a:ext>
-                </a:extLst>
-              </a:blip>
-              <a:stretch>
-                <a:fillRect/>
-              </a:stretch>
-            </p:blipFill>
-            <p:spPr>
-              <a:xfrm>
-                <a:off x="531360" y="4241778"/>
-                <a:ext cx="1023934" cy="1023934"/>
               </a:xfrm>
               <a:prstGeom prst="rect">
                 <a:avLst/>
@@ -8394,10 +12248,10 @@
         </p:grpSp>
         <p:pic>
           <p:nvPicPr>
-            <p:cNvPr id="54" name="Picture 53">
+            <p:cNvPr id="62" name="Picture 61">
               <a:extLst>
                 <a:ext uri="{FF2B5EF4-FFF2-40B4-BE49-F238E27FC236}">
-                  <a16:creationId xmlns:a16="http://schemas.microsoft.com/office/drawing/2014/main" id="{5D5C8A67-EE64-4C22-87CB-09FA48BCFCB6}"/>
+                  <a16:creationId xmlns:a16="http://schemas.microsoft.com/office/drawing/2014/main" id="{7D2D8BC2-7C87-4F15-B729-80E3E5AA8AFB}"/>
                 </a:ext>
               </a:extLst>
             </p:cNvPr>
@@ -8406,32 +12260,39 @@
             </p:cNvPicPr>
             <p:nvPr/>
           </p:nvPicPr>
-          <p:blipFill>
-            <a:blip r:embed="rId4">
-              <a:clrChange>
-                <a:clrFrom>
-                  <a:srgbClr val="FFFFFF"/>
-                </a:clrFrom>
-                <a:clrTo>
-                  <a:srgbClr val="FFFFFF">
-                    <a:alpha val="0"/>
-                  </a:srgbClr>
-                </a:clrTo>
-              </a:clrChange>
-              <a:extLst>
+          <p:blipFill rotWithShape="1">
+            <a:blip r:embed="rId2">
+              <a:extLst>
+                <a:ext uri="{BEBA8EAE-BF5A-486C-A8C5-ECC9F3942E4B}">
+                  <a14:imgProps xmlns:a14="http://schemas.microsoft.com/office/drawing/2010/main">
+                    <a14:imgLayer r:embed="rId3">
+                      <a14:imgEffect>
+                        <a14:artisticPlasticWrap/>
+                      </a14:imgEffect>
+                      <a14:imgEffect>
+                        <a14:colorTemperature colorTemp="11200"/>
+                      </a14:imgEffect>
+                      <a14:imgEffect>
+                        <a14:saturation sat="400000"/>
+                      </a14:imgEffect>
+                      <a14:imgEffect>
+                        <a14:brightnessContrast contrast="40000"/>
+                      </a14:imgEffect>
+                    </a14:imgLayer>
+                  </a14:imgProps>
+                </a:ext>
                 <a:ext uri="{28A0092B-C50C-407E-A947-70E740481C1C}">
                   <a14:useLocalDpi xmlns:a14="http://schemas.microsoft.com/office/drawing/2010/main" val="0"/>
                 </a:ext>
               </a:extLst>
             </a:blip>
-            <a:stretch>
-              <a:fillRect/>
-            </a:stretch>
+            <a:srcRect l="28919" t="14445" r="31742" b="43757"/>
+            <a:stretch/>
           </p:blipFill>
           <p:spPr>
             <a:xfrm>
-              <a:off x="531360" y="2984299"/>
-              <a:ext cx="892225" cy="1023934"/>
+              <a:off x="6286801" y="5572733"/>
+              <a:ext cx="443346" cy="471055"/>
             </a:xfrm>
             <a:prstGeom prst="rect">
               <a:avLst/>
@@ -8439,59 +12300,6 @@
           </p:spPr>
         </p:pic>
       </p:grpSp>
-      <p:pic>
-        <p:nvPicPr>
-          <p:cNvPr id="62" name="Picture 61">
-            <a:extLst>
-              <a:ext uri="{FF2B5EF4-FFF2-40B4-BE49-F238E27FC236}">
-                <a16:creationId xmlns:a16="http://schemas.microsoft.com/office/drawing/2014/main" id="{7D2D8BC2-7C87-4F15-B729-80E3E5AA8AFB}"/>
-              </a:ext>
-            </a:extLst>
-          </p:cNvPr>
-          <p:cNvPicPr>
-            <a:picLocks noChangeAspect="1"/>
-          </p:cNvPicPr>
-          <p:nvPr/>
-        </p:nvPicPr>
-        <p:blipFill rotWithShape="1">
-          <a:blip r:embed="rId2">
-            <a:extLst>
-              <a:ext uri="{BEBA8EAE-BF5A-486C-A8C5-ECC9F3942E4B}">
-                <a14:imgProps xmlns:a14="http://schemas.microsoft.com/office/drawing/2010/main">
-                  <a14:imgLayer r:embed="rId3">
-                    <a14:imgEffect>
-                      <a14:artisticPlasticWrap/>
-                    </a14:imgEffect>
-                    <a14:imgEffect>
-                      <a14:colorTemperature colorTemp="11200"/>
-                    </a14:imgEffect>
-                    <a14:imgEffect>
-                      <a14:saturation sat="400000"/>
-                    </a14:imgEffect>
-                    <a14:imgEffect>
-                      <a14:brightnessContrast contrast="40000"/>
-                    </a14:imgEffect>
-                  </a14:imgLayer>
-                </a14:imgProps>
-              </a:ext>
-              <a:ext uri="{28A0092B-C50C-407E-A947-70E740481C1C}">
-                <a14:useLocalDpi xmlns:a14="http://schemas.microsoft.com/office/drawing/2010/main" val="0"/>
-              </a:ext>
-            </a:extLst>
-          </a:blip>
-          <a:srcRect l="28919" t="14445" r="31742" b="43757"/>
-          <a:stretch/>
-        </p:blipFill>
-        <p:spPr>
-          <a:xfrm>
-            <a:off x="6286801" y="5572733"/>
-            <a:ext cx="443346" cy="471055"/>
-          </a:xfrm>
-          <a:prstGeom prst="rect">
-            <a:avLst/>
-          </a:prstGeom>
-        </p:spPr>
-      </p:pic>
     </p:spTree>
     <p:extLst>
       <p:ext uri="{BB962C8B-B14F-4D97-AF65-F5344CB8AC3E}">
@@ -8505,878 +12313,7 @@
 </p:sld>
 </file>
 
-<file path=ppt/slides/slide6.xml><?xml version="1.0" encoding="utf-8"?>
-<p:sld xmlns:a="http://schemas.openxmlformats.org/drawingml/2006/main" xmlns:r="http://schemas.openxmlformats.org/officeDocument/2006/relationships" xmlns:p="http://schemas.openxmlformats.org/presentationml/2006/main">
-  <p:cSld>
-    <p:spTree>
-      <p:nvGrpSpPr>
-        <p:cNvPr id="1" name=""/>
-        <p:cNvGrpSpPr/>
-        <p:nvPr/>
-      </p:nvGrpSpPr>
-      <p:grpSpPr>
-        <a:xfrm>
-          <a:off x="0" y="0"/>
-          <a:ext cx="0" cy="0"/>
-          <a:chOff x="0" y="0"/>
-          <a:chExt cx="0" cy="0"/>
-        </a:xfrm>
-      </p:grpSpPr>
-      <p:grpSp>
-        <p:nvGrpSpPr>
-          <p:cNvPr id="4" name="Group 3">
-            <a:extLst>
-              <a:ext uri="{FF2B5EF4-FFF2-40B4-BE49-F238E27FC236}">
-                <a16:creationId xmlns:a16="http://schemas.microsoft.com/office/drawing/2014/main" id="{81BB520A-D488-478B-AD91-950E3F016A48}"/>
-              </a:ext>
-            </a:extLst>
-          </p:cNvPr>
-          <p:cNvGrpSpPr/>
-          <p:nvPr/>
-        </p:nvGrpSpPr>
-        <p:grpSpPr>
-          <a:xfrm>
-            <a:off x="219821" y="302135"/>
-            <a:ext cx="4132525" cy="5929179"/>
-            <a:chOff x="219821" y="302135"/>
-            <a:chExt cx="4132525" cy="5929179"/>
-          </a:xfrm>
-        </p:grpSpPr>
-        <p:grpSp>
-          <p:nvGrpSpPr>
-            <p:cNvPr id="2" name="Group 1">
-              <a:extLst>
-                <a:ext uri="{FF2B5EF4-FFF2-40B4-BE49-F238E27FC236}">
-                  <a16:creationId xmlns:a16="http://schemas.microsoft.com/office/drawing/2014/main" id="{D29A4326-F822-49EC-8D7F-47B44A36FE49}"/>
-                </a:ext>
-              </a:extLst>
-            </p:cNvPr>
-            <p:cNvGrpSpPr/>
-            <p:nvPr/>
-          </p:nvGrpSpPr>
-          <p:grpSpPr>
-            <a:xfrm>
-              <a:off x="219821" y="302135"/>
-              <a:ext cx="4132525" cy="5929179"/>
-              <a:chOff x="219821" y="302135"/>
-              <a:chExt cx="4132525" cy="5929179"/>
-            </a:xfrm>
-          </p:grpSpPr>
-          <p:sp>
-            <p:nvSpPr>
-              <p:cNvPr id="10" name="Rectangle 9">
-                <a:extLst>
-                  <a:ext uri="{FF2B5EF4-FFF2-40B4-BE49-F238E27FC236}">
-                    <a16:creationId xmlns:a16="http://schemas.microsoft.com/office/drawing/2014/main" id="{E4AD598C-FFFC-498B-B5A0-671EB1704D14}"/>
-                  </a:ext>
-                </a:extLst>
-              </p:cNvPr>
-              <p:cNvSpPr/>
-              <p:nvPr/>
-            </p:nvSpPr>
-            <p:spPr>
-              <a:xfrm>
-                <a:off x="219821" y="302135"/>
-                <a:ext cx="4132525" cy="5929179"/>
-              </a:xfrm>
-              <a:prstGeom prst="rect">
-                <a:avLst/>
-              </a:prstGeom>
-              <a:solidFill>
-                <a:schemeClr val="bg1">
-                  <a:lumMod val="95000"/>
-                </a:schemeClr>
-              </a:solidFill>
-              <a:ln w="177800">
-                <a:solidFill>
-                  <a:schemeClr val="tx1"/>
-                </a:solidFill>
-              </a:ln>
-              <a:effectLst>
-                <a:softEdge rad="127000"/>
-              </a:effectLst>
-            </p:spPr>
-            <p:style>
-              <a:lnRef idx="2">
-                <a:schemeClr val="accent1">
-                  <a:shade val="50000"/>
-                </a:schemeClr>
-              </a:lnRef>
-              <a:fillRef idx="1">
-                <a:schemeClr val="accent1"/>
-              </a:fillRef>
-              <a:effectRef idx="0">
-                <a:schemeClr val="accent1"/>
-              </a:effectRef>
-              <a:fontRef idx="minor">
-                <a:schemeClr val="lt1"/>
-              </a:fontRef>
-            </p:style>
-            <p:txBody>
-              <a:bodyPr rtlCol="0" anchor="t"/>
-              <a:lstStyle/>
-              <a:p>
-                <a:pPr algn="ctr">
-                  <a:lnSpc>
-                    <a:spcPct val="200000"/>
-                  </a:lnSpc>
-                </a:pPr>
-                <a:r>
-                  <a:rPr lang="en-US" sz="4000" b="1" dirty="0">
-                    <a:solidFill>
-                      <a:schemeClr val="tx1"/>
-                    </a:solidFill>
-                    <a:latin typeface="Algerian" panose="04020705040A02060702" pitchFamily="82" charset="0"/>
-                  </a:rPr>
-                  <a:t>Chicken soup:</a:t>
-                </a:r>
-                <a:endParaRPr lang="en-US" sz="4000" dirty="0">
-                  <a:solidFill>
-                    <a:schemeClr val="tx1"/>
-                  </a:solidFill>
-                  <a:latin typeface="Algerian" panose="04020705040A02060702" pitchFamily="82" charset="0"/>
-                </a:endParaRPr>
-              </a:p>
-              <a:p>
-                <a:pPr algn="ctr">
-                  <a:lnSpc>
-                    <a:spcPct val="200000"/>
-                  </a:lnSpc>
-                  <a:buSzPct val="150000"/>
-                </a:pPr>
-                <a:r>
-                  <a:rPr lang="en-US" sz="4000" dirty="0">
-                    <a:solidFill>
-                      <a:schemeClr val="tx1"/>
-                    </a:solidFill>
-                    <a:latin typeface="Algerian" panose="04020705040A02060702" pitchFamily="82" charset="0"/>
-                  </a:rPr>
-                  <a:t> meat</a:t>
-                </a:r>
-              </a:p>
-              <a:p>
-                <a:pPr algn="ctr">
-                  <a:lnSpc>
-                    <a:spcPct val="200000"/>
-                  </a:lnSpc>
-                  <a:buSzPct val="150000"/>
-                </a:pPr>
-                <a:r>
-                  <a:rPr lang="en-US" sz="4000" dirty="0">
-                    <a:solidFill>
-                      <a:schemeClr val="tx1"/>
-                    </a:solidFill>
-                    <a:latin typeface="Algerian" panose="04020705040A02060702" pitchFamily="82" charset="0"/>
-                  </a:rPr>
-                  <a:t> meat</a:t>
-                </a:r>
-              </a:p>
-              <a:p>
-                <a:pPr algn="ctr">
-                  <a:lnSpc>
-                    <a:spcPct val="200000"/>
-                  </a:lnSpc>
-                  <a:buSzPct val="150000"/>
-                </a:pPr>
-                <a:r>
-                  <a:rPr lang="en-US" sz="4000" dirty="0">
-                    <a:solidFill>
-                      <a:schemeClr val="tx1"/>
-                    </a:solidFill>
-                    <a:latin typeface="Algerian" panose="04020705040A02060702" pitchFamily="82" charset="0"/>
-                  </a:rPr>
-                  <a:t>          fruit/veg</a:t>
-                </a:r>
-                <a:endParaRPr lang="en-US" sz="4800" dirty="0">
-                  <a:solidFill>
-                    <a:schemeClr val="tx1"/>
-                  </a:solidFill>
-                  <a:latin typeface="Algerian" panose="04020705040A02060702" pitchFamily="82" charset="0"/>
-                </a:endParaRPr>
-              </a:p>
-            </p:txBody>
-          </p:sp>
-          <p:pic>
-            <p:nvPicPr>
-              <p:cNvPr id="15" name="Picture 14">
-                <a:extLst>
-                  <a:ext uri="{FF2B5EF4-FFF2-40B4-BE49-F238E27FC236}">
-                    <a16:creationId xmlns:a16="http://schemas.microsoft.com/office/drawing/2014/main" id="{271E8977-1EA4-439B-BEA6-114566CF786D}"/>
-                  </a:ext>
-                </a:extLst>
-              </p:cNvPr>
-              <p:cNvPicPr>
-                <a:picLocks noChangeAspect="1"/>
-              </p:cNvPicPr>
-              <p:nvPr/>
-            </p:nvPicPr>
-            <p:blipFill>
-              <a:blip r:embed="rId2">
-                <a:extLst>
-                  <a:ext uri="{BEBA8EAE-BF5A-486C-A8C5-ECC9F3942E4B}">
-                    <a14:imgProps xmlns:a14="http://schemas.microsoft.com/office/drawing/2010/main">
-                      <a14:imgLayer r:embed="rId3">
-                        <a14:imgEffect>
-                          <a14:brightnessContrast contrast="40000"/>
-                        </a14:imgEffect>
-                      </a14:imgLayer>
-                    </a14:imgProps>
-                  </a:ext>
-                  <a:ext uri="{28A0092B-C50C-407E-A947-70E740481C1C}">
-                    <a14:useLocalDpi xmlns:a14="http://schemas.microsoft.com/office/drawing/2010/main" val="0"/>
-                  </a:ext>
-                </a:extLst>
-              </a:blip>
-              <a:stretch>
-                <a:fillRect/>
-              </a:stretch>
-            </p:blipFill>
-            <p:spPr>
-              <a:xfrm>
-                <a:off x="346089" y="1625600"/>
-                <a:ext cx="1196461" cy="1196461"/>
-              </a:xfrm>
-              <a:prstGeom prst="rect">
-                <a:avLst/>
-              </a:prstGeom>
-            </p:spPr>
-          </p:pic>
-          <p:grpSp>
-            <p:nvGrpSpPr>
-              <p:cNvPr id="30" name="Group 29">
-                <a:extLst>
-                  <a:ext uri="{FF2B5EF4-FFF2-40B4-BE49-F238E27FC236}">
-                    <a16:creationId xmlns:a16="http://schemas.microsoft.com/office/drawing/2014/main" id="{89252801-23C1-4A4C-B020-448359454919}"/>
-                  </a:ext>
-                </a:extLst>
-              </p:cNvPr>
-              <p:cNvGrpSpPr/>
-              <p:nvPr/>
-            </p:nvGrpSpPr>
-            <p:grpSpPr>
-              <a:xfrm>
-                <a:off x="1695974" y="5577430"/>
-                <a:ext cx="1043985" cy="471055"/>
-                <a:chOff x="1695974" y="5577430"/>
-                <a:chExt cx="1043985" cy="471055"/>
-              </a:xfrm>
-            </p:grpSpPr>
-            <p:pic>
-              <p:nvPicPr>
-                <p:cNvPr id="12" name="Picture 11">
-                  <a:extLst>
-                    <a:ext uri="{FF2B5EF4-FFF2-40B4-BE49-F238E27FC236}">
-                      <a16:creationId xmlns:a16="http://schemas.microsoft.com/office/drawing/2014/main" id="{2FE1249F-AB7C-4A4E-8493-765182617B04}"/>
-                    </a:ext>
-                  </a:extLst>
-                </p:cNvPr>
-                <p:cNvPicPr>
-                  <a:picLocks noChangeAspect="1"/>
-                </p:cNvPicPr>
-                <p:nvPr/>
-              </p:nvPicPr>
-              <p:blipFill rotWithShape="1">
-                <a:blip r:embed="rId4">
-                  <a:extLst>
-                    <a:ext uri="{BEBA8EAE-BF5A-486C-A8C5-ECC9F3942E4B}">
-                      <a14:imgProps xmlns:a14="http://schemas.microsoft.com/office/drawing/2010/main">
-                        <a14:imgLayer r:embed="rId5">
-                          <a14:imgEffect>
-                            <a14:artisticPlasticWrap/>
-                          </a14:imgEffect>
-                          <a14:imgEffect>
-                            <a14:colorTemperature colorTemp="11200"/>
-                          </a14:imgEffect>
-                          <a14:imgEffect>
-                            <a14:saturation sat="400000"/>
-                          </a14:imgEffect>
-                          <a14:imgEffect>
-                            <a14:brightnessContrast contrast="40000"/>
-                          </a14:imgEffect>
-                        </a14:imgLayer>
-                      </a14:imgProps>
-                    </a:ext>
-                    <a:ext uri="{28A0092B-C50C-407E-A947-70E740481C1C}">
-                      <a14:useLocalDpi xmlns:a14="http://schemas.microsoft.com/office/drawing/2010/main" val="0"/>
-                    </a:ext>
-                  </a:extLst>
-                </a:blip>
-                <a:srcRect l="28919" t="14445" r="31742" b="43757"/>
-                <a:stretch/>
-              </p:blipFill>
-              <p:spPr>
-                <a:xfrm>
-                  <a:off x="2296613" y="5577430"/>
-                  <a:ext cx="443346" cy="471055"/>
-                </a:xfrm>
-                <a:prstGeom prst="rect">
-                  <a:avLst/>
-                </a:prstGeom>
-              </p:spPr>
-            </p:pic>
-            <p:sp>
-              <p:nvSpPr>
-                <p:cNvPr id="28" name="TextBox 27">
-                  <a:extLst>
-                    <a:ext uri="{FF2B5EF4-FFF2-40B4-BE49-F238E27FC236}">
-                      <a16:creationId xmlns:a16="http://schemas.microsoft.com/office/drawing/2014/main" id="{605D5B81-0FBB-4094-AC15-C71A9209339E}"/>
-                    </a:ext>
-                  </a:extLst>
-                </p:cNvPr>
-                <p:cNvSpPr txBox="1"/>
-                <p:nvPr/>
-              </p:nvSpPr>
-              <p:spPr>
-                <a:xfrm>
-                  <a:off x="1695974" y="5582124"/>
-                  <a:ext cx="660758" cy="461665"/>
-                </a:xfrm>
-                <a:prstGeom prst="rect">
-                  <a:avLst/>
-                </a:prstGeom>
-                <a:noFill/>
-              </p:spPr>
-              <p:txBody>
-                <a:bodyPr wrap="none" rtlCol="0">
-                  <a:spAutoFit/>
-                </a:bodyPr>
-                <a:lstStyle/>
-                <a:p>
-                  <a:r>
-                    <a:rPr lang="en-US" sz="2400" b="1" dirty="0">
-                      <a:latin typeface="Algerian" panose="04020705040A02060702" pitchFamily="82" charset="0"/>
-                    </a:rPr>
-                    <a:t>2 x</a:t>
-                  </a:r>
-                </a:p>
-              </p:txBody>
-            </p:sp>
-          </p:grpSp>
-          <p:pic>
-            <p:nvPicPr>
-              <p:cNvPr id="17" name="Picture 16">
-                <a:extLst>
-                  <a:ext uri="{FF2B5EF4-FFF2-40B4-BE49-F238E27FC236}">
-                    <a16:creationId xmlns:a16="http://schemas.microsoft.com/office/drawing/2014/main" id="{CA28B6C1-7DB4-4192-80B2-3CC065AA7962}"/>
-                  </a:ext>
-                </a:extLst>
-              </p:cNvPr>
-              <p:cNvPicPr>
-                <a:picLocks noChangeAspect="1"/>
-              </p:cNvPicPr>
-              <p:nvPr/>
-            </p:nvPicPr>
-            <p:blipFill>
-              <a:blip r:embed="rId2">
-                <a:extLst>
-                  <a:ext uri="{BEBA8EAE-BF5A-486C-A8C5-ECC9F3942E4B}">
-                    <a14:imgProps xmlns:a14="http://schemas.microsoft.com/office/drawing/2010/main">
-                      <a14:imgLayer r:embed="rId3">
-                        <a14:imgEffect>
-                          <a14:brightnessContrast contrast="40000"/>
-                        </a14:imgEffect>
-                      </a14:imgLayer>
-                    </a14:imgProps>
-                  </a:ext>
-                  <a:ext uri="{28A0092B-C50C-407E-A947-70E740481C1C}">
-                    <a14:useLocalDpi xmlns:a14="http://schemas.microsoft.com/office/drawing/2010/main" val="0"/>
-                  </a:ext>
-                </a:extLst>
-              </a:blip>
-              <a:stretch>
-                <a:fillRect/>
-              </a:stretch>
-            </p:blipFill>
-            <p:spPr>
-              <a:xfrm>
-                <a:off x="346091" y="2757975"/>
-                <a:ext cx="1228354" cy="1228354"/>
-              </a:xfrm>
-              <a:prstGeom prst="rect">
-                <a:avLst/>
-              </a:prstGeom>
-            </p:spPr>
-          </p:pic>
-        </p:grpSp>
-        <p:pic>
-          <p:nvPicPr>
-            <p:cNvPr id="19" name="Picture 18">
-              <a:extLst>
-                <a:ext uri="{FF2B5EF4-FFF2-40B4-BE49-F238E27FC236}">
-                  <a16:creationId xmlns:a16="http://schemas.microsoft.com/office/drawing/2014/main" id="{DD3A8807-7AB5-40F6-9DBF-17DED1A70D88}"/>
-                </a:ext>
-              </a:extLst>
-            </p:cNvPr>
-            <p:cNvPicPr>
-              <a:picLocks noChangeAspect="1"/>
-            </p:cNvPicPr>
-            <p:nvPr/>
-          </p:nvPicPr>
-          <p:blipFill>
-            <a:blip r:embed="rId6">
-              <a:clrChange>
-                <a:clrFrom>
-                  <a:srgbClr val="FFFFFF"/>
-                </a:clrFrom>
-                <a:clrTo>
-                  <a:srgbClr val="FFFFFF">
-                    <a:alpha val="0"/>
-                  </a:srgbClr>
-                </a:clrTo>
-              </a:clrChange>
-              <a:extLst>
-                <a:ext uri="{28A0092B-C50C-407E-A947-70E740481C1C}">
-                  <a14:useLocalDpi xmlns:a14="http://schemas.microsoft.com/office/drawing/2010/main" val="0"/>
-                </a:ext>
-              </a:extLst>
-            </a:blip>
-            <a:stretch>
-              <a:fillRect/>
-            </a:stretch>
-          </p:blipFill>
-          <p:spPr>
-            <a:xfrm>
-              <a:off x="494245" y="4094770"/>
-              <a:ext cx="892225" cy="1023934"/>
-            </a:xfrm>
-            <a:prstGeom prst="rect">
-              <a:avLst/>
-            </a:prstGeom>
-          </p:spPr>
-        </p:pic>
-      </p:grpSp>
-      <p:grpSp>
-        <p:nvGrpSpPr>
-          <p:cNvPr id="20" name="Group 19">
-            <a:extLst>
-              <a:ext uri="{FF2B5EF4-FFF2-40B4-BE49-F238E27FC236}">
-                <a16:creationId xmlns:a16="http://schemas.microsoft.com/office/drawing/2014/main" id="{6271A9B1-FB35-4FE9-8D1D-0A2C9AB19FB9}"/>
-              </a:ext>
-            </a:extLst>
-          </p:cNvPr>
-          <p:cNvGrpSpPr/>
-          <p:nvPr/>
-        </p:nvGrpSpPr>
-        <p:grpSpPr>
-          <a:xfrm>
-            <a:off x="4816751" y="302135"/>
-            <a:ext cx="4132525" cy="5929179"/>
-            <a:chOff x="219821" y="302135"/>
-            <a:chExt cx="4132525" cy="5929179"/>
-          </a:xfrm>
-        </p:grpSpPr>
-        <p:grpSp>
-          <p:nvGrpSpPr>
-            <p:cNvPr id="22" name="Group 21">
-              <a:extLst>
-                <a:ext uri="{FF2B5EF4-FFF2-40B4-BE49-F238E27FC236}">
-                  <a16:creationId xmlns:a16="http://schemas.microsoft.com/office/drawing/2014/main" id="{59902FC2-1FF8-462B-9CDB-342C3398ECCD}"/>
-                </a:ext>
-              </a:extLst>
-            </p:cNvPr>
-            <p:cNvGrpSpPr/>
-            <p:nvPr/>
-          </p:nvGrpSpPr>
-          <p:grpSpPr>
-            <a:xfrm>
-              <a:off x="219821" y="302135"/>
-              <a:ext cx="4132525" cy="5929179"/>
-              <a:chOff x="219821" y="302135"/>
-              <a:chExt cx="4132525" cy="5929179"/>
-            </a:xfrm>
-          </p:grpSpPr>
-          <p:sp>
-            <p:nvSpPr>
-              <p:cNvPr id="24" name="Rectangle 23">
-                <a:extLst>
-                  <a:ext uri="{FF2B5EF4-FFF2-40B4-BE49-F238E27FC236}">
-                    <a16:creationId xmlns:a16="http://schemas.microsoft.com/office/drawing/2014/main" id="{7A4775E1-5487-4880-A1A2-FD3C1EC15EEA}"/>
-                  </a:ext>
-                </a:extLst>
-              </p:cNvPr>
-              <p:cNvSpPr/>
-              <p:nvPr/>
-            </p:nvSpPr>
-            <p:spPr>
-              <a:xfrm>
-                <a:off x="219821" y="302135"/>
-                <a:ext cx="4132525" cy="5929179"/>
-              </a:xfrm>
-              <a:prstGeom prst="rect">
-                <a:avLst/>
-              </a:prstGeom>
-              <a:solidFill>
-                <a:schemeClr val="bg1">
-                  <a:lumMod val="95000"/>
-                </a:schemeClr>
-              </a:solidFill>
-              <a:ln w="177800">
-                <a:solidFill>
-                  <a:schemeClr val="tx1"/>
-                </a:solidFill>
-              </a:ln>
-              <a:effectLst>
-                <a:softEdge rad="127000"/>
-              </a:effectLst>
-            </p:spPr>
-            <p:style>
-              <a:lnRef idx="2">
-                <a:schemeClr val="accent1">
-                  <a:shade val="50000"/>
-                </a:schemeClr>
-              </a:lnRef>
-              <a:fillRef idx="1">
-                <a:schemeClr val="accent1"/>
-              </a:fillRef>
-              <a:effectRef idx="0">
-                <a:schemeClr val="accent1"/>
-              </a:effectRef>
-              <a:fontRef idx="minor">
-                <a:schemeClr val="lt1"/>
-              </a:fontRef>
-            </p:style>
-            <p:txBody>
-              <a:bodyPr rtlCol="0" anchor="t"/>
-              <a:lstStyle/>
-              <a:p>
-                <a:pPr algn="ctr">
-                  <a:lnSpc>
-                    <a:spcPct val="200000"/>
-                  </a:lnSpc>
-                </a:pPr>
-                <a:r>
-                  <a:rPr lang="en-US" sz="4000" b="1" dirty="0">
-                    <a:solidFill>
-                      <a:schemeClr val="tx1"/>
-                    </a:solidFill>
-                    <a:latin typeface="Algerian" panose="04020705040A02060702" pitchFamily="82" charset="0"/>
-                  </a:rPr>
-                  <a:t>Chicken soup:</a:t>
-                </a:r>
-                <a:endParaRPr lang="en-US" sz="4000" dirty="0">
-                  <a:solidFill>
-                    <a:schemeClr val="tx1"/>
-                  </a:solidFill>
-                  <a:latin typeface="Algerian" panose="04020705040A02060702" pitchFamily="82" charset="0"/>
-                </a:endParaRPr>
-              </a:p>
-              <a:p>
-                <a:pPr algn="ctr">
-                  <a:lnSpc>
-                    <a:spcPct val="200000"/>
-                  </a:lnSpc>
-                  <a:buSzPct val="150000"/>
-                </a:pPr>
-                <a:r>
-                  <a:rPr lang="en-US" sz="4000" dirty="0">
-                    <a:solidFill>
-                      <a:schemeClr val="tx1"/>
-                    </a:solidFill>
-                    <a:latin typeface="Algerian" panose="04020705040A02060702" pitchFamily="82" charset="0"/>
-                  </a:rPr>
-                  <a:t> meat</a:t>
-                </a:r>
-              </a:p>
-              <a:p>
-                <a:pPr algn="ctr">
-                  <a:lnSpc>
-                    <a:spcPct val="200000"/>
-                  </a:lnSpc>
-                  <a:buSzPct val="150000"/>
-                </a:pPr>
-                <a:r>
-                  <a:rPr lang="en-US" sz="4000" dirty="0">
-                    <a:solidFill>
-                      <a:schemeClr val="tx1"/>
-                    </a:solidFill>
-                    <a:latin typeface="Algerian" panose="04020705040A02060702" pitchFamily="82" charset="0"/>
-                  </a:rPr>
-                  <a:t> meat</a:t>
-                </a:r>
-              </a:p>
-              <a:p>
-                <a:pPr algn="ctr">
-                  <a:lnSpc>
-                    <a:spcPct val="200000"/>
-                  </a:lnSpc>
-                  <a:buSzPct val="150000"/>
-                </a:pPr>
-                <a:r>
-                  <a:rPr lang="en-US" sz="4000" dirty="0">
-                    <a:solidFill>
-                      <a:schemeClr val="tx1"/>
-                    </a:solidFill>
-                    <a:latin typeface="Algerian" panose="04020705040A02060702" pitchFamily="82" charset="0"/>
-                  </a:rPr>
-                  <a:t>          fruit/veg</a:t>
-                </a:r>
-                <a:endParaRPr lang="en-US" sz="4800" dirty="0">
-                  <a:solidFill>
-                    <a:schemeClr val="tx1"/>
-                  </a:solidFill>
-                  <a:latin typeface="Algerian" panose="04020705040A02060702" pitchFamily="82" charset="0"/>
-                </a:endParaRPr>
-              </a:p>
-            </p:txBody>
-          </p:sp>
-          <p:pic>
-            <p:nvPicPr>
-              <p:cNvPr id="25" name="Picture 24">
-                <a:extLst>
-                  <a:ext uri="{FF2B5EF4-FFF2-40B4-BE49-F238E27FC236}">
-                    <a16:creationId xmlns:a16="http://schemas.microsoft.com/office/drawing/2014/main" id="{3A41EE88-03FE-40D2-B185-8B118C2A17CE}"/>
-                  </a:ext>
-                </a:extLst>
-              </p:cNvPr>
-              <p:cNvPicPr>
-                <a:picLocks noChangeAspect="1"/>
-              </p:cNvPicPr>
-              <p:nvPr/>
-            </p:nvPicPr>
-            <p:blipFill>
-              <a:blip r:embed="rId2">
-                <a:extLst>
-                  <a:ext uri="{BEBA8EAE-BF5A-486C-A8C5-ECC9F3942E4B}">
-                    <a14:imgProps xmlns:a14="http://schemas.microsoft.com/office/drawing/2010/main">
-                      <a14:imgLayer r:embed="rId3">
-                        <a14:imgEffect>
-                          <a14:brightnessContrast contrast="40000"/>
-                        </a14:imgEffect>
-                      </a14:imgLayer>
-                    </a14:imgProps>
-                  </a:ext>
-                  <a:ext uri="{28A0092B-C50C-407E-A947-70E740481C1C}">
-                    <a14:useLocalDpi xmlns:a14="http://schemas.microsoft.com/office/drawing/2010/main" val="0"/>
-                  </a:ext>
-                </a:extLst>
-              </a:blip>
-              <a:stretch>
-                <a:fillRect/>
-              </a:stretch>
-            </p:blipFill>
-            <p:spPr>
-              <a:xfrm>
-                <a:off x="346089" y="1625600"/>
-                <a:ext cx="1196461" cy="1196461"/>
-              </a:xfrm>
-              <a:prstGeom prst="rect">
-                <a:avLst/>
-              </a:prstGeom>
-            </p:spPr>
-          </p:pic>
-          <p:pic>
-            <p:nvPicPr>
-              <p:cNvPr id="31" name="Picture 30">
-                <a:extLst>
-                  <a:ext uri="{FF2B5EF4-FFF2-40B4-BE49-F238E27FC236}">
-                    <a16:creationId xmlns:a16="http://schemas.microsoft.com/office/drawing/2014/main" id="{D20CAEE7-5642-49C3-8C6B-C760D62E465F}"/>
-                  </a:ext>
-                </a:extLst>
-              </p:cNvPr>
-              <p:cNvPicPr>
-                <a:picLocks noChangeAspect="1"/>
-              </p:cNvPicPr>
-              <p:nvPr/>
-            </p:nvPicPr>
-            <p:blipFill rotWithShape="1">
-              <a:blip r:embed="rId4">
-                <a:extLst>
-                  <a:ext uri="{BEBA8EAE-BF5A-486C-A8C5-ECC9F3942E4B}">
-                    <a14:imgProps xmlns:a14="http://schemas.microsoft.com/office/drawing/2010/main">
-                      <a14:imgLayer r:embed="rId5">
-                        <a14:imgEffect>
-                          <a14:artisticPlasticWrap/>
-                        </a14:imgEffect>
-                        <a14:imgEffect>
-                          <a14:colorTemperature colorTemp="11200"/>
-                        </a14:imgEffect>
-                        <a14:imgEffect>
-                          <a14:saturation sat="400000"/>
-                        </a14:imgEffect>
-                        <a14:imgEffect>
-                          <a14:brightnessContrast contrast="40000"/>
-                        </a14:imgEffect>
-                      </a14:imgLayer>
-                    </a14:imgProps>
-                  </a:ext>
-                  <a:ext uri="{28A0092B-C50C-407E-A947-70E740481C1C}">
-                    <a14:useLocalDpi xmlns:a14="http://schemas.microsoft.com/office/drawing/2010/main" val="0"/>
-                  </a:ext>
-                </a:extLst>
-              </a:blip>
-              <a:srcRect l="28919" t="14445" r="31742" b="43757"/>
-              <a:stretch/>
-            </p:blipFill>
-            <p:spPr>
-              <a:xfrm>
-                <a:off x="2296613" y="5577430"/>
-                <a:ext cx="443346" cy="471055"/>
-              </a:xfrm>
-              <a:prstGeom prst="rect">
-                <a:avLst/>
-              </a:prstGeom>
-            </p:spPr>
-          </p:pic>
-          <p:pic>
-            <p:nvPicPr>
-              <p:cNvPr id="29" name="Picture 28">
-                <a:extLst>
-                  <a:ext uri="{FF2B5EF4-FFF2-40B4-BE49-F238E27FC236}">
-                    <a16:creationId xmlns:a16="http://schemas.microsoft.com/office/drawing/2014/main" id="{2C2D9028-10D6-4B92-B580-A86335F9912E}"/>
-                  </a:ext>
-                </a:extLst>
-              </p:cNvPr>
-              <p:cNvPicPr>
-                <a:picLocks noChangeAspect="1"/>
-              </p:cNvPicPr>
-              <p:nvPr/>
-            </p:nvPicPr>
-            <p:blipFill>
-              <a:blip r:embed="rId2">
-                <a:extLst>
-                  <a:ext uri="{BEBA8EAE-BF5A-486C-A8C5-ECC9F3942E4B}">
-                    <a14:imgProps xmlns:a14="http://schemas.microsoft.com/office/drawing/2010/main">
-                      <a14:imgLayer r:embed="rId3">
-                        <a14:imgEffect>
-                          <a14:brightnessContrast contrast="40000"/>
-                        </a14:imgEffect>
-                      </a14:imgLayer>
-                    </a14:imgProps>
-                  </a:ext>
-                  <a:ext uri="{28A0092B-C50C-407E-A947-70E740481C1C}">
-                    <a14:useLocalDpi xmlns:a14="http://schemas.microsoft.com/office/drawing/2010/main" val="0"/>
-                  </a:ext>
-                </a:extLst>
-              </a:blip>
-              <a:stretch>
-                <a:fillRect/>
-              </a:stretch>
-            </p:blipFill>
-            <p:spPr>
-              <a:xfrm>
-                <a:off x="346091" y="2757975"/>
-                <a:ext cx="1228354" cy="1228354"/>
-              </a:xfrm>
-              <a:prstGeom prst="rect">
-                <a:avLst/>
-              </a:prstGeom>
-            </p:spPr>
-          </p:pic>
-        </p:grpSp>
-        <p:pic>
-          <p:nvPicPr>
-            <p:cNvPr id="23" name="Picture 22">
-              <a:extLst>
-                <a:ext uri="{FF2B5EF4-FFF2-40B4-BE49-F238E27FC236}">
-                  <a16:creationId xmlns:a16="http://schemas.microsoft.com/office/drawing/2014/main" id="{2BFB14D0-EA24-451C-BC43-332819FE58CC}"/>
-                </a:ext>
-              </a:extLst>
-            </p:cNvPr>
-            <p:cNvPicPr>
-              <a:picLocks noChangeAspect="1"/>
-            </p:cNvPicPr>
-            <p:nvPr/>
-          </p:nvPicPr>
-          <p:blipFill>
-            <a:blip r:embed="rId6">
-              <a:clrChange>
-                <a:clrFrom>
-                  <a:srgbClr val="FFFFFF"/>
-                </a:clrFrom>
-                <a:clrTo>
-                  <a:srgbClr val="FFFFFF">
-                    <a:alpha val="0"/>
-                  </a:srgbClr>
-                </a:clrTo>
-              </a:clrChange>
-              <a:extLst>
-                <a:ext uri="{28A0092B-C50C-407E-A947-70E740481C1C}">
-                  <a14:useLocalDpi xmlns:a14="http://schemas.microsoft.com/office/drawing/2010/main" val="0"/>
-                </a:ext>
-              </a:extLst>
-            </a:blip>
-            <a:stretch>
-              <a:fillRect/>
-            </a:stretch>
-          </p:blipFill>
-          <p:spPr>
-            <a:xfrm>
-              <a:off x="494245" y="4094770"/>
-              <a:ext cx="892225" cy="1023934"/>
-            </a:xfrm>
-            <a:prstGeom prst="rect">
-              <a:avLst/>
-            </a:prstGeom>
-          </p:spPr>
-        </p:pic>
-      </p:grpSp>
-      <p:pic>
-        <p:nvPicPr>
-          <p:cNvPr id="33" name="Picture 32">
-            <a:extLst>
-              <a:ext uri="{FF2B5EF4-FFF2-40B4-BE49-F238E27FC236}">
-                <a16:creationId xmlns:a16="http://schemas.microsoft.com/office/drawing/2014/main" id="{D585AA18-1D92-408E-B527-7540EE72FB6F}"/>
-              </a:ext>
-            </a:extLst>
-          </p:cNvPr>
-          <p:cNvPicPr>
-            <a:picLocks noChangeAspect="1"/>
-          </p:cNvPicPr>
-          <p:nvPr/>
-        </p:nvPicPr>
-        <p:blipFill rotWithShape="1">
-          <a:blip r:embed="rId4">
-            <a:extLst>
-              <a:ext uri="{BEBA8EAE-BF5A-486C-A8C5-ECC9F3942E4B}">
-                <a14:imgProps xmlns:a14="http://schemas.microsoft.com/office/drawing/2010/main">
-                  <a14:imgLayer r:embed="rId5">
-                    <a14:imgEffect>
-                      <a14:artisticPlasticWrap/>
-                    </a14:imgEffect>
-                    <a14:imgEffect>
-                      <a14:colorTemperature colorTemp="11200"/>
-                    </a14:imgEffect>
-                    <a14:imgEffect>
-                      <a14:saturation sat="400000"/>
-                    </a14:imgEffect>
-                    <a14:imgEffect>
-                      <a14:brightnessContrast contrast="40000"/>
-                    </a14:imgEffect>
-                  </a14:imgLayer>
-                </a14:imgProps>
-              </a:ext>
-              <a:ext uri="{28A0092B-C50C-407E-A947-70E740481C1C}">
-                <a14:useLocalDpi xmlns:a14="http://schemas.microsoft.com/office/drawing/2010/main" val="0"/>
-              </a:ext>
-            </a:extLst>
-          </a:blip>
-          <a:srcRect l="28919" t="14445" r="31742" b="43757"/>
-          <a:stretch/>
-        </p:blipFill>
-        <p:spPr>
-          <a:xfrm>
-            <a:off x="6423118" y="5580637"/>
-            <a:ext cx="443346" cy="471055"/>
-          </a:xfrm>
-          <a:prstGeom prst="rect">
-            <a:avLst/>
-          </a:prstGeom>
-        </p:spPr>
-      </p:pic>
-    </p:spTree>
-    <p:extLst>
-      <p:ext uri="{BB962C8B-B14F-4D97-AF65-F5344CB8AC3E}">
-        <p14:creationId xmlns:p14="http://schemas.microsoft.com/office/powerpoint/2010/main" val="3605900465"/>
-      </p:ext>
-    </p:extLst>
-  </p:cSld>
-  <p:clrMapOvr>
-    <a:masterClrMapping/>
-  </p:clrMapOvr>
-</p:sld>
-</file>
-
-<file path=ppt/slides/slide7.xml><?xml version="1.0" encoding="utf-8"?>
+<file path=ppt/slides/slide8.xml><?xml version="1.0" encoding="utf-8"?>
 <p:sld xmlns:a="http://schemas.openxmlformats.org/drawingml/2006/main" xmlns:r="http://schemas.openxmlformats.org/officeDocument/2006/relationships" xmlns:p="http://schemas.openxmlformats.org/presentationml/2006/main">
   <p:cSld>
     <p:spTree>
@@ -10196,7 +13133,7 @@
 </p:sld>
 </file>
 
-<file path=ppt/slides/slide8.xml><?xml version="1.0" encoding="utf-8"?>
+<file path=ppt/slides/slide9.xml><?xml version="1.0" encoding="utf-8"?>
 <p:sld xmlns:a="http://schemas.openxmlformats.org/drawingml/2006/main" xmlns:r="http://schemas.openxmlformats.org/officeDocument/2006/relationships" xmlns:p="http://schemas.openxmlformats.org/presentationml/2006/main">
   <p:cSld>
     <p:spTree>
@@ -11016,826 +13953,6 @@
 </p:sld>
 </file>
 
-<file path=ppt/slides/slide9.xml><?xml version="1.0" encoding="utf-8"?>
-<p:sld xmlns:a="http://schemas.openxmlformats.org/drawingml/2006/main" xmlns:r="http://schemas.openxmlformats.org/officeDocument/2006/relationships" xmlns:p="http://schemas.openxmlformats.org/presentationml/2006/main">
-  <p:cSld>
-    <p:spTree>
-      <p:nvGrpSpPr>
-        <p:cNvPr id="1" name=""/>
-        <p:cNvGrpSpPr/>
-        <p:nvPr/>
-      </p:nvGrpSpPr>
-      <p:grpSpPr>
-        <a:xfrm>
-          <a:off x="0" y="0"/>
-          <a:ext cx="0" cy="0"/>
-          <a:chOff x="0" y="0"/>
-          <a:chExt cx="0" cy="0"/>
-        </a:xfrm>
-      </p:grpSpPr>
-      <p:grpSp>
-        <p:nvGrpSpPr>
-          <p:cNvPr id="8" name="Group 7">
-            <a:extLst>
-              <a:ext uri="{FF2B5EF4-FFF2-40B4-BE49-F238E27FC236}">
-                <a16:creationId xmlns:a16="http://schemas.microsoft.com/office/drawing/2014/main" id="{865459E4-828E-498C-8217-DF87F4234815}"/>
-              </a:ext>
-            </a:extLst>
-          </p:cNvPr>
-          <p:cNvGrpSpPr/>
-          <p:nvPr/>
-        </p:nvGrpSpPr>
-        <p:grpSpPr>
-          <a:xfrm>
-            <a:off x="219821" y="302135"/>
-            <a:ext cx="4132525" cy="5929179"/>
-            <a:chOff x="219821" y="302135"/>
-            <a:chExt cx="4132525" cy="5929179"/>
-          </a:xfrm>
-        </p:grpSpPr>
-        <p:grpSp>
-          <p:nvGrpSpPr>
-            <p:cNvPr id="2" name="Group 1">
-              <a:extLst>
-                <a:ext uri="{FF2B5EF4-FFF2-40B4-BE49-F238E27FC236}">
-                  <a16:creationId xmlns:a16="http://schemas.microsoft.com/office/drawing/2014/main" id="{D29A4326-F822-49EC-8D7F-47B44A36FE49}"/>
-                </a:ext>
-              </a:extLst>
-            </p:cNvPr>
-            <p:cNvGrpSpPr/>
-            <p:nvPr/>
-          </p:nvGrpSpPr>
-          <p:grpSpPr>
-            <a:xfrm>
-              <a:off x="219821" y="302135"/>
-              <a:ext cx="4132525" cy="5929179"/>
-              <a:chOff x="219821" y="302135"/>
-              <a:chExt cx="4132525" cy="5929179"/>
-            </a:xfrm>
-          </p:grpSpPr>
-          <p:sp>
-            <p:nvSpPr>
-              <p:cNvPr id="10" name="Rectangle 9">
-                <a:extLst>
-                  <a:ext uri="{FF2B5EF4-FFF2-40B4-BE49-F238E27FC236}">
-                    <a16:creationId xmlns:a16="http://schemas.microsoft.com/office/drawing/2014/main" id="{E4AD598C-FFFC-498B-B5A0-671EB1704D14}"/>
-                  </a:ext>
-                </a:extLst>
-              </p:cNvPr>
-              <p:cNvSpPr/>
-              <p:nvPr/>
-            </p:nvSpPr>
-            <p:spPr>
-              <a:xfrm>
-                <a:off x="219821" y="302135"/>
-                <a:ext cx="4132525" cy="5929179"/>
-              </a:xfrm>
-              <a:prstGeom prst="rect">
-                <a:avLst/>
-              </a:prstGeom>
-              <a:solidFill>
-                <a:schemeClr val="bg1">
-                  <a:lumMod val="95000"/>
-                </a:schemeClr>
-              </a:solidFill>
-              <a:ln w="177800">
-                <a:solidFill>
-                  <a:schemeClr val="tx1"/>
-                </a:solidFill>
-              </a:ln>
-              <a:effectLst>
-                <a:softEdge rad="127000"/>
-              </a:effectLst>
-            </p:spPr>
-            <p:style>
-              <a:lnRef idx="2">
-                <a:schemeClr val="accent1">
-                  <a:shade val="50000"/>
-                </a:schemeClr>
-              </a:lnRef>
-              <a:fillRef idx="1">
-                <a:schemeClr val="accent1"/>
-              </a:fillRef>
-              <a:effectRef idx="0">
-                <a:schemeClr val="accent1"/>
-              </a:effectRef>
-              <a:fontRef idx="minor">
-                <a:schemeClr val="lt1"/>
-              </a:fontRef>
-            </p:style>
-            <p:txBody>
-              <a:bodyPr rtlCol="0" anchor="t"/>
-              <a:lstStyle/>
-              <a:p>
-                <a:pPr algn="ctr">
-                  <a:lnSpc>
-                    <a:spcPct val="200000"/>
-                  </a:lnSpc>
-                </a:pPr>
-                <a:r>
-                  <a:rPr lang="en-US" sz="4000" b="1" dirty="0">
-                    <a:solidFill>
-                      <a:schemeClr val="tx1"/>
-                    </a:solidFill>
-                    <a:latin typeface="Algerian" panose="04020705040A02060702" pitchFamily="82" charset="0"/>
-                  </a:rPr>
-                  <a:t>Beef nigiri:</a:t>
-                </a:r>
-                <a:endParaRPr lang="en-US" sz="4000" dirty="0">
-                  <a:solidFill>
-                    <a:schemeClr val="tx1"/>
-                  </a:solidFill>
-                  <a:latin typeface="Algerian" panose="04020705040A02060702" pitchFamily="82" charset="0"/>
-                </a:endParaRPr>
-              </a:p>
-              <a:p>
-                <a:pPr algn="ctr">
-                  <a:lnSpc>
-                    <a:spcPct val="200000"/>
-                  </a:lnSpc>
-                  <a:buSzPct val="150000"/>
-                </a:pPr>
-                <a:r>
-                  <a:rPr lang="en-US" sz="4000" dirty="0">
-                    <a:solidFill>
-                      <a:schemeClr val="tx1"/>
-                    </a:solidFill>
-                    <a:latin typeface="Algerian" panose="04020705040A02060702" pitchFamily="82" charset="0"/>
-                  </a:rPr>
-                  <a:t> meat</a:t>
-                </a:r>
-              </a:p>
-              <a:p>
-                <a:pPr algn="ctr">
-                  <a:lnSpc>
-                    <a:spcPct val="200000"/>
-                  </a:lnSpc>
-                  <a:buSzPct val="150000"/>
-                </a:pPr>
-                <a:r>
-                  <a:rPr lang="en-US" sz="4000" dirty="0">
-                    <a:solidFill>
-                      <a:schemeClr val="tx1"/>
-                    </a:solidFill>
-                    <a:latin typeface="Algerian" panose="04020705040A02060702" pitchFamily="82" charset="0"/>
-                  </a:rPr>
-                  <a:t>          fruit/veg</a:t>
-                </a:r>
-              </a:p>
-              <a:p>
-                <a:pPr algn="ctr">
-                  <a:lnSpc>
-                    <a:spcPct val="200000"/>
-                  </a:lnSpc>
-                  <a:buSzPct val="150000"/>
-                </a:pPr>
-                <a:r>
-                  <a:rPr lang="en-US" sz="4000" dirty="0">
-                    <a:solidFill>
-                      <a:schemeClr val="tx1"/>
-                    </a:solidFill>
-                    <a:latin typeface="Algerian" panose="04020705040A02060702" pitchFamily="82" charset="0"/>
-                  </a:rPr>
-                  <a:t>  grain</a:t>
-                </a:r>
-                <a:endParaRPr lang="en-US" sz="4800" dirty="0">
-                  <a:solidFill>
-                    <a:schemeClr val="tx1"/>
-                  </a:solidFill>
-                  <a:latin typeface="Algerian" panose="04020705040A02060702" pitchFamily="82" charset="0"/>
-                </a:endParaRPr>
-              </a:p>
-            </p:txBody>
-          </p:sp>
-          <p:pic>
-            <p:nvPicPr>
-              <p:cNvPr id="15" name="Picture 14">
-                <a:extLst>
-                  <a:ext uri="{FF2B5EF4-FFF2-40B4-BE49-F238E27FC236}">
-                    <a16:creationId xmlns:a16="http://schemas.microsoft.com/office/drawing/2014/main" id="{271E8977-1EA4-439B-BEA6-114566CF786D}"/>
-                  </a:ext>
-                </a:extLst>
-              </p:cNvPr>
-              <p:cNvPicPr>
-                <a:picLocks noChangeAspect="1"/>
-              </p:cNvPicPr>
-              <p:nvPr/>
-            </p:nvPicPr>
-            <p:blipFill>
-              <a:blip r:embed="rId2">
-                <a:extLst>
-                  <a:ext uri="{BEBA8EAE-BF5A-486C-A8C5-ECC9F3942E4B}">
-                    <a14:imgProps xmlns:a14="http://schemas.microsoft.com/office/drawing/2010/main">
-                      <a14:imgLayer r:embed="rId3">
-                        <a14:imgEffect>
-                          <a14:brightnessContrast contrast="40000"/>
-                        </a14:imgEffect>
-                      </a14:imgLayer>
-                    </a14:imgProps>
-                  </a:ext>
-                  <a:ext uri="{28A0092B-C50C-407E-A947-70E740481C1C}">
-                    <a14:useLocalDpi xmlns:a14="http://schemas.microsoft.com/office/drawing/2010/main" val="0"/>
-                  </a:ext>
-                </a:extLst>
-              </a:blip>
-              <a:stretch>
-                <a:fillRect/>
-              </a:stretch>
-            </p:blipFill>
-            <p:spPr>
-              <a:xfrm>
-                <a:off x="376179" y="1513444"/>
-                <a:ext cx="1303647" cy="1303647"/>
-              </a:xfrm>
-              <a:prstGeom prst="rect">
-                <a:avLst/>
-              </a:prstGeom>
-            </p:spPr>
-          </p:pic>
-          <p:grpSp>
-            <p:nvGrpSpPr>
-              <p:cNvPr id="30" name="Group 29">
-                <a:extLst>
-                  <a:ext uri="{FF2B5EF4-FFF2-40B4-BE49-F238E27FC236}">
-                    <a16:creationId xmlns:a16="http://schemas.microsoft.com/office/drawing/2014/main" id="{89252801-23C1-4A4C-B020-448359454919}"/>
-                  </a:ext>
-                </a:extLst>
-              </p:cNvPr>
-              <p:cNvGrpSpPr/>
-              <p:nvPr/>
-            </p:nvGrpSpPr>
-            <p:grpSpPr>
-              <a:xfrm>
-                <a:off x="1695974" y="5577430"/>
-                <a:ext cx="1043985" cy="471055"/>
-                <a:chOff x="1695974" y="5577430"/>
-                <a:chExt cx="1043985" cy="471055"/>
-              </a:xfrm>
-            </p:grpSpPr>
-            <p:pic>
-              <p:nvPicPr>
-                <p:cNvPr id="12" name="Picture 11">
-                  <a:extLst>
-                    <a:ext uri="{FF2B5EF4-FFF2-40B4-BE49-F238E27FC236}">
-                      <a16:creationId xmlns:a16="http://schemas.microsoft.com/office/drawing/2014/main" id="{2FE1249F-AB7C-4A4E-8493-765182617B04}"/>
-                    </a:ext>
-                  </a:extLst>
-                </p:cNvPr>
-                <p:cNvPicPr>
-                  <a:picLocks noChangeAspect="1"/>
-                </p:cNvPicPr>
-                <p:nvPr/>
-              </p:nvPicPr>
-              <p:blipFill rotWithShape="1">
-                <a:blip r:embed="rId4">
-                  <a:extLst>
-                    <a:ext uri="{BEBA8EAE-BF5A-486C-A8C5-ECC9F3942E4B}">
-                      <a14:imgProps xmlns:a14="http://schemas.microsoft.com/office/drawing/2010/main">
-                        <a14:imgLayer r:embed="rId5">
-                          <a14:imgEffect>
-                            <a14:artisticPlasticWrap/>
-                          </a14:imgEffect>
-                          <a14:imgEffect>
-                            <a14:colorTemperature colorTemp="11200"/>
-                          </a14:imgEffect>
-                          <a14:imgEffect>
-                            <a14:saturation sat="400000"/>
-                          </a14:imgEffect>
-                          <a14:imgEffect>
-                            <a14:brightnessContrast contrast="40000"/>
-                          </a14:imgEffect>
-                        </a14:imgLayer>
-                      </a14:imgProps>
-                    </a:ext>
-                    <a:ext uri="{28A0092B-C50C-407E-A947-70E740481C1C}">
-                      <a14:useLocalDpi xmlns:a14="http://schemas.microsoft.com/office/drawing/2010/main" val="0"/>
-                    </a:ext>
-                  </a:extLst>
-                </a:blip>
-                <a:srcRect l="28919" t="14445" r="31742" b="43757"/>
-                <a:stretch/>
-              </p:blipFill>
-              <p:spPr>
-                <a:xfrm>
-                  <a:off x="2296613" y="5577430"/>
-                  <a:ext cx="443346" cy="471055"/>
-                </a:xfrm>
-                <a:prstGeom prst="rect">
-                  <a:avLst/>
-                </a:prstGeom>
-              </p:spPr>
-            </p:pic>
-            <p:sp>
-              <p:nvSpPr>
-                <p:cNvPr id="28" name="TextBox 27">
-                  <a:extLst>
-                    <a:ext uri="{FF2B5EF4-FFF2-40B4-BE49-F238E27FC236}">
-                      <a16:creationId xmlns:a16="http://schemas.microsoft.com/office/drawing/2014/main" id="{605D5B81-0FBB-4094-AC15-C71A9209339E}"/>
-                    </a:ext>
-                  </a:extLst>
-                </p:cNvPr>
-                <p:cNvSpPr txBox="1"/>
-                <p:nvPr/>
-              </p:nvSpPr>
-              <p:spPr>
-                <a:xfrm>
-                  <a:off x="1695974" y="5582124"/>
-                  <a:ext cx="660758" cy="461665"/>
-                </a:xfrm>
-                <a:prstGeom prst="rect">
-                  <a:avLst/>
-                </a:prstGeom>
-                <a:noFill/>
-              </p:spPr>
-              <p:txBody>
-                <a:bodyPr wrap="none" rtlCol="0">
-                  <a:spAutoFit/>
-                </a:bodyPr>
-                <a:lstStyle/>
-                <a:p>
-                  <a:r>
-                    <a:rPr lang="en-US" sz="2400" b="1" dirty="0">
-                      <a:latin typeface="Algerian" panose="04020705040A02060702" pitchFamily="82" charset="0"/>
-                    </a:rPr>
-                    <a:t>1 x</a:t>
-                  </a:r>
-                </a:p>
-              </p:txBody>
-            </p:sp>
-          </p:grpSp>
-        </p:grpSp>
-        <p:pic>
-          <p:nvPicPr>
-            <p:cNvPr id="19" name="Picture 18">
-              <a:extLst>
-                <a:ext uri="{FF2B5EF4-FFF2-40B4-BE49-F238E27FC236}">
-                  <a16:creationId xmlns:a16="http://schemas.microsoft.com/office/drawing/2014/main" id="{374E674B-3F12-41DD-9C0F-4258E0D06A50}"/>
-                </a:ext>
-              </a:extLst>
-            </p:cNvPr>
-            <p:cNvPicPr>
-              <a:picLocks noChangeAspect="1"/>
-            </p:cNvPicPr>
-            <p:nvPr/>
-          </p:nvPicPr>
-          <p:blipFill>
-            <a:blip r:embed="rId6">
-              <a:clrChange>
-                <a:clrFrom>
-                  <a:srgbClr val="FFFFFF"/>
-                </a:clrFrom>
-                <a:clrTo>
-                  <a:srgbClr val="FFFFFF">
-                    <a:alpha val="0"/>
-                  </a:srgbClr>
-                </a:clrTo>
-              </a:clrChange>
-              <a:extLst>
-                <a:ext uri="{28A0092B-C50C-407E-A947-70E740481C1C}">
-                  <a14:useLocalDpi xmlns:a14="http://schemas.microsoft.com/office/drawing/2010/main" val="0"/>
-                </a:ext>
-              </a:extLst>
-            </a:blip>
-            <a:stretch>
-              <a:fillRect/>
-            </a:stretch>
-          </p:blipFill>
-          <p:spPr>
-            <a:xfrm>
-              <a:off x="581891" y="2975062"/>
-              <a:ext cx="892225" cy="1023934"/>
-            </a:xfrm>
-            <a:prstGeom prst="rect">
-              <a:avLst/>
-            </a:prstGeom>
-          </p:spPr>
-        </p:pic>
-        <p:pic>
-          <p:nvPicPr>
-            <p:cNvPr id="7" name="Picture 6">
-              <a:extLst>
-                <a:ext uri="{FF2B5EF4-FFF2-40B4-BE49-F238E27FC236}">
-                  <a16:creationId xmlns:a16="http://schemas.microsoft.com/office/drawing/2014/main" id="{58E69758-5A25-4F43-B2A5-AEAA65B0B461}"/>
-                </a:ext>
-              </a:extLst>
-            </p:cNvPr>
-            <p:cNvPicPr>
-              <a:picLocks noChangeAspect="1"/>
-            </p:cNvPicPr>
-            <p:nvPr/>
-          </p:nvPicPr>
-          <p:blipFill>
-            <a:blip r:embed="rId7">
-              <a:clrChange>
-                <a:clrFrom>
-                  <a:srgbClr val="FFFFFF"/>
-                </a:clrFrom>
-                <a:clrTo>
-                  <a:srgbClr val="FFFFFF">
-                    <a:alpha val="0"/>
-                  </a:srgbClr>
-                </a:clrTo>
-              </a:clrChange>
-              <a:extLst>
-                <a:ext uri="{28A0092B-C50C-407E-A947-70E740481C1C}">
-                  <a14:useLocalDpi xmlns:a14="http://schemas.microsoft.com/office/drawing/2010/main" val="0"/>
-                </a:ext>
-              </a:extLst>
-            </a:blip>
-            <a:stretch>
-              <a:fillRect/>
-            </a:stretch>
-          </p:blipFill>
-          <p:spPr>
-            <a:xfrm>
-              <a:off x="530440" y="4156967"/>
-              <a:ext cx="1023934" cy="1023934"/>
-            </a:xfrm>
-            <a:prstGeom prst="rect">
-              <a:avLst/>
-            </a:prstGeom>
-          </p:spPr>
-        </p:pic>
-      </p:grpSp>
-      <p:grpSp>
-        <p:nvGrpSpPr>
-          <p:cNvPr id="24" name="Group 23">
-            <a:extLst>
-              <a:ext uri="{FF2B5EF4-FFF2-40B4-BE49-F238E27FC236}">
-                <a16:creationId xmlns:a16="http://schemas.microsoft.com/office/drawing/2014/main" id="{FC1097AB-E6AF-4933-A7E9-1D0792E4EB31}"/>
-              </a:ext>
-            </a:extLst>
-          </p:cNvPr>
-          <p:cNvGrpSpPr/>
-          <p:nvPr/>
-        </p:nvGrpSpPr>
-        <p:grpSpPr>
-          <a:xfrm>
-            <a:off x="4433524" y="302135"/>
-            <a:ext cx="4132525" cy="5929179"/>
-            <a:chOff x="219821" y="302135"/>
-            <a:chExt cx="4132525" cy="5929179"/>
-          </a:xfrm>
-        </p:grpSpPr>
-        <p:grpSp>
-          <p:nvGrpSpPr>
-            <p:cNvPr id="25" name="Group 24">
-              <a:extLst>
-                <a:ext uri="{FF2B5EF4-FFF2-40B4-BE49-F238E27FC236}">
-                  <a16:creationId xmlns:a16="http://schemas.microsoft.com/office/drawing/2014/main" id="{004F3028-0426-42FA-AD01-58F964D5C407}"/>
-                </a:ext>
-              </a:extLst>
-            </p:cNvPr>
-            <p:cNvGrpSpPr/>
-            <p:nvPr/>
-          </p:nvGrpSpPr>
-          <p:grpSpPr>
-            <a:xfrm>
-              <a:off x="219821" y="302135"/>
-              <a:ext cx="4132525" cy="5929179"/>
-              <a:chOff x="219821" y="302135"/>
-              <a:chExt cx="4132525" cy="5929179"/>
-            </a:xfrm>
-          </p:grpSpPr>
-          <p:sp>
-            <p:nvSpPr>
-              <p:cNvPr id="31" name="Rectangle 30">
-                <a:extLst>
-                  <a:ext uri="{FF2B5EF4-FFF2-40B4-BE49-F238E27FC236}">
-                    <a16:creationId xmlns:a16="http://schemas.microsoft.com/office/drawing/2014/main" id="{D19C9FCE-C01B-410F-8204-5BFA55D5E182}"/>
-                  </a:ext>
-                </a:extLst>
-              </p:cNvPr>
-              <p:cNvSpPr/>
-              <p:nvPr/>
-            </p:nvSpPr>
-            <p:spPr>
-              <a:xfrm>
-                <a:off x="219821" y="302135"/>
-                <a:ext cx="4132525" cy="5929179"/>
-              </a:xfrm>
-              <a:prstGeom prst="rect">
-                <a:avLst/>
-              </a:prstGeom>
-              <a:solidFill>
-                <a:schemeClr val="bg1">
-                  <a:lumMod val="95000"/>
-                </a:schemeClr>
-              </a:solidFill>
-              <a:ln w="177800">
-                <a:solidFill>
-                  <a:schemeClr val="tx1"/>
-                </a:solidFill>
-              </a:ln>
-              <a:effectLst>
-                <a:softEdge rad="127000"/>
-              </a:effectLst>
-            </p:spPr>
-            <p:style>
-              <a:lnRef idx="2">
-                <a:schemeClr val="accent1">
-                  <a:shade val="50000"/>
-                </a:schemeClr>
-              </a:lnRef>
-              <a:fillRef idx="1">
-                <a:schemeClr val="accent1"/>
-              </a:fillRef>
-              <a:effectRef idx="0">
-                <a:schemeClr val="accent1"/>
-              </a:effectRef>
-              <a:fontRef idx="minor">
-                <a:schemeClr val="lt1"/>
-              </a:fontRef>
-            </p:style>
-            <p:txBody>
-              <a:bodyPr rtlCol="0" anchor="t"/>
-              <a:lstStyle/>
-              <a:p>
-                <a:pPr algn="ctr">
-                  <a:lnSpc>
-                    <a:spcPct val="200000"/>
-                  </a:lnSpc>
-                </a:pPr>
-                <a:r>
-                  <a:rPr lang="en-US" sz="4000" b="1" dirty="0">
-                    <a:solidFill>
-                      <a:schemeClr val="tx1"/>
-                    </a:solidFill>
-                    <a:latin typeface="Algerian" panose="04020705040A02060702" pitchFamily="82" charset="0"/>
-                  </a:rPr>
-                  <a:t>Beef nigiri :</a:t>
-                </a:r>
-                <a:endParaRPr lang="en-US" sz="4000" dirty="0">
-                  <a:solidFill>
-                    <a:schemeClr val="tx1"/>
-                  </a:solidFill>
-                  <a:latin typeface="Algerian" panose="04020705040A02060702" pitchFamily="82" charset="0"/>
-                </a:endParaRPr>
-              </a:p>
-              <a:p>
-                <a:pPr algn="ctr">
-                  <a:lnSpc>
-                    <a:spcPct val="200000"/>
-                  </a:lnSpc>
-                  <a:buSzPct val="150000"/>
-                </a:pPr>
-                <a:r>
-                  <a:rPr lang="en-US" sz="4000" dirty="0">
-                    <a:solidFill>
-                      <a:schemeClr val="tx1"/>
-                    </a:solidFill>
-                    <a:latin typeface="Algerian" panose="04020705040A02060702" pitchFamily="82" charset="0"/>
-                  </a:rPr>
-                  <a:t> meat</a:t>
-                </a:r>
-              </a:p>
-              <a:p>
-                <a:pPr algn="ctr">
-                  <a:lnSpc>
-                    <a:spcPct val="200000"/>
-                  </a:lnSpc>
-                  <a:buSzPct val="150000"/>
-                </a:pPr>
-                <a:r>
-                  <a:rPr lang="en-US" sz="4000" dirty="0">
-                    <a:solidFill>
-                      <a:schemeClr val="tx1"/>
-                    </a:solidFill>
-                    <a:latin typeface="Algerian" panose="04020705040A02060702" pitchFamily="82" charset="0"/>
-                  </a:rPr>
-                  <a:t>          fruit/veg</a:t>
-                </a:r>
-              </a:p>
-              <a:p>
-                <a:pPr algn="ctr">
-                  <a:lnSpc>
-                    <a:spcPct val="200000"/>
-                  </a:lnSpc>
-                  <a:buSzPct val="150000"/>
-                </a:pPr>
-                <a:r>
-                  <a:rPr lang="en-US" sz="4000" dirty="0">
-                    <a:solidFill>
-                      <a:schemeClr val="tx1"/>
-                    </a:solidFill>
-                    <a:latin typeface="Algerian" panose="04020705040A02060702" pitchFamily="82" charset="0"/>
-                  </a:rPr>
-                  <a:t>  grain</a:t>
-                </a:r>
-                <a:endParaRPr lang="en-US" sz="4800" dirty="0">
-                  <a:solidFill>
-                    <a:schemeClr val="tx1"/>
-                  </a:solidFill>
-                  <a:latin typeface="Algerian" panose="04020705040A02060702" pitchFamily="82" charset="0"/>
-                </a:endParaRPr>
-              </a:p>
-            </p:txBody>
-          </p:sp>
-          <p:pic>
-            <p:nvPicPr>
-              <p:cNvPr id="32" name="Picture 31">
-                <a:extLst>
-                  <a:ext uri="{FF2B5EF4-FFF2-40B4-BE49-F238E27FC236}">
-                    <a16:creationId xmlns:a16="http://schemas.microsoft.com/office/drawing/2014/main" id="{BBB6B205-09F6-4366-AF52-949E7BADB4C7}"/>
-                  </a:ext>
-                </a:extLst>
-              </p:cNvPr>
-              <p:cNvPicPr>
-                <a:picLocks noChangeAspect="1"/>
-              </p:cNvPicPr>
-              <p:nvPr/>
-            </p:nvPicPr>
-            <p:blipFill>
-              <a:blip r:embed="rId2">
-                <a:extLst>
-                  <a:ext uri="{BEBA8EAE-BF5A-486C-A8C5-ECC9F3942E4B}">
-                    <a14:imgProps xmlns:a14="http://schemas.microsoft.com/office/drawing/2010/main">
-                      <a14:imgLayer r:embed="rId3">
-                        <a14:imgEffect>
-                          <a14:brightnessContrast contrast="40000"/>
-                        </a14:imgEffect>
-                      </a14:imgLayer>
-                    </a14:imgProps>
-                  </a:ext>
-                  <a:ext uri="{28A0092B-C50C-407E-A947-70E740481C1C}">
-                    <a14:useLocalDpi xmlns:a14="http://schemas.microsoft.com/office/drawing/2010/main" val="0"/>
-                  </a:ext>
-                </a:extLst>
-              </a:blip>
-              <a:stretch>
-                <a:fillRect/>
-              </a:stretch>
-            </p:blipFill>
-            <p:spPr>
-              <a:xfrm>
-                <a:off x="376179" y="1513444"/>
-                <a:ext cx="1303647" cy="1303647"/>
-              </a:xfrm>
-              <a:prstGeom prst="rect">
-                <a:avLst/>
-              </a:prstGeom>
-            </p:spPr>
-          </p:pic>
-          <p:pic>
-            <p:nvPicPr>
-              <p:cNvPr id="34" name="Picture 33">
-                <a:extLst>
-                  <a:ext uri="{FF2B5EF4-FFF2-40B4-BE49-F238E27FC236}">
-                    <a16:creationId xmlns:a16="http://schemas.microsoft.com/office/drawing/2014/main" id="{ACD33541-348A-4DB4-A72E-740F3538C1EC}"/>
-                  </a:ext>
-                </a:extLst>
-              </p:cNvPr>
-              <p:cNvPicPr>
-                <a:picLocks noChangeAspect="1"/>
-              </p:cNvPicPr>
-              <p:nvPr/>
-            </p:nvPicPr>
-            <p:blipFill rotWithShape="1">
-              <a:blip r:embed="rId4">
-                <a:extLst>
-                  <a:ext uri="{BEBA8EAE-BF5A-486C-A8C5-ECC9F3942E4B}">
-                    <a14:imgProps xmlns:a14="http://schemas.microsoft.com/office/drawing/2010/main">
-                      <a14:imgLayer r:embed="rId5">
-                        <a14:imgEffect>
-                          <a14:artisticPlasticWrap/>
-                        </a14:imgEffect>
-                        <a14:imgEffect>
-                          <a14:colorTemperature colorTemp="11200"/>
-                        </a14:imgEffect>
-                        <a14:imgEffect>
-                          <a14:saturation sat="400000"/>
-                        </a14:imgEffect>
-                        <a14:imgEffect>
-                          <a14:brightnessContrast contrast="40000"/>
-                        </a14:imgEffect>
-                      </a14:imgLayer>
-                    </a14:imgProps>
-                  </a:ext>
-                  <a:ext uri="{28A0092B-C50C-407E-A947-70E740481C1C}">
-                    <a14:useLocalDpi xmlns:a14="http://schemas.microsoft.com/office/drawing/2010/main" val="0"/>
-                  </a:ext>
-                </a:extLst>
-              </a:blip>
-              <a:srcRect l="28919" t="14445" r="31742" b="43757"/>
-              <a:stretch/>
-            </p:blipFill>
-            <p:spPr>
-              <a:xfrm>
-                <a:off x="2064410" y="5577430"/>
-                <a:ext cx="443346" cy="471055"/>
-              </a:xfrm>
-              <a:prstGeom prst="rect">
-                <a:avLst/>
-              </a:prstGeom>
-            </p:spPr>
-          </p:pic>
-        </p:grpSp>
-        <p:pic>
-          <p:nvPicPr>
-            <p:cNvPr id="26" name="Picture 25">
-              <a:extLst>
-                <a:ext uri="{FF2B5EF4-FFF2-40B4-BE49-F238E27FC236}">
-                  <a16:creationId xmlns:a16="http://schemas.microsoft.com/office/drawing/2014/main" id="{8743E825-0200-4FE7-823E-A3EE14383A5D}"/>
-                </a:ext>
-              </a:extLst>
-            </p:cNvPr>
-            <p:cNvPicPr>
-              <a:picLocks noChangeAspect="1"/>
-            </p:cNvPicPr>
-            <p:nvPr/>
-          </p:nvPicPr>
-          <p:blipFill>
-            <a:blip r:embed="rId6">
-              <a:clrChange>
-                <a:clrFrom>
-                  <a:srgbClr val="FFFFFF"/>
-                </a:clrFrom>
-                <a:clrTo>
-                  <a:srgbClr val="FFFFFF">
-                    <a:alpha val="0"/>
-                  </a:srgbClr>
-                </a:clrTo>
-              </a:clrChange>
-              <a:extLst>
-                <a:ext uri="{28A0092B-C50C-407E-A947-70E740481C1C}">
-                  <a14:useLocalDpi xmlns:a14="http://schemas.microsoft.com/office/drawing/2010/main" val="0"/>
-                </a:ext>
-              </a:extLst>
-            </a:blip>
-            <a:stretch>
-              <a:fillRect/>
-            </a:stretch>
-          </p:blipFill>
-          <p:spPr>
-            <a:xfrm>
-              <a:off x="581891" y="2975062"/>
-              <a:ext cx="892225" cy="1023934"/>
-            </a:xfrm>
-            <a:prstGeom prst="rect">
-              <a:avLst/>
-            </a:prstGeom>
-          </p:spPr>
-        </p:pic>
-        <p:pic>
-          <p:nvPicPr>
-            <p:cNvPr id="29" name="Picture 28">
-              <a:extLst>
-                <a:ext uri="{FF2B5EF4-FFF2-40B4-BE49-F238E27FC236}">
-                  <a16:creationId xmlns:a16="http://schemas.microsoft.com/office/drawing/2014/main" id="{C33A8FFE-907A-482E-ACED-A035A735504B}"/>
-                </a:ext>
-              </a:extLst>
-            </p:cNvPr>
-            <p:cNvPicPr>
-              <a:picLocks noChangeAspect="1"/>
-            </p:cNvPicPr>
-            <p:nvPr/>
-          </p:nvPicPr>
-          <p:blipFill>
-            <a:blip r:embed="rId7">
-              <a:clrChange>
-                <a:clrFrom>
-                  <a:srgbClr val="FFFFFF"/>
-                </a:clrFrom>
-                <a:clrTo>
-                  <a:srgbClr val="FFFFFF">
-                    <a:alpha val="0"/>
-                  </a:srgbClr>
-                </a:clrTo>
-              </a:clrChange>
-              <a:extLst>
-                <a:ext uri="{28A0092B-C50C-407E-A947-70E740481C1C}">
-                  <a14:useLocalDpi xmlns:a14="http://schemas.microsoft.com/office/drawing/2010/main" val="0"/>
-                </a:ext>
-              </a:extLst>
-            </a:blip>
-            <a:stretch>
-              <a:fillRect/>
-            </a:stretch>
-          </p:blipFill>
-          <p:spPr>
-            <a:xfrm>
-              <a:off x="530440" y="4156967"/>
-              <a:ext cx="1023934" cy="1023934"/>
-            </a:xfrm>
-            <a:prstGeom prst="rect">
-              <a:avLst/>
-            </a:prstGeom>
-          </p:spPr>
-        </p:pic>
-      </p:grpSp>
-    </p:spTree>
-    <p:extLst>
-      <p:ext uri="{BB962C8B-B14F-4D97-AF65-F5344CB8AC3E}">
-        <p14:creationId xmlns:p14="http://schemas.microsoft.com/office/powerpoint/2010/main" val="596263107"/>
-      </p:ext>
-    </p:extLst>
-  </p:cSld>
-  <p:clrMapOvr>
-    <a:masterClrMapping/>
-  </p:clrMapOvr>
-</p:sld>
-</file>
-
 <file path=ppt/theme/theme1.xml><?xml version="1.0" encoding="utf-8"?>
 <a:theme xmlns:a="http://schemas.openxmlformats.org/drawingml/2006/main" name="Office Theme">
   <a:themeElements>
